--- a/prezentace.pptx
+++ b/prezentace.pptx
@@ -5,18 +5,19 @@
     <p:sldMasterId id="2147483648" r:id="rId1"/>
   </p:sldMasterIdLst>
   <p:notesMasterIdLst>
-    <p:notesMasterId r:id="rId11"/>
+    <p:notesMasterId r:id="rId12"/>
   </p:notesMasterIdLst>
   <p:sldIdLst>
     <p:sldId id="256" r:id="rId2"/>
     <p:sldId id="257" r:id="rId3"/>
     <p:sldId id="261" r:id="rId4"/>
-    <p:sldId id="258" r:id="rId5"/>
-    <p:sldId id="259" r:id="rId6"/>
-    <p:sldId id="260" r:id="rId7"/>
-    <p:sldId id="262" r:id="rId8"/>
-    <p:sldId id="263" r:id="rId9"/>
-    <p:sldId id="264" r:id="rId10"/>
+    <p:sldId id="259" r:id="rId5"/>
+    <p:sldId id="260" r:id="rId6"/>
+    <p:sldId id="265" r:id="rId7"/>
+    <p:sldId id="258" r:id="rId8"/>
+    <p:sldId id="262" r:id="rId9"/>
+    <p:sldId id="263" r:id="rId10"/>
+    <p:sldId id="264" r:id="rId11"/>
   </p:sldIdLst>
   <p:sldSz cx="12192000" cy="6858000"/>
   <p:notesSz cx="6858000" cy="9144000"/>
@@ -115,6 +116,11 @@
       </a:defRPr>
     </a:lvl9pPr>
   </p:defaultTextStyle>
+  <p:extLst>
+    <p:ext uri="{EFAFB233-063F-42B5-8137-9DF3F51BA10A}">
+      <p15:sldGuideLst xmlns:p15="http://schemas.microsoft.com/office/powerpoint/2012/main"/>
+    </p:ext>
+  </p:extLst>
 </p:presentation>
 </file>
 
@@ -200,7 +206,7 @@
           <a:p>
             <a:fld id="{20903A36-6E2F-418C-BAF7-34EA38265B7C}" type="datetimeFigureOut">
               <a:rPr lang="cs-CZ" smtClean="0"/>
-              <a:t>02.05.2024</a:t>
+              <a:t>15.05.2024</a:t>
             </a:fld>
             <a:endParaRPr lang="cs-CZ"/>
           </a:p>
@@ -664,7 +670,7 @@
           <a:p>
             <a:fld id="{BAE878F7-514C-4A58-98C8-0EC07C44ECE9}" type="slidenum">
               <a:rPr lang="cs-CZ" smtClean="0"/>
-              <a:t>5</a:t>
+              <a:t>4</a:t>
             </a:fld>
             <a:endParaRPr lang="cs-CZ"/>
           </a:p>
@@ -830,7 +836,7 @@
           <a:p>
             <a:fld id="{9201C042-798A-4B24-B303-E8B248B3E0AB}" type="datetimeFigureOut">
               <a:rPr lang="cs-CZ" smtClean="0"/>
-              <a:t>02.05.2024</a:t>
+              <a:t>15.05.2024</a:t>
             </a:fld>
             <a:endParaRPr lang="cs-CZ"/>
           </a:p>
@@ -1028,7 +1034,7 @@
           <a:p>
             <a:fld id="{9201C042-798A-4B24-B303-E8B248B3E0AB}" type="datetimeFigureOut">
               <a:rPr lang="cs-CZ" smtClean="0"/>
-              <a:t>02.05.2024</a:t>
+              <a:t>15.05.2024</a:t>
             </a:fld>
             <a:endParaRPr lang="cs-CZ"/>
           </a:p>
@@ -1236,7 +1242,7 @@
           <a:p>
             <a:fld id="{9201C042-798A-4B24-B303-E8B248B3E0AB}" type="datetimeFigureOut">
               <a:rPr lang="cs-CZ" smtClean="0"/>
-              <a:t>02.05.2024</a:t>
+              <a:t>15.05.2024</a:t>
             </a:fld>
             <a:endParaRPr lang="cs-CZ"/>
           </a:p>
@@ -1434,7 +1440,7 @@
           <a:p>
             <a:fld id="{9201C042-798A-4B24-B303-E8B248B3E0AB}" type="datetimeFigureOut">
               <a:rPr lang="cs-CZ" smtClean="0"/>
-              <a:t>02.05.2024</a:t>
+              <a:t>15.05.2024</a:t>
             </a:fld>
             <a:endParaRPr lang="cs-CZ"/>
           </a:p>
@@ -1709,7 +1715,7 @@
           <a:p>
             <a:fld id="{9201C042-798A-4B24-B303-E8B248B3E0AB}" type="datetimeFigureOut">
               <a:rPr lang="cs-CZ" smtClean="0"/>
-              <a:t>02.05.2024</a:t>
+              <a:t>15.05.2024</a:t>
             </a:fld>
             <a:endParaRPr lang="cs-CZ"/>
           </a:p>
@@ -1974,7 +1980,7 @@
           <a:p>
             <a:fld id="{9201C042-798A-4B24-B303-E8B248B3E0AB}" type="datetimeFigureOut">
               <a:rPr lang="cs-CZ" smtClean="0"/>
-              <a:t>02.05.2024</a:t>
+              <a:t>15.05.2024</a:t>
             </a:fld>
             <a:endParaRPr lang="cs-CZ"/>
           </a:p>
@@ -2386,7 +2392,7 @@
           <a:p>
             <a:fld id="{9201C042-798A-4B24-B303-E8B248B3E0AB}" type="datetimeFigureOut">
               <a:rPr lang="cs-CZ" smtClean="0"/>
-              <a:t>02.05.2024</a:t>
+              <a:t>15.05.2024</a:t>
             </a:fld>
             <a:endParaRPr lang="cs-CZ"/>
           </a:p>
@@ -2527,7 +2533,7 @@
           <a:p>
             <a:fld id="{9201C042-798A-4B24-B303-E8B248B3E0AB}" type="datetimeFigureOut">
               <a:rPr lang="cs-CZ" smtClean="0"/>
-              <a:t>02.05.2024</a:t>
+              <a:t>15.05.2024</a:t>
             </a:fld>
             <a:endParaRPr lang="cs-CZ"/>
           </a:p>
@@ -2640,7 +2646,7 @@
           <a:p>
             <a:fld id="{9201C042-798A-4B24-B303-E8B248B3E0AB}" type="datetimeFigureOut">
               <a:rPr lang="cs-CZ" smtClean="0"/>
-              <a:t>02.05.2024</a:t>
+              <a:t>15.05.2024</a:t>
             </a:fld>
             <a:endParaRPr lang="cs-CZ"/>
           </a:p>
@@ -2951,7 +2957,7 @@
           <a:p>
             <a:fld id="{9201C042-798A-4B24-B303-E8B248B3E0AB}" type="datetimeFigureOut">
               <a:rPr lang="cs-CZ" smtClean="0"/>
-              <a:t>02.05.2024</a:t>
+              <a:t>15.05.2024</a:t>
             </a:fld>
             <a:endParaRPr lang="cs-CZ"/>
           </a:p>
@@ -3239,7 +3245,7 @@
           <a:p>
             <a:fld id="{9201C042-798A-4B24-B303-E8B248B3E0AB}" type="datetimeFigureOut">
               <a:rPr lang="cs-CZ" smtClean="0"/>
-              <a:t>02.05.2024</a:t>
+              <a:t>15.05.2024</a:t>
             </a:fld>
             <a:endParaRPr lang="cs-CZ"/>
           </a:p>
@@ -3480,7 +3486,7 @@
           <a:p>
             <a:fld id="{9201C042-798A-4B24-B303-E8B248B3E0AB}" type="datetimeFigureOut">
               <a:rPr lang="cs-CZ" smtClean="0"/>
-              <a:t>02.05.2024</a:t>
+              <a:t>15.05.2024</a:t>
             </a:fld>
             <a:endParaRPr lang="cs-CZ"/>
           </a:p>
@@ -3968,6 +3974,951 @@
 </p:sld>
 </file>
 
+<file path=ppt/slides/slide10.xml><?xml version="1.0" encoding="utf-8"?>
+<p:sld xmlns:a="http://schemas.openxmlformats.org/drawingml/2006/main" xmlns:r="http://schemas.openxmlformats.org/officeDocument/2006/relationships" xmlns:p="http://schemas.openxmlformats.org/presentationml/2006/main">
+  <p:cSld>
+    <p:spTree>
+      <p:nvGrpSpPr>
+        <p:cNvPr id="1" name=""/>
+        <p:cNvGrpSpPr/>
+        <p:nvPr/>
+      </p:nvGrpSpPr>
+      <p:grpSpPr>
+        <a:xfrm>
+          <a:off x="0" y="0"/>
+          <a:ext cx="0" cy="0"/>
+          <a:chOff x="0" y="0"/>
+          <a:chExt cx="0" cy="0"/>
+        </a:xfrm>
+      </p:grpSpPr>
+      <p:sp>
+        <p:nvSpPr>
+          <p:cNvPr id="2" name="Nadpis 1">
+            <a:extLst>
+              <a:ext uri="{FF2B5EF4-FFF2-40B4-BE49-F238E27FC236}">
+                <a16:creationId xmlns:a16="http://schemas.microsoft.com/office/drawing/2014/main" id="{F62CE87B-090C-3C03-31DE-DDC0BB6123DB}"/>
+              </a:ext>
+            </a:extLst>
+          </p:cNvPr>
+          <p:cNvSpPr>
+            <a:spLocks noGrp="1"/>
+          </p:cNvSpPr>
+          <p:nvPr>
+            <p:ph type="title"/>
+          </p:nvPr>
+        </p:nvSpPr>
+        <p:spPr/>
+        <p:txBody>
+          <a:bodyPr/>
+          <a:lstStyle/>
+          <a:p>
+            <a:r>
+              <a:rPr lang="en-US" dirty="0" err="1"/>
+              <a:t>Zdroje</a:t>
+            </a:r>
+            <a:endParaRPr lang="cs-CZ" dirty="0"/>
+          </a:p>
+        </p:txBody>
+      </p:sp>
+      <p:sp>
+        <p:nvSpPr>
+          <p:cNvPr id="3" name="Zástupný obsah 2">
+            <a:extLst>
+              <a:ext uri="{FF2B5EF4-FFF2-40B4-BE49-F238E27FC236}">
+                <a16:creationId xmlns:a16="http://schemas.microsoft.com/office/drawing/2014/main" id="{A604BCD9-22BE-C5DA-AD80-2C5D2A7E2BF6}"/>
+              </a:ext>
+            </a:extLst>
+          </p:cNvPr>
+          <p:cNvSpPr>
+            <a:spLocks noGrp="1"/>
+          </p:cNvSpPr>
+          <p:nvPr>
+            <p:ph idx="1"/>
+          </p:nvPr>
+        </p:nvSpPr>
+        <p:spPr/>
+        <p:txBody>
+          <a:bodyPr>
+            <a:normAutofit fontScale="55000" lnSpcReduction="20000"/>
+          </a:bodyPr>
+          <a:lstStyle/>
+          <a:p>
+            <a:pPr>
+              <a:lnSpc>
+                <a:spcPct val="115000"/>
+              </a:lnSpc>
+              <a:spcAft>
+                <a:spcPts val="800"/>
+              </a:spcAft>
+            </a:pPr>
+            <a:r>
+              <a:rPr lang="en-US" sz="2800" dirty="0" err="1">
+                <a:effectLst/>
+                <a:latin typeface="Arial" panose="020B0604020202020204" pitchFamily="34" charset="0"/>
+                <a:ea typeface="Arial" panose="020B0604020202020204" pitchFamily="34" charset="0"/>
+              </a:rPr>
+              <a:t>Sčítání</a:t>
+            </a:r>
+            <a:r>
+              <a:rPr lang="en-US" sz="2800" dirty="0">
+                <a:effectLst/>
+                <a:latin typeface="Arial" panose="020B0604020202020204" pitchFamily="34" charset="0"/>
+                <a:ea typeface="Arial" panose="020B0604020202020204" pitchFamily="34" charset="0"/>
+              </a:rPr>
+              <a:t> 2021 - </a:t>
+            </a:r>
+            <a:r>
+              <a:rPr lang="en-US" sz="2800" dirty="0" err="1">
+                <a:effectLst/>
+                <a:latin typeface="Arial" panose="020B0604020202020204" pitchFamily="34" charset="0"/>
+                <a:ea typeface="Arial" panose="020B0604020202020204" pitchFamily="34" charset="0"/>
+              </a:rPr>
+              <a:t>Počet</a:t>
+            </a:r>
+            <a:r>
+              <a:rPr lang="en-US" sz="2800" dirty="0">
+                <a:effectLst/>
+                <a:latin typeface="Arial" panose="020B0604020202020204" pitchFamily="34" charset="0"/>
+                <a:ea typeface="Arial" panose="020B0604020202020204" pitchFamily="34" charset="0"/>
+              </a:rPr>
+              <a:t> </a:t>
+            </a:r>
+            <a:r>
+              <a:rPr lang="en-US" sz="2800" dirty="0" err="1">
+                <a:effectLst/>
+                <a:latin typeface="Arial" panose="020B0604020202020204" pitchFamily="34" charset="0"/>
+                <a:ea typeface="Arial" panose="020B0604020202020204" pitchFamily="34" charset="0"/>
+              </a:rPr>
+              <a:t>obyvatel</a:t>
+            </a:r>
+            <a:r>
+              <a:rPr lang="en-US" sz="2800" dirty="0">
+                <a:effectLst/>
+                <a:latin typeface="Arial" panose="020B0604020202020204" pitchFamily="34" charset="0"/>
+                <a:ea typeface="Arial" panose="020B0604020202020204" pitchFamily="34" charset="0"/>
+              </a:rPr>
+              <a:t> a </a:t>
+            </a:r>
+            <a:r>
+              <a:rPr lang="en-US" sz="2800" dirty="0" err="1">
+                <a:effectLst/>
+                <a:latin typeface="Arial" panose="020B0604020202020204" pitchFamily="34" charset="0"/>
+                <a:ea typeface="Arial" panose="020B0604020202020204" pitchFamily="34" charset="0"/>
+              </a:rPr>
+              <a:t>počet</a:t>
+            </a:r>
+            <a:r>
+              <a:rPr lang="en-US" sz="2800" dirty="0">
+                <a:effectLst/>
+                <a:latin typeface="Arial" panose="020B0604020202020204" pitchFamily="34" charset="0"/>
+                <a:ea typeface="Arial" panose="020B0604020202020204" pitchFamily="34" charset="0"/>
+              </a:rPr>
+              <a:t> </a:t>
+            </a:r>
+            <a:r>
+              <a:rPr lang="en-US" sz="2800" dirty="0" err="1">
+                <a:effectLst/>
+                <a:latin typeface="Arial" panose="020B0604020202020204" pitchFamily="34" charset="0"/>
+                <a:ea typeface="Arial" panose="020B0604020202020204" pitchFamily="34" charset="0"/>
+              </a:rPr>
+              <a:t>obydlených</a:t>
+            </a:r>
+            <a:r>
+              <a:rPr lang="en-US" sz="2800" dirty="0">
+                <a:effectLst/>
+                <a:latin typeface="Arial" panose="020B0604020202020204" pitchFamily="34" charset="0"/>
+                <a:ea typeface="Arial" panose="020B0604020202020204" pitchFamily="34" charset="0"/>
+              </a:rPr>
+              <a:t> </a:t>
+            </a:r>
+            <a:r>
+              <a:rPr lang="en-US" sz="2800" dirty="0" err="1">
+                <a:effectLst/>
+                <a:latin typeface="Arial" panose="020B0604020202020204" pitchFamily="34" charset="0"/>
+                <a:ea typeface="Arial" panose="020B0604020202020204" pitchFamily="34" charset="0"/>
+              </a:rPr>
+              <a:t>bytů</a:t>
+            </a:r>
+            <a:r>
+              <a:rPr lang="en-US" sz="2800" dirty="0">
+                <a:effectLst/>
+                <a:latin typeface="Arial" panose="020B0604020202020204" pitchFamily="34" charset="0"/>
+                <a:ea typeface="Arial" panose="020B0604020202020204" pitchFamily="34" charset="0"/>
+              </a:rPr>
+              <a:t> za </a:t>
+            </a:r>
+            <a:r>
+              <a:rPr lang="en-US" sz="2800" dirty="0" err="1">
+                <a:effectLst/>
+                <a:latin typeface="Arial" panose="020B0604020202020204" pitchFamily="34" charset="0"/>
+                <a:ea typeface="Arial" panose="020B0604020202020204" pitchFamily="34" charset="0"/>
+              </a:rPr>
+              <a:t>části</a:t>
+            </a:r>
+            <a:r>
+              <a:rPr lang="en-US" sz="2800" dirty="0">
+                <a:effectLst/>
+                <a:latin typeface="Arial" panose="020B0604020202020204" pitchFamily="34" charset="0"/>
+                <a:ea typeface="Arial" panose="020B0604020202020204" pitchFamily="34" charset="0"/>
+              </a:rPr>
+              <a:t> </a:t>
+            </a:r>
+            <a:r>
+              <a:rPr lang="en-US" sz="2800" dirty="0" err="1">
+                <a:effectLst/>
+                <a:latin typeface="Arial" panose="020B0604020202020204" pitchFamily="34" charset="0"/>
+                <a:ea typeface="Arial" panose="020B0604020202020204" pitchFamily="34" charset="0"/>
+              </a:rPr>
+              <a:t>obce</a:t>
+            </a:r>
+            <a:r>
+              <a:rPr lang="en-US" sz="2800" dirty="0">
+                <a:effectLst/>
+                <a:latin typeface="Arial" panose="020B0604020202020204" pitchFamily="34" charset="0"/>
+                <a:ea typeface="Arial" panose="020B0604020202020204" pitchFamily="34" charset="0"/>
+              </a:rPr>
+              <a:t>, </a:t>
+            </a:r>
+            <a:r>
+              <a:rPr lang="en-US" sz="2800" dirty="0" err="1">
+                <a:effectLst/>
+                <a:latin typeface="Arial" panose="020B0604020202020204" pitchFamily="34" charset="0"/>
+                <a:ea typeface="Arial" panose="020B0604020202020204" pitchFamily="34" charset="0"/>
+              </a:rPr>
+              <a:t>části</a:t>
+            </a:r>
+            <a:r>
+              <a:rPr lang="en-US" sz="2800" dirty="0">
+                <a:effectLst/>
+                <a:latin typeface="Arial" panose="020B0604020202020204" pitchFamily="34" charset="0"/>
+                <a:ea typeface="Arial" panose="020B0604020202020204" pitchFamily="34" charset="0"/>
+              </a:rPr>
+              <a:t> </a:t>
+            </a:r>
+            <a:r>
+              <a:rPr lang="en-US" sz="2800" dirty="0" err="1">
+                <a:effectLst/>
+                <a:latin typeface="Arial" panose="020B0604020202020204" pitchFamily="34" charset="0"/>
+                <a:ea typeface="Arial" panose="020B0604020202020204" pitchFamily="34" charset="0"/>
+              </a:rPr>
+              <a:t>obce</a:t>
+            </a:r>
+            <a:r>
+              <a:rPr lang="en-US" sz="2800" dirty="0">
+                <a:effectLst/>
+                <a:latin typeface="Arial" panose="020B0604020202020204" pitchFamily="34" charset="0"/>
+                <a:ea typeface="Arial" panose="020B0604020202020204" pitchFamily="34" charset="0"/>
+              </a:rPr>
+              <a:t> - </a:t>
+            </a:r>
+            <a:r>
+              <a:rPr lang="en-US" sz="2800" dirty="0" err="1">
+                <a:effectLst/>
+                <a:latin typeface="Arial" panose="020B0604020202020204" pitchFamily="34" charset="0"/>
+                <a:ea typeface="Arial" panose="020B0604020202020204" pitchFamily="34" charset="0"/>
+              </a:rPr>
+              <a:t>díl</a:t>
+            </a:r>
+            <a:r>
+              <a:rPr lang="en-US" sz="2800" dirty="0">
+                <a:effectLst/>
+                <a:latin typeface="Arial" panose="020B0604020202020204" pitchFamily="34" charset="0"/>
+                <a:ea typeface="Arial" panose="020B0604020202020204" pitchFamily="34" charset="0"/>
+              </a:rPr>
+              <a:t>, ZSJ, ZDJ - </a:t>
+            </a:r>
+            <a:r>
+              <a:rPr lang="en-US" sz="2800" dirty="0" err="1">
+                <a:effectLst/>
+                <a:latin typeface="Arial" panose="020B0604020202020204" pitchFamily="34" charset="0"/>
+                <a:ea typeface="Arial" panose="020B0604020202020204" pitchFamily="34" charset="0"/>
+              </a:rPr>
+              <a:t>díl</a:t>
+            </a:r>
+            <a:r>
+              <a:rPr lang="en-US" sz="2800" dirty="0">
+                <a:effectLst/>
+                <a:latin typeface="Arial" panose="020B0604020202020204" pitchFamily="34" charset="0"/>
+                <a:ea typeface="Arial" panose="020B0604020202020204" pitchFamily="34" charset="0"/>
+              </a:rPr>
+              <a:t>.</a:t>
+            </a:r>
+            <a:r>
+              <a:rPr lang="en-US" sz="2800" i="1" dirty="0">
+                <a:effectLst/>
+                <a:latin typeface="Arial" panose="020B0604020202020204" pitchFamily="34" charset="0"/>
+                <a:ea typeface="Arial" panose="020B0604020202020204" pitchFamily="34" charset="0"/>
+              </a:rPr>
+              <a:t> </a:t>
+            </a:r>
+            <a:r>
+              <a:rPr lang="en-US" sz="2800" i="1" dirty="0" err="1">
+                <a:effectLst/>
+                <a:latin typeface="Arial" panose="020B0604020202020204" pitchFamily="34" charset="0"/>
+                <a:ea typeface="Arial" panose="020B0604020202020204" pitchFamily="34" charset="0"/>
+              </a:rPr>
+              <a:t>Sčítání</a:t>
+            </a:r>
+            <a:r>
+              <a:rPr lang="en-US" sz="2800" i="1" dirty="0">
+                <a:effectLst/>
+                <a:latin typeface="Arial" panose="020B0604020202020204" pitchFamily="34" charset="0"/>
+                <a:ea typeface="Arial" panose="020B0604020202020204" pitchFamily="34" charset="0"/>
+              </a:rPr>
+              <a:t> 2021 - </a:t>
+            </a:r>
+            <a:r>
+              <a:rPr lang="en-US" sz="2800" i="1" dirty="0" err="1">
+                <a:effectLst/>
+                <a:latin typeface="Arial" panose="020B0604020202020204" pitchFamily="34" charset="0"/>
+                <a:ea typeface="Arial" panose="020B0604020202020204" pitchFamily="34" charset="0"/>
+              </a:rPr>
+              <a:t>Počet</a:t>
+            </a:r>
+            <a:r>
+              <a:rPr lang="en-US" sz="2800" i="1" dirty="0">
+                <a:effectLst/>
+                <a:latin typeface="Arial" panose="020B0604020202020204" pitchFamily="34" charset="0"/>
+                <a:ea typeface="Arial" panose="020B0604020202020204" pitchFamily="34" charset="0"/>
+              </a:rPr>
+              <a:t> </a:t>
+            </a:r>
+            <a:r>
+              <a:rPr lang="en-US" sz="2800" i="1" dirty="0" err="1">
+                <a:effectLst/>
+                <a:latin typeface="Arial" panose="020B0604020202020204" pitchFamily="34" charset="0"/>
+                <a:ea typeface="Arial" panose="020B0604020202020204" pitchFamily="34" charset="0"/>
+              </a:rPr>
+              <a:t>obyvatel</a:t>
+            </a:r>
+            <a:r>
+              <a:rPr lang="en-US" sz="2800" i="1" dirty="0">
+                <a:effectLst/>
+                <a:latin typeface="Arial" panose="020B0604020202020204" pitchFamily="34" charset="0"/>
+                <a:ea typeface="Arial" panose="020B0604020202020204" pitchFamily="34" charset="0"/>
+              </a:rPr>
+              <a:t> a </a:t>
+            </a:r>
+            <a:r>
+              <a:rPr lang="en-US" sz="2800" i="1" dirty="0" err="1">
+                <a:effectLst/>
+                <a:latin typeface="Arial" panose="020B0604020202020204" pitchFamily="34" charset="0"/>
+                <a:ea typeface="Arial" panose="020B0604020202020204" pitchFamily="34" charset="0"/>
+              </a:rPr>
+              <a:t>počet</a:t>
+            </a:r>
+            <a:r>
+              <a:rPr lang="en-US" sz="2800" i="1" dirty="0">
+                <a:effectLst/>
+                <a:latin typeface="Arial" panose="020B0604020202020204" pitchFamily="34" charset="0"/>
+                <a:ea typeface="Arial" panose="020B0604020202020204" pitchFamily="34" charset="0"/>
+              </a:rPr>
+              <a:t> </a:t>
+            </a:r>
+            <a:r>
+              <a:rPr lang="en-US" sz="2800" i="1" dirty="0" err="1">
+                <a:effectLst/>
+                <a:latin typeface="Arial" panose="020B0604020202020204" pitchFamily="34" charset="0"/>
+                <a:ea typeface="Arial" panose="020B0604020202020204" pitchFamily="34" charset="0"/>
+              </a:rPr>
+              <a:t>obydlených</a:t>
+            </a:r>
+            <a:r>
+              <a:rPr lang="en-US" sz="2800" i="1" dirty="0">
+                <a:effectLst/>
+                <a:latin typeface="Arial" panose="020B0604020202020204" pitchFamily="34" charset="0"/>
+                <a:ea typeface="Arial" panose="020B0604020202020204" pitchFamily="34" charset="0"/>
+              </a:rPr>
+              <a:t> </a:t>
+            </a:r>
+            <a:r>
+              <a:rPr lang="en-US" sz="2800" i="1" dirty="0" err="1">
+                <a:effectLst/>
+                <a:latin typeface="Arial" panose="020B0604020202020204" pitchFamily="34" charset="0"/>
+                <a:ea typeface="Arial" panose="020B0604020202020204" pitchFamily="34" charset="0"/>
+              </a:rPr>
+              <a:t>bytů</a:t>
+            </a:r>
+            <a:r>
+              <a:rPr lang="en-US" sz="2800" i="1" dirty="0">
+                <a:effectLst/>
+                <a:latin typeface="Arial" panose="020B0604020202020204" pitchFamily="34" charset="0"/>
+                <a:ea typeface="Arial" panose="020B0604020202020204" pitchFamily="34" charset="0"/>
+              </a:rPr>
+              <a:t> za </a:t>
+            </a:r>
+            <a:r>
+              <a:rPr lang="en-US" sz="2800" i="1" dirty="0" err="1">
+                <a:effectLst/>
+                <a:latin typeface="Arial" panose="020B0604020202020204" pitchFamily="34" charset="0"/>
+                <a:ea typeface="Arial" panose="020B0604020202020204" pitchFamily="34" charset="0"/>
+              </a:rPr>
+              <a:t>části</a:t>
+            </a:r>
+            <a:r>
+              <a:rPr lang="en-US" sz="2800" i="1" dirty="0">
+                <a:effectLst/>
+                <a:latin typeface="Arial" panose="020B0604020202020204" pitchFamily="34" charset="0"/>
+                <a:ea typeface="Arial" panose="020B0604020202020204" pitchFamily="34" charset="0"/>
+              </a:rPr>
+              <a:t> </a:t>
+            </a:r>
+            <a:r>
+              <a:rPr lang="en-US" sz="2800" i="1" dirty="0" err="1">
+                <a:effectLst/>
+                <a:latin typeface="Arial" panose="020B0604020202020204" pitchFamily="34" charset="0"/>
+                <a:ea typeface="Arial" panose="020B0604020202020204" pitchFamily="34" charset="0"/>
+              </a:rPr>
+              <a:t>obce</a:t>
+            </a:r>
+            <a:r>
+              <a:rPr lang="en-US" sz="2800" i="1" dirty="0">
+                <a:effectLst/>
+                <a:latin typeface="Arial" panose="020B0604020202020204" pitchFamily="34" charset="0"/>
+                <a:ea typeface="Arial" panose="020B0604020202020204" pitchFamily="34" charset="0"/>
+              </a:rPr>
+              <a:t>, </a:t>
+            </a:r>
+            <a:r>
+              <a:rPr lang="en-US" sz="2800" i="1" dirty="0" err="1">
+                <a:effectLst/>
+                <a:latin typeface="Arial" panose="020B0604020202020204" pitchFamily="34" charset="0"/>
+                <a:ea typeface="Arial" panose="020B0604020202020204" pitchFamily="34" charset="0"/>
+              </a:rPr>
+              <a:t>části</a:t>
+            </a:r>
+            <a:r>
+              <a:rPr lang="en-US" sz="2800" i="1" dirty="0">
+                <a:effectLst/>
+                <a:latin typeface="Arial" panose="020B0604020202020204" pitchFamily="34" charset="0"/>
+                <a:ea typeface="Arial" panose="020B0604020202020204" pitchFamily="34" charset="0"/>
+              </a:rPr>
+              <a:t> </a:t>
+            </a:r>
+            <a:r>
+              <a:rPr lang="en-US" sz="2800" i="1" dirty="0" err="1">
+                <a:effectLst/>
+                <a:latin typeface="Arial" panose="020B0604020202020204" pitchFamily="34" charset="0"/>
+                <a:ea typeface="Arial" panose="020B0604020202020204" pitchFamily="34" charset="0"/>
+              </a:rPr>
+              <a:t>obce</a:t>
+            </a:r>
+            <a:r>
+              <a:rPr lang="en-US" sz="2800" i="1" dirty="0">
+                <a:effectLst/>
+                <a:latin typeface="Arial" panose="020B0604020202020204" pitchFamily="34" charset="0"/>
+                <a:ea typeface="Arial" panose="020B0604020202020204" pitchFamily="34" charset="0"/>
+              </a:rPr>
+              <a:t> - </a:t>
+            </a:r>
+            <a:r>
+              <a:rPr lang="en-US" sz="2800" i="1" dirty="0" err="1">
+                <a:effectLst/>
+                <a:latin typeface="Arial" panose="020B0604020202020204" pitchFamily="34" charset="0"/>
+                <a:ea typeface="Arial" panose="020B0604020202020204" pitchFamily="34" charset="0"/>
+              </a:rPr>
+              <a:t>díl</a:t>
+            </a:r>
+            <a:r>
+              <a:rPr lang="en-US" sz="2800" i="1" dirty="0">
+                <a:effectLst/>
+                <a:latin typeface="Arial" panose="020B0604020202020204" pitchFamily="34" charset="0"/>
+                <a:ea typeface="Arial" panose="020B0604020202020204" pitchFamily="34" charset="0"/>
+              </a:rPr>
+              <a:t>, ZSJ, ZDJ - </a:t>
+            </a:r>
+            <a:r>
+              <a:rPr lang="en-US" sz="2800" i="1" dirty="0" err="1">
+                <a:effectLst/>
+                <a:latin typeface="Arial" panose="020B0604020202020204" pitchFamily="34" charset="0"/>
+                <a:ea typeface="Arial" panose="020B0604020202020204" pitchFamily="34" charset="0"/>
+              </a:rPr>
+              <a:t>díl</a:t>
+            </a:r>
+            <a:r>
+              <a:rPr lang="en-US" sz="2800" i="1" dirty="0">
+                <a:effectLst/>
+                <a:latin typeface="Arial" panose="020B0604020202020204" pitchFamily="34" charset="0"/>
+                <a:ea typeface="Arial" panose="020B0604020202020204" pitchFamily="34" charset="0"/>
+              </a:rPr>
+              <a:t>,</a:t>
+            </a:r>
+            <a:r>
+              <a:rPr lang="en-US" sz="2800" dirty="0">
+                <a:effectLst/>
+                <a:latin typeface="Arial" panose="020B0604020202020204" pitchFamily="34" charset="0"/>
+                <a:ea typeface="Arial" panose="020B0604020202020204" pitchFamily="34" charset="0"/>
+              </a:rPr>
+              <a:t> [online]. 2021 [cit. 2024-05-01]. </a:t>
+            </a:r>
+            <a:r>
+              <a:rPr lang="en-US" sz="2800" dirty="0" err="1">
+                <a:effectLst/>
+                <a:latin typeface="Arial" panose="020B0604020202020204" pitchFamily="34" charset="0"/>
+                <a:ea typeface="Arial" panose="020B0604020202020204" pitchFamily="34" charset="0"/>
+              </a:rPr>
+              <a:t>Dostupné</a:t>
+            </a:r>
+            <a:r>
+              <a:rPr lang="en-US" sz="2800" dirty="0">
+                <a:effectLst/>
+                <a:latin typeface="Arial" panose="020B0604020202020204" pitchFamily="34" charset="0"/>
+                <a:ea typeface="Arial" panose="020B0604020202020204" pitchFamily="34" charset="0"/>
+              </a:rPr>
+              <a:t> z: https://data.gov.cz/datov%C3%A1-sada?iri=https%3A%2F%2Fdata.gov.cz%2Fzdroj%2Fdatov%C3%A9-sady%2F00025593%2F64124fc8f6b49a7e687e0f03e935b687</a:t>
+            </a:r>
+            <a:endParaRPr lang="cs-CZ" sz="2800" dirty="0">
+              <a:effectLst/>
+              <a:latin typeface="Arial" panose="020B0604020202020204" pitchFamily="34" charset="0"/>
+              <a:ea typeface="Arial" panose="020B0604020202020204" pitchFamily="34" charset="0"/>
+            </a:endParaRPr>
+          </a:p>
+          <a:p>
+            <a:pPr>
+              <a:lnSpc>
+                <a:spcPct val="115000"/>
+              </a:lnSpc>
+              <a:spcAft>
+                <a:spcPts val="800"/>
+              </a:spcAft>
+            </a:pPr>
+            <a:r>
+              <a:rPr lang="en-US" sz="2800" dirty="0">
+                <a:effectLst/>
+                <a:latin typeface="Arial" panose="020B0604020202020204" pitchFamily="34" charset="0"/>
+                <a:ea typeface="Arial" panose="020B0604020202020204" pitchFamily="34" charset="0"/>
+              </a:rPr>
+              <a:t>Layer: </a:t>
+            </a:r>
+            <a:r>
+              <a:rPr lang="en-US" sz="2800" dirty="0" err="1">
+                <a:effectLst/>
+                <a:latin typeface="Arial" panose="020B0604020202020204" pitchFamily="34" charset="0"/>
+                <a:ea typeface="Arial" panose="020B0604020202020204" pitchFamily="34" charset="0"/>
+              </a:rPr>
+              <a:t>komplexní</a:t>
+            </a:r>
+            <a:r>
+              <a:rPr lang="en-US" sz="2800" dirty="0">
+                <a:effectLst/>
+                <a:latin typeface="Arial" panose="020B0604020202020204" pitchFamily="34" charset="0"/>
+                <a:ea typeface="Arial" panose="020B0604020202020204" pitchFamily="34" charset="0"/>
+              </a:rPr>
+              <a:t> Rn info (ID: 0).</a:t>
+            </a:r>
+            <a:r>
+              <a:rPr lang="en-US" sz="2800" i="1" dirty="0">
+                <a:effectLst/>
+                <a:latin typeface="Arial" panose="020B0604020202020204" pitchFamily="34" charset="0"/>
+                <a:ea typeface="Arial" panose="020B0604020202020204" pitchFamily="34" charset="0"/>
+              </a:rPr>
+              <a:t> Layer: </a:t>
+            </a:r>
+            <a:r>
+              <a:rPr lang="en-US" sz="2800" i="1" dirty="0" err="1">
+                <a:effectLst/>
+                <a:latin typeface="Arial" panose="020B0604020202020204" pitchFamily="34" charset="0"/>
+                <a:ea typeface="Arial" panose="020B0604020202020204" pitchFamily="34" charset="0"/>
+              </a:rPr>
+              <a:t>komplexní</a:t>
+            </a:r>
+            <a:r>
+              <a:rPr lang="en-US" sz="2800" i="1" dirty="0">
+                <a:effectLst/>
+                <a:latin typeface="Arial" panose="020B0604020202020204" pitchFamily="34" charset="0"/>
+                <a:ea typeface="Arial" panose="020B0604020202020204" pitchFamily="34" charset="0"/>
+              </a:rPr>
+              <a:t> Rn info (ID: 0)</a:t>
+            </a:r>
+            <a:r>
+              <a:rPr lang="en-US" sz="2800" dirty="0">
+                <a:effectLst/>
+                <a:latin typeface="Arial" panose="020B0604020202020204" pitchFamily="34" charset="0"/>
+                <a:ea typeface="Arial" panose="020B0604020202020204" pitchFamily="34" charset="0"/>
+              </a:rPr>
+              <a:t> [online]. [cit. 2024-05-01]. </a:t>
+            </a:r>
+            <a:r>
+              <a:rPr lang="en-US" sz="2800" dirty="0" err="1">
+                <a:effectLst/>
+                <a:latin typeface="Arial" panose="020B0604020202020204" pitchFamily="34" charset="0"/>
+                <a:ea typeface="Arial" panose="020B0604020202020204" pitchFamily="34" charset="0"/>
+              </a:rPr>
+              <a:t>Dostupné</a:t>
+            </a:r>
+            <a:r>
+              <a:rPr lang="en-US" sz="2800" dirty="0">
+                <a:effectLst/>
+                <a:latin typeface="Arial" panose="020B0604020202020204" pitchFamily="34" charset="0"/>
+                <a:ea typeface="Arial" panose="020B0604020202020204" pitchFamily="34" charset="0"/>
+              </a:rPr>
+              <a:t> z: https://mapy.geology.cz/arcgis/rest/services/Geohazardy/radon_komplexni_informace/MapServer/0</a:t>
+            </a:r>
+            <a:endParaRPr lang="cs-CZ" sz="2800" dirty="0">
+              <a:effectLst/>
+              <a:latin typeface="Arial" panose="020B0604020202020204" pitchFamily="34" charset="0"/>
+              <a:ea typeface="Arial" panose="020B0604020202020204" pitchFamily="34" charset="0"/>
+            </a:endParaRPr>
+          </a:p>
+          <a:p>
+            <a:pPr>
+              <a:lnSpc>
+                <a:spcPct val="115000"/>
+              </a:lnSpc>
+              <a:spcAft>
+                <a:spcPts val="800"/>
+              </a:spcAft>
+            </a:pPr>
+            <a:r>
+              <a:rPr lang="en-US" sz="2800" dirty="0">
+                <a:effectLst/>
+                <a:latin typeface="Arial" panose="020B0604020202020204" pitchFamily="34" charset="0"/>
+                <a:ea typeface="Arial" panose="020B0604020202020204" pitchFamily="34" charset="0"/>
+              </a:rPr>
+              <a:t>NZIP.CZ. </a:t>
+            </a:r>
+            <a:r>
+              <a:rPr lang="en-US" sz="2800" dirty="0" err="1">
+                <a:effectLst/>
+                <a:latin typeface="Arial" panose="020B0604020202020204" pitchFamily="34" charset="0"/>
+                <a:ea typeface="Arial" panose="020B0604020202020204" pitchFamily="34" charset="0"/>
+              </a:rPr>
+              <a:t>Národní</a:t>
+            </a:r>
+            <a:r>
+              <a:rPr lang="en-US" sz="2800" dirty="0">
+                <a:effectLst/>
+                <a:latin typeface="Arial" panose="020B0604020202020204" pitchFamily="34" charset="0"/>
+                <a:ea typeface="Arial" panose="020B0604020202020204" pitchFamily="34" charset="0"/>
+              </a:rPr>
+              <a:t> </a:t>
+            </a:r>
+            <a:r>
+              <a:rPr lang="en-US" sz="2800" dirty="0" err="1">
+                <a:effectLst/>
+                <a:latin typeface="Arial" panose="020B0604020202020204" pitchFamily="34" charset="0"/>
+                <a:ea typeface="Arial" panose="020B0604020202020204" pitchFamily="34" charset="0"/>
+              </a:rPr>
+              <a:t>onkologický</a:t>
+            </a:r>
+            <a:r>
+              <a:rPr lang="en-US" sz="2800" dirty="0">
+                <a:effectLst/>
+                <a:latin typeface="Arial" panose="020B0604020202020204" pitchFamily="34" charset="0"/>
+                <a:ea typeface="Arial" panose="020B0604020202020204" pitchFamily="34" charset="0"/>
+              </a:rPr>
+              <a:t> </a:t>
+            </a:r>
+            <a:r>
+              <a:rPr lang="en-US" sz="2800" dirty="0" err="1">
+                <a:effectLst/>
+                <a:latin typeface="Arial" panose="020B0604020202020204" pitchFamily="34" charset="0"/>
+                <a:ea typeface="Arial" panose="020B0604020202020204" pitchFamily="34" charset="0"/>
+              </a:rPr>
+              <a:t>registr</a:t>
+            </a:r>
+            <a:r>
+              <a:rPr lang="en-US" sz="2800" dirty="0">
+                <a:effectLst/>
+                <a:latin typeface="Arial" panose="020B0604020202020204" pitchFamily="34" charset="0"/>
+                <a:ea typeface="Arial" panose="020B0604020202020204" pitchFamily="34" charset="0"/>
+              </a:rPr>
+              <a:t>: </a:t>
+            </a:r>
+            <a:r>
+              <a:rPr lang="en-US" sz="2800" dirty="0" err="1">
+                <a:effectLst/>
+                <a:latin typeface="Arial" panose="020B0604020202020204" pitchFamily="34" charset="0"/>
+                <a:ea typeface="Arial" panose="020B0604020202020204" pitchFamily="34" charset="0"/>
+              </a:rPr>
+              <a:t>Datové</a:t>
+            </a:r>
+            <a:r>
+              <a:rPr lang="en-US" sz="2800" dirty="0">
+                <a:effectLst/>
+                <a:latin typeface="Arial" panose="020B0604020202020204" pitchFamily="34" charset="0"/>
+                <a:ea typeface="Arial" panose="020B0604020202020204" pitchFamily="34" charset="0"/>
+              </a:rPr>
+              <a:t> </a:t>
+            </a:r>
+            <a:r>
+              <a:rPr lang="en-US" sz="2800" dirty="0" err="1">
+                <a:effectLst/>
+                <a:latin typeface="Arial" panose="020B0604020202020204" pitchFamily="34" charset="0"/>
+                <a:ea typeface="Arial" panose="020B0604020202020204" pitchFamily="34" charset="0"/>
+              </a:rPr>
+              <a:t>souhrny</a:t>
+            </a:r>
+            <a:r>
+              <a:rPr lang="en-US" sz="2800" dirty="0">
+                <a:effectLst/>
+                <a:latin typeface="Arial" panose="020B0604020202020204" pitchFamily="34" charset="0"/>
+                <a:ea typeface="Arial" panose="020B0604020202020204" pitchFamily="34" charset="0"/>
+              </a:rPr>
+              <a:t>.</a:t>
+            </a:r>
+            <a:r>
+              <a:rPr lang="en-US" sz="2800" i="1" dirty="0">
+                <a:effectLst/>
+                <a:latin typeface="Arial" panose="020B0604020202020204" pitchFamily="34" charset="0"/>
+                <a:ea typeface="Arial" panose="020B0604020202020204" pitchFamily="34" charset="0"/>
+              </a:rPr>
+              <a:t> </a:t>
+            </a:r>
+            <a:r>
+              <a:rPr lang="en-US" sz="2800" i="1" dirty="0" err="1">
+                <a:effectLst/>
+                <a:latin typeface="Arial" panose="020B0604020202020204" pitchFamily="34" charset="0"/>
+                <a:ea typeface="Arial" panose="020B0604020202020204" pitchFamily="34" charset="0"/>
+              </a:rPr>
+              <a:t>Národní</a:t>
+            </a:r>
+            <a:r>
+              <a:rPr lang="en-US" sz="2800" i="1" dirty="0">
+                <a:effectLst/>
+                <a:latin typeface="Arial" panose="020B0604020202020204" pitchFamily="34" charset="0"/>
+                <a:ea typeface="Arial" panose="020B0604020202020204" pitchFamily="34" charset="0"/>
+              </a:rPr>
+              <a:t> </a:t>
+            </a:r>
+            <a:r>
+              <a:rPr lang="en-US" sz="2800" i="1" dirty="0" err="1">
+                <a:effectLst/>
+                <a:latin typeface="Arial" panose="020B0604020202020204" pitchFamily="34" charset="0"/>
+                <a:ea typeface="Arial" panose="020B0604020202020204" pitchFamily="34" charset="0"/>
+              </a:rPr>
+              <a:t>onkologický</a:t>
+            </a:r>
+            <a:r>
+              <a:rPr lang="en-US" sz="2800" i="1" dirty="0">
+                <a:effectLst/>
+                <a:latin typeface="Arial" panose="020B0604020202020204" pitchFamily="34" charset="0"/>
+                <a:ea typeface="Arial" panose="020B0604020202020204" pitchFamily="34" charset="0"/>
+              </a:rPr>
+              <a:t> </a:t>
+            </a:r>
+            <a:r>
+              <a:rPr lang="en-US" sz="2800" i="1" dirty="0" err="1">
+                <a:effectLst/>
+                <a:latin typeface="Arial" panose="020B0604020202020204" pitchFamily="34" charset="0"/>
+                <a:ea typeface="Arial" panose="020B0604020202020204" pitchFamily="34" charset="0"/>
+              </a:rPr>
+              <a:t>registr</a:t>
+            </a:r>
+            <a:r>
+              <a:rPr lang="en-US" sz="2800" dirty="0">
+                <a:effectLst/>
+                <a:latin typeface="Arial" panose="020B0604020202020204" pitchFamily="34" charset="0"/>
+                <a:ea typeface="Arial" panose="020B0604020202020204" pitchFamily="34" charset="0"/>
+              </a:rPr>
+              <a:t> [online]. [cit. 2024-05-01]. </a:t>
+            </a:r>
+            <a:r>
+              <a:rPr lang="en-US" sz="2800" dirty="0" err="1">
+                <a:effectLst/>
+                <a:latin typeface="Arial" panose="020B0604020202020204" pitchFamily="34" charset="0"/>
+                <a:ea typeface="Arial" panose="020B0604020202020204" pitchFamily="34" charset="0"/>
+              </a:rPr>
+              <a:t>Dostupné</a:t>
+            </a:r>
+            <a:r>
+              <a:rPr lang="en-US" sz="2800" dirty="0">
+                <a:effectLst/>
+                <a:latin typeface="Arial" panose="020B0604020202020204" pitchFamily="34" charset="0"/>
+                <a:ea typeface="Arial" panose="020B0604020202020204" pitchFamily="34" charset="0"/>
+              </a:rPr>
+              <a:t> z: https://www.nzip.cz/kategorie/288-narodni-onkologicky-registr-datove-souhrny</a:t>
+            </a:r>
+            <a:endParaRPr lang="cs-CZ" sz="2800" dirty="0">
+              <a:effectLst/>
+              <a:latin typeface="Arial" panose="020B0604020202020204" pitchFamily="34" charset="0"/>
+              <a:ea typeface="Arial" panose="020B0604020202020204" pitchFamily="34" charset="0"/>
+            </a:endParaRPr>
+          </a:p>
+          <a:p>
+            <a:pPr>
+              <a:lnSpc>
+                <a:spcPct val="115000"/>
+              </a:lnSpc>
+              <a:spcAft>
+                <a:spcPts val="800"/>
+              </a:spcAft>
+            </a:pPr>
+            <a:r>
+              <a:rPr lang="en-US" sz="2800" dirty="0">
+                <a:effectLst/>
+                <a:latin typeface="Arial" panose="020B0604020202020204" pitchFamily="34" charset="0"/>
+                <a:ea typeface="Arial" panose="020B0604020202020204" pitchFamily="34" charset="0"/>
+              </a:rPr>
+              <a:t>CIABATTINI, Marco, Emanuele RIZZELLO, Francesca LUCARONI, Leonardo PALOMBI a Paolo A. BOFFETTA. Systematic review and meta-analysis of recent high-quality studies on exposure to particulate matter and risk of lung cancer.</a:t>
+            </a:r>
+            <a:r>
+              <a:rPr lang="en-US" sz="2800" i="1" dirty="0">
+                <a:effectLst/>
+                <a:latin typeface="Arial" panose="020B0604020202020204" pitchFamily="34" charset="0"/>
+                <a:ea typeface="Arial" panose="020B0604020202020204" pitchFamily="34" charset="0"/>
+              </a:rPr>
+              <a:t> Environmental Research</a:t>
+            </a:r>
+            <a:r>
+              <a:rPr lang="en-US" sz="2800" dirty="0">
+                <a:effectLst/>
+                <a:latin typeface="Arial" panose="020B0604020202020204" pitchFamily="34" charset="0"/>
+                <a:ea typeface="Arial" panose="020B0604020202020204" pitchFamily="34" charset="0"/>
+              </a:rPr>
+              <a:t> [online]. May 2021, </a:t>
+            </a:r>
+            <a:r>
+              <a:rPr lang="en-US" sz="2800" b="1" dirty="0">
+                <a:effectLst/>
+                <a:latin typeface="Arial" panose="020B0604020202020204" pitchFamily="34" charset="0"/>
+                <a:ea typeface="Arial" panose="020B0604020202020204" pitchFamily="34" charset="0"/>
+              </a:rPr>
+              <a:t>2021</a:t>
+            </a:r>
+            <a:r>
+              <a:rPr lang="en-US" sz="2800" dirty="0">
+                <a:effectLst/>
+                <a:latin typeface="Arial" panose="020B0604020202020204" pitchFamily="34" charset="0"/>
+                <a:ea typeface="Arial" panose="020B0604020202020204" pitchFamily="34" charset="0"/>
+              </a:rPr>
+              <a:t>(196:110440) [cit. 2024-05-01]. ISSN 0013-9351. </a:t>
+            </a:r>
+            <a:r>
+              <a:rPr lang="en-US" sz="2800" dirty="0" err="1">
+                <a:effectLst/>
+                <a:latin typeface="Arial" panose="020B0604020202020204" pitchFamily="34" charset="0"/>
+                <a:ea typeface="Arial" panose="020B0604020202020204" pitchFamily="34" charset="0"/>
+              </a:rPr>
+              <a:t>Dostupné</a:t>
+            </a:r>
+            <a:r>
+              <a:rPr lang="en-US" sz="2800" dirty="0">
+                <a:effectLst/>
+                <a:latin typeface="Arial" panose="020B0604020202020204" pitchFamily="34" charset="0"/>
+                <a:ea typeface="Arial" panose="020B0604020202020204" pitchFamily="34" charset="0"/>
+              </a:rPr>
+              <a:t> z: </a:t>
+            </a:r>
+            <a:r>
+              <a:rPr lang="en-US" sz="2800" dirty="0" err="1">
+                <a:effectLst/>
+                <a:latin typeface="Arial" panose="020B0604020202020204" pitchFamily="34" charset="0"/>
+                <a:ea typeface="Arial" panose="020B0604020202020204" pitchFamily="34" charset="0"/>
+              </a:rPr>
+              <a:t>doi:https</a:t>
+            </a:r>
+            <a:r>
+              <a:rPr lang="en-US" sz="2800" dirty="0">
+                <a:effectLst/>
+                <a:latin typeface="Arial" panose="020B0604020202020204" pitchFamily="34" charset="0"/>
+                <a:ea typeface="Arial" panose="020B0604020202020204" pitchFamily="34" charset="0"/>
+              </a:rPr>
+              <a:t>://doi.org/10.1016/j.envres.2020.110440</a:t>
+            </a:r>
+            <a:endParaRPr lang="cs-CZ" sz="2800" dirty="0">
+              <a:effectLst/>
+              <a:latin typeface="Arial" panose="020B0604020202020204" pitchFamily="34" charset="0"/>
+              <a:ea typeface="Arial" panose="020B0604020202020204" pitchFamily="34" charset="0"/>
+            </a:endParaRPr>
+          </a:p>
+          <a:p>
+            <a:pPr>
+              <a:lnSpc>
+                <a:spcPct val="115000"/>
+              </a:lnSpc>
+              <a:spcAft>
+                <a:spcPts val="800"/>
+              </a:spcAft>
+            </a:pPr>
+            <a:r>
+              <a:rPr lang="en-US" sz="2800" dirty="0">
+                <a:effectLst/>
+                <a:latin typeface="Arial" panose="020B0604020202020204" pitchFamily="34" charset="0"/>
+                <a:ea typeface="Arial" panose="020B0604020202020204" pitchFamily="34" charset="0"/>
+              </a:rPr>
+              <a:t>TARSHEEN K., Sethi, El-</a:t>
+            </a:r>
+            <a:r>
+              <a:rPr lang="en-US" sz="2800" dirty="0" err="1">
+                <a:effectLst/>
+                <a:latin typeface="Arial" panose="020B0604020202020204" pitchFamily="34" charset="0"/>
+                <a:ea typeface="Arial" panose="020B0604020202020204" pitchFamily="34" charset="0"/>
+              </a:rPr>
+              <a:t>Ghamry</a:t>
+            </a:r>
+            <a:r>
+              <a:rPr lang="en-US" sz="2800" dirty="0">
+                <a:effectLst/>
+                <a:latin typeface="Arial" panose="020B0604020202020204" pitchFamily="34" charset="0"/>
+                <a:ea typeface="Arial" panose="020B0604020202020204" pitchFamily="34" charset="0"/>
+              </a:rPr>
+              <a:t> MOATAZ N. a </a:t>
+            </a:r>
+            <a:r>
+              <a:rPr lang="en-US" sz="2800" dirty="0" err="1">
+                <a:effectLst/>
+                <a:latin typeface="Arial" panose="020B0604020202020204" pitchFamily="34" charset="0"/>
+                <a:ea typeface="Arial" panose="020B0604020202020204" pitchFamily="34" charset="0"/>
+              </a:rPr>
+              <a:t>Kloecker</a:t>
+            </a:r>
+            <a:r>
+              <a:rPr lang="en-US" sz="2800" dirty="0">
+                <a:effectLst/>
+                <a:latin typeface="Arial" panose="020B0604020202020204" pitchFamily="34" charset="0"/>
+                <a:ea typeface="Arial" panose="020B0604020202020204" pitchFamily="34" charset="0"/>
+              </a:rPr>
+              <a:t> GOETZ H. Radon and Lung Cancer.</a:t>
+            </a:r>
+            <a:r>
+              <a:rPr lang="en-US" sz="2800" i="1" dirty="0">
+                <a:effectLst/>
+                <a:latin typeface="Arial" panose="020B0604020202020204" pitchFamily="34" charset="0"/>
+                <a:ea typeface="Arial" panose="020B0604020202020204" pitchFamily="34" charset="0"/>
+              </a:rPr>
+              <a:t> Clinical Advances in Hematology &amp; Oncology</a:t>
+            </a:r>
+            <a:r>
+              <a:rPr lang="en-US" sz="2800" dirty="0">
+                <a:effectLst/>
+                <a:latin typeface="Arial" panose="020B0604020202020204" pitchFamily="34" charset="0"/>
+                <a:ea typeface="Arial" panose="020B0604020202020204" pitchFamily="34" charset="0"/>
+              </a:rPr>
+              <a:t>. March 2012, </a:t>
+            </a:r>
+            <a:r>
+              <a:rPr lang="en-US" sz="2800" b="1" dirty="0">
+                <a:effectLst/>
+                <a:latin typeface="Arial" panose="020B0604020202020204" pitchFamily="34" charset="0"/>
+                <a:ea typeface="Arial" panose="020B0604020202020204" pitchFamily="34" charset="0"/>
+              </a:rPr>
+              <a:t>10</a:t>
+            </a:r>
+            <a:r>
+              <a:rPr lang="en-US" sz="2800" dirty="0">
+                <a:effectLst/>
+                <a:latin typeface="Arial" panose="020B0604020202020204" pitchFamily="34" charset="0"/>
+                <a:ea typeface="Arial" panose="020B0604020202020204" pitchFamily="34" charset="0"/>
+              </a:rPr>
+              <a:t>(3), 157-164.</a:t>
+            </a:r>
+          </a:p>
+        </p:txBody>
+      </p:sp>
+    </p:spTree>
+    <p:extLst>
+      <p:ext uri="{BB962C8B-B14F-4D97-AF65-F5344CB8AC3E}">
+        <p14:creationId xmlns:p14="http://schemas.microsoft.com/office/powerpoint/2010/main" val="1798525968"/>
+      </p:ext>
+    </p:extLst>
+  </p:cSld>
+  <p:clrMapOvr>
+    <a:masterClrMapping/>
+  </p:clrMapOvr>
+</p:sld>
+</file>
+
 <file path=ppt/slides/slide2.xml><?xml version="1.0" encoding="utf-8"?>
 <p:sld xmlns:a="http://schemas.openxmlformats.org/drawingml/2006/main" xmlns:r="http://schemas.openxmlformats.org/officeDocument/2006/relationships" xmlns:p="http://schemas.openxmlformats.org/presentationml/2006/main">
   <p:cSld>
@@ -4209,129 +5160,6 @@
 </file>
 
 <file path=ppt/slides/slide4.xml><?xml version="1.0" encoding="utf-8"?>
-<p:sld xmlns:a="http://schemas.openxmlformats.org/drawingml/2006/main" xmlns:r="http://schemas.openxmlformats.org/officeDocument/2006/relationships" xmlns:p="http://schemas.openxmlformats.org/presentationml/2006/main">
-  <p:cSld>
-    <p:spTree>
-      <p:nvGrpSpPr>
-        <p:cNvPr id="1" name=""/>
-        <p:cNvGrpSpPr/>
-        <p:nvPr/>
-      </p:nvGrpSpPr>
-      <p:grpSpPr>
-        <a:xfrm>
-          <a:off x="0" y="0"/>
-          <a:ext cx="0" cy="0"/>
-          <a:chOff x="0" y="0"/>
-          <a:chExt cx="0" cy="0"/>
-        </a:xfrm>
-      </p:grpSpPr>
-      <p:sp>
-        <p:nvSpPr>
-          <p:cNvPr id="2" name="Nadpis 1">
-            <a:extLst>
-              <a:ext uri="{FF2B5EF4-FFF2-40B4-BE49-F238E27FC236}">
-                <a16:creationId xmlns:a16="http://schemas.microsoft.com/office/drawing/2014/main" id="{6C7B488D-ABEF-CA4A-FF46-37E82F6BF17B}"/>
-              </a:ext>
-            </a:extLst>
-          </p:cNvPr>
-          <p:cNvSpPr>
-            <a:spLocks noGrp="1"/>
-          </p:cNvSpPr>
-          <p:nvPr>
-            <p:ph type="title"/>
-          </p:nvPr>
-        </p:nvSpPr>
-        <p:spPr/>
-        <p:txBody>
-          <a:bodyPr/>
-          <a:lstStyle/>
-          <a:p>
-            <a:r>
-              <a:rPr lang="cs-CZ" dirty="0"/>
-              <a:t>Analýza</a:t>
-            </a:r>
-          </a:p>
-        </p:txBody>
-      </p:sp>
-      <p:sp>
-        <p:nvSpPr>
-          <p:cNvPr id="3" name="Zástupný obsah 2">
-            <a:extLst>
-              <a:ext uri="{FF2B5EF4-FFF2-40B4-BE49-F238E27FC236}">
-                <a16:creationId xmlns:a16="http://schemas.microsoft.com/office/drawing/2014/main" id="{A018C824-C16B-584E-1741-EC178E972825}"/>
-              </a:ext>
-            </a:extLst>
-          </p:cNvPr>
-          <p:cNvSpPr>
-            <a:spLocks noGrp="1"/>
-          </p:cNvSpPr>
-          <p:nvPr>
-            <p:ph idx="1"/>
-          </p:nvPr>
-        </p:nvSpPr>
-        <p:spPr/>
-        <p:txBody>
-          <a:bodyPr/>
-          <a:lstStyle/>
-          <a:p>
-            <a:r>
-              <a:rPr lang="cs-CZ" dirty="0"/>
-              <a:t>Data o radonovém indexu byla získána z </a:t>
-            </a:r>
-            <a:r>
-              <a:rPr lang="cs-CZ" dirty="0" err="1"/>
-              <a:t>RESTového</a:t>
-            </a:r>
-            <a:r>
-              <a:rPr lang="cs-CZ" dirty="0"/>
-              <a:t> rozhraní webu České geologické služby</a:t>
-            </a:r>
-          </a:p>
-          <a:p>
-            <a:r>
-              <a:rPr lang="cs-CZ" dirty="0"/>
-              <a:t>Ty se vztahovala na části obcí a pro přepočítání na okresy byl použit vážený průměr, kde váhy představovaly počty obyvatel (získáno ze sčítání lidu 2021)</a:t>
-            </a:r>
-          </a:p>
-          <a:p>
-            <a:r>
-              <a:rPr lang="cs-CZ" dirty="0"/>
-              <a:t>Příslušnost k okresům byla získána z ČSÚ</a:t>
-            </a:r>
-          </a:p>
-          <a:p>
-            <a:r>
-              <a:rPr lang="cs-CZ" dirty="0"/>
-              <a:t>Data o novotvarech plic jsem získal z Národního onkologického registru</a:t>
-            </a:r>
-          </a:p>
-          <a:p>
-            <a:r>
-              <a:rPr lang="cs-CZ" dirty="0"/>
-              <a:t>Data byla zpracována pomocí Pythonu a vizualizována v </a:t>
-            </a:r>
-            <a:r>
-              <a:rPr lang="cs-CZ" dirty="0" err="1"/>
-              <a:t>LaTeXu</a:t>
-            </a:r>
-            <a:endParaRPr lang="cs-CZ" dirty="0"/>
-          </a:p>
-        </p:txBody>
-      </p:sp>
-    </p:spTree>
-    <p:extLst>
-      <p:ext uri="{BB962C8B-B14F-4D97-AF65-F5344CB8AC3E}">
-        <p14:creationId xmlns:p14="http://schemas.microsoft.com/office/powerpoint/2010/main" val="1453937777"/>
-      </p:ext>
-    </p:extLst>
-  </p:cSld>
-  <p:clrMapOvr>
-    <a:masterClrMapping/>
-  </p:clrMapOvr>
-</p:sld>
-</file>
-
-<file path=ppt/slides/slide5.xml><?xml version="1.0" encoding="utf-8"?>
 <p:sld xmlns:a="http://schemas.openxmlformats.org/drawingml/2006/main" xmlns:r="http://schemas.openxmlformats.org/officeDocument/2006/relationships" xmlns:p="http://schemas.openxmlformats.org/presentationml/2006/main">
   <p:cSld>
     <p:bg>
@@ -4677,6 +5505,149 @@
 </p:sld>
 </file>
 
+<file path=ppt/slides/slide5.xml><?xml version="1.0" encoding="utf-8"?>
+<p:sld xmlns:a="http://schemas.openxmlformats.org/drawingml/2006/main" xmlns:r="http://schemas.openxmlformats.org/officeDocument/2006/relationships" xmlns:p="http://schemas.openxmlformats.org/presentationml/2006/main">
+  <p:cSld>
+    <p:spTree>
+      <p:nvGrpSpPr>
+        <p:cNvPr id="1" name=""/>
+        <p:cNvGrpSpPr/>
+        <p:nvPr/>
+      </p:nvGrpSpPr>
+      <p:grpSpPr>
+        <a:xfrm>
+          <a:off x="0" y="0"/>
+          <a:ext cx="0" cy="0"/>
+          <a:chOff x="0" y="0"/>
+          <a:chExt cx="0" cy="0"/>
+        </a:xfrm>
+      </p:grpSpPr>
+      <p:sp>
+        <p:nvSpPr>
+          <p:cNvPr id="2" name="Nadpis 1">
+            <a:extLst>
+              <a:ext uri="{FF2B5EF4-FFF2-40B4-BE49-F238E27FC236}">
+                <a16:creationId xmlns:a16="http://schemas.microsoft.com/office/drawing/2014/main" id="{58AFE472-6ADD-59B8-A877-F02BB95CAFD3}"/>
+              </a:ext>
+            </a:extLst>
+          </p:cNvPr>
+          <p:cNvSpPr>
+            <a:spLocks noGrp="1"/>
+          </p:cNvSpPr>
+          <p:nvPr>
+            <p:ph type="title"/>
+          </p:nvPr>
+        </p:nvSpPr>
+        <p:spPr/>
+        <p:txBody>
+          <a:bodyPr/>
+          <a:lstStyle/>
+          <a:p>
+            <a:r>
+              <a:rPr lang="cs-CZ" dirty="0"/>
+              <a:t>Diskuze</a:t>
+            </a:r>
+          </a:p>
+        </p:txBody>
+      </p:sp>
+      <p:sp>
+        <p:nvSpPr>
+          <p:cNvPr id="3" name="Zástupný obsah 2">
+            <a:extLst>
+              <a:ext uri="{FF2B5EF4-FFF2-40B4-BE49-F238E27FC236}">
+                <a16:creationId xmlns:a16="http://schemas.microsoft.com/office/drawing/2014/main" id="{1BF6E6F2-7C33-1271-83CE-47673FBEF5DF}"/>
+              </a:ext>
+            </a:extLst>
+          </p:cNvPr>
+          <p:cNvSpPr>
+            <a:spLocks noGrp="1"/>
+          </p:cNvSpPr>
+          <p:nvPr>
+            <p:ph idx="1"/>
+          </p:nvPr>
+        </p:nvSpPr>
+        <p:spPr/>
+        <p:txBody>
+          <a:bodyPr>
+            <a:normAutofit lnSpcReduction="10000"/>
+          </a:bodyPr>
+          <a:lstStyle/>
+          <a:p>
+            <a:r>
+              <a:rPr lang="cs-CZ" dirty="0"/>
+              <a:t>Obě hypotézy byly vyvráceny ve prospěch alternativní hypotézy H</a:t>
+            </a:r>
+            <a:r>
+              <a:rPr lang="cs-CZ" baseline="-25000" dirty="0"/>
+              <a:t>A</a:t>
+            </a:r>
+          </a:p>
+          <a:p>
+            <a:r>
+              <a:rPr lang="cs-CZ" dirty="0"/>
+              <a:t>Vyvrácení hypotézy H</a:t>
+            </a:r>
+            <a:r>
+              <a:rPr lang="cs-CZ" baseline="-25000" dirty="0"/>
+              <a:t>1</a:t>
+            </a:r>
+            <a:r>
+              <a:rPr lang="cs-CZ" dirty="0"/>
+              <a:t> je v souladu s odbornou literaturou, viz. Prof. Drábová:</a:t>
+            </a:r>
+          </a:p>
+          <a:p>
+            <a:pPr lvl="1"/>
+            <a:r>
+              <a:rPr lang="cs-CZ" dirty="0"/>
+              <a:t>„Vzhledem k rozmanitosti geologických podmínek v ČR a životních návyků obyvatel</a:t>
+            </a:r>
+            <a:r>
+              <a:rPr lang="en-US" dirty="0"/>
+              <a:t> </a:t>
+            </a:r>
+            <a:r>
+              <a:rPr lang="cs-CZ" dirty="0"/>
+              <a:t>nepředpokládáme, že by se dal obecně očekávat prokazatelný soulad rizikovosti podloží a výskytu zdravotních následků ve vztahu k radonu. “</a:t>
+            </a:r>
+          </a:p>
+          <a:p>
+            <a:r>
+              <a:rPr lang="cs-CZ" dirty="0"/>
+              <a:t>Vyvrácení hypotézy H</a:t>
+            </a:r>
+            <a:r>
+              <a:rPr lang="cs-CZ" baseline="-25000" dirty="0"/>
+              <a:t>2</a:t>
+            </a:r>
+            <a:r>
+              <a:rPr lang="cs-CZ" dirty="0"/>
+              <a:t> lze vysvětlit malou </a:t>
+            </a:r>
+            <a:r>
+              <a:rPr lang="cs-CZ" dirty="0" err="1"/>
+              <a:t>granularitou</a:t>
+            </a:r>
+            <a:r>
+              <a:rPr lang="cs-CZ" dirty="0"/>
+              <a:t> dat (pouze na úrovni krajů) a relativně nízkým rozsahem pozorovaných hodnot koncentrace v ovzduší (maximum je pouze zhruba 3krát vyšší než minimum).</a:t>
+            </a:r>
+          </a:p>
+        </p:txBody>
+      </p:sp>
+    </p:spTree>
+    <p:extLst>
+      <p:ext uri="{BB962C8B-B14F-4D97-AF65-F5344CB8AC3E}">
+        <p14:creationId xmlns:p14="http://schemas.microsoft.com/office/powerpoint/2010/main" val="2495921441"/>
+      </p:ext>
+    </p:extLst>
+  </p:cSld>
+  <p:clrMapOvr>
+    <a:masterClrMapping/>
+  </p:clrMapOvr>
+</p:sld>
+</file>
+
 <file path=ppt/slides/slide6.xml><?xml version="1.0" encoding="utf-8"?>
 <p:sld xmlns:a="http://schemas.openxmlformats.org/drawingml/2006/main" xmlns:r="http://schemas.openxmlformats.org/officeDocument/2006/relationships" xmlns:p="http://schemas.openxmlformats.org/presentationml/2006/main">
   <p:cSld>
@@ -4699,7 +5670,7 @@
           <p:cNvPr id="2" name="Nadpis 1">
             <a:extLst>
               <a:ext uri="{FF2B5EF4-FFF2-40B4-BE49-F238E27FC236}">
-                <a16:creationId xmlns:a16="http://schemas.microsoft.com/office/drawing/2014/main" id="{58AFE472-6ADD-59B8-A877-F02BB95CAFD3}"/>
+                <a16:creationId xmlns:a16="http://schemas.microsoft.com/office/drawing/2014/main" id="{233EE827-15A6-3667-E736-1329C5D300EA}"/>
               </a:ext>
             </a:extLst>
           </p:cNvPr>
@@ -4717,92 +5688,35 @@
           <a:p>
             <a:r>
               <a:rPr lang="cs-CZ" dirty="0"/>
-              <a:t>Diskuze</a:t>
-            </a:r>
-          </a:p>
-        </p:txBody>
-      </p:sp>
-      <p:sp>
-        <p:nvSpPr>
-          <p:cNvPr id="3" name="Zástupný obsah 2">
-            <a:extLst>
-              <a:ext uri="{FF2B5EF4-FFF2-40B4-BE49-F238E27FC236}">
-                <a16:creationId xmlns:a16="http://schemas.microsoft.com/office/drawing/2014/main" id="{1BF6E6F2-7C33-1271-83CE-47673FBEF5DF}"/>
-              </a:ext>
-            </a:extLst>
-          </p:cNvPr>
-          <p:cNvSpPr>
-            <a:spLocks noGrp="1"/>
-          </p:cNvSpPr>
-          <p:nvPr>
-            <p:ph idx="1"/>
+              <a:t>Děkuji za pozornost</a:t>
+            </a:r>
+          </a:p>
+        </p:txBody>
+      </p:sp>
+      <p:sp>
+        <p:nvSpPr>
+          <p:cNvPr id="3" name="Zástupný text 2">
+            <a:extLst>
+              <a:ext uri="{FF2B5EF4-FFF2-40B4-BE49-F238E27FC236}">
+                <a16:creationId xmlns:a16="http://schemas.microsoft.com/office/drawing/2014/main" id="{2B5F6437-8F79-FD5C-A1DC-56BC9EFBBB81}"/>
+              </a:ext>
+            </a:extLst>
+          </p:cNvPr>
+          <p:cNvSpPr>
+            <a:spLocks noGrp="1"/>
+          </p:cNvSpPr>
+          <p:nvPr>
+            <p:ph type="body" idx="1"/>
           </p:nvPr>
         </p:nvSpPr>
         <p:spPr/>
         <p:txBody>
-          <a:bodyPr>
-            <a:normAutofit lnSpcReduction="10000"/>
-          </a:bodyPr>
+          <a:bodyPr/>
           <a:lstStyle/>
           <a:p>
             <a:r>
               <a:rPr lang="cs-CZ" dirty="0"/>
-              <a:t>Obě hypotézy byly vyvráceny ve prospěch alternativní hypotézy H</a:t>
-            </a:r>
-            <a:r>
-              <a:rPr lang="cs-CZ" baseline="-25000" dirty="0"/>
-              <a:t>A</a:t>
-            </a:r>
-          </a:p>
-          <a:p>
-            <a:r>
-              <a:rPr lang="cs-CZ" dirty="0"/>
-              <a:t>Vyvrácení hypotézy H</a:t>
-            </a:r>
-            <a:r>
-              <a:rPr lang="cs-CZ" baseline="-25000" dirty="0"/>
-              <a:t>1</a:t>
-            </a:r>
-            <a:r>
-              <a:rPr lang="cs-CZ" dirty="0"/>
-              <a:t> je v souladu s odbornou literaturou, viz. Prof. Drábová:</a:t>
-            </a:r>
-          </a:p>
-          <a:p>
-            <a:pPr lvl="1"/>
-            <a:r>
-              <a:rPr lang="cs-CZ" dirty="0"/>
-              <a:t>„Vzhledem k rozmanitosti geologických podmínek v ČR a životních návyků obyvatel</a:t>
-            </a:r>
-            <a:r>
-              <a:rPr lang="en-US" dirty="0"/>
-              <a:t> </a:t>
-            </a:r>
-            <a:r>
-              <a:rPr lang="cs-CZ" dirty="0"/>
-              <a:t>nepředpokládáme, že by se dal obecně očekávat prokazatelný soulad rizikovosti podloží a výskytu zdravotních následků ve vztahu k radonu. “</a:t>
-            </a:r>
-          </a:p>
-          <a:p>
-            <a:r>
-              <a:rPr lang="cs-CZ" dirty="0"/>
-              <a:t>Vyvrácení hypotézy H</a:t>
-            </a:r>
-            <a:r>
-              <a:rPr lang="cs-CZ" baseline="-25000" dirty="0"/>
-              <a:t>2</a:t>
-            </a:r>
-            <a:r>
-              <a:rPr lang="cs-CZ" dirty="0"/>
-              <a:t> lze vysvětlit malou </a:t>
-            </a:r>
-            <a:r>
-              <a:rPr lang="cs-CZ" dirty="0" err="1"/>
-              <a:t>granularitou</a:t>
-            </a:r>
-            <a:r>
-              <a:rPr lang="cs-CZ" dirty="0"/>
-              <a:t> dat (pouze na úrovni krajů) a relativně nízkým rozsahem pozorovaných hodnot koncentrace v ovzduší (maximum je pouze zhruba 3krát vyšší než minimum).</a:t>
+              <a:t>Adam Schuppler</a:t>
             </a:r>
           </a:p>
         </p:txBody>
@@ -4810,7 +5724,7 @@
     </p:spTree>
     <p:extLst>
       <p:ext uri="{BB962C8B-B14F-4D97-AF65-F5344CB8AC3E}">
-        <p14:creationId xmlns:p14="http://schemas.microsoft.com/office/powerpoint/2010/main" val="2495921441"/>
+        <p14:creationId xmlns:p14="http://schemas.microsoft.com/office/powerpoint/2010/main" val="1330048079"/>
       </p:ext>
     </p:extLst>
   </p:cSld>
@@ -4842,7 +5756,7 @@
           <p:cNvPr id="2" name="Nadpis 1">
             <a:extLst>
               <a:ext uri="{FF2B5EF4-FFF2-40B4-BE49-F238E27FC236}">
-                <a16:creationId xmlns:a16="http://schemas.microsoft.com/office/drawing/2014/main" id="{B93600AD-C385-84AC-2182-593B681777CA}"/>
+                <a16:creationId xmlns:a16="http://schemas.microsoft.com/office/drawing/2014/main" id="{6C7B488D-ABEF-CA4A-FF46-37E82F6BF17B}"/>
               </a:ext>
             </a:extLst>
           </p:cNvPr>
@@ -4859,654 +5773,81 @@
           <a:lstStyle/>
           <a:p>
             <a:r>
-              <a:rPr lang="en-US" dirty="0" err="1"/>
-              <a:t>Zdroje</a:t>
+              <a:rPr lang="cs-CZ" dirty="0"/>
+              <a:t>Analýza</a:t>
+            </a:r>
+          </a:p>
+        </p:txBody>
+      </p:sp>
+      <p:sp>
+        <p:nvSpPr>
+          <p:cNvPr id="3" name="Zástupný obsah 2">
+            <a:extLst>
+              <a:ext uri="{FF2B5EF4-FFF2-40B4-BE49-F238E27FC236}">
+                <a16:creationId xmlns:a16="http://schemas.microsoft.com/office/drawing/2014/main" id="{A018C824-C16B-584E-1741-EC178E972825}"/>
+              </a:ext>
+            </a:extLst>
+          </p:cNvPr>
+          <p:cNvSpPr>
+            <a:spLocks noGrp="1"/>
+          </p:cNvSpPr>
+          <p:nvPr>
+            <p:ph idx="1"/>
+          </p:nvPr>
+        </p:nvSpPr>
+        <p:spPr/>
+        <p:txBody>
+          <a:bodyPr/>
+          <a:lstStyle/>
+          <a:p>
+            <a:r>
+              <a:rPr lang="cs-CZ" dirty="0"/>
+              <a:t>Data o radonovém indexu byla získána z </a:t>
+            </a:r>
+            <a:r>
+              <a:rPr lang="cs-CZ" dirty="0" err="1"/>
+              <a:t>RESTového</a:t>
+            </a:r>
+            <a:r>
+              <a:rPr lang="cs-CZ" dirty="0"/>
+              <a:t> rozhraní webu České geologické služby</a:t>
+            </a:r>
+          </a:p>
+          <a:p>
+            <a:r>
+              <a:rPr lang="cs-CZ" dirty="0"/>
+              <a:t>Ty se vztahovala na části obcí a pro přepočítání na okresy byl použit vážený průměr, kde váhy představovaly počty obyvatel (získáno ze sčítání lidu 2021)</a:t>
+            </a:r>
+          </a:p>
+          <a:p>
+            <a:r>
+              <a:rPr lang="cs-CZ" dirty="0"/>
+              <a:t>Příslušnost k okresům byla získána z ČSÚ</a:t>
+            </a:r>
+          </a:p>
+          <a:p>
+            <a:r>
+              <a:rPr lang="cs-CZ" dirty="0"/>
+              <a:t>Data o novotvarech plic jsem získal z Národního onkologického registru</a:t>
+            </a:r>
+          </a:p>
+          <a:p>
+            <a:r>
+              <a:rPr lang="cs-CZ" dirty="0"/>
+              <a:t>Data byla zpracována pomocí Pythonu a vizualizována v </a:t>
+            </a:r>
+            <a:r>
+              <a:rPr lang="cs-CZ" dirty="0" err="1"/>
+              <a:t>LaTeXu</a:t>
             </a:r>
             <a:endParaRPr lang="cs-CZ" dirty="0"/>
-          </a:p>
-        </p:txBody>
-      </p:sp>
-      <p:sp>
-        <p:nvSpPr>
-          <p:cNvPr id="3" name="Zástupný obsah 2">
-            <a:extLst>
-              <a:ext uri="{FF2B5EF4-FFF2-40B4-BE49-F238E27FC236}">
-                <a16:creationId xmlns:a16="http://schemas.microsoft.com/office/drawing/2014/main" id="{C3E62CA4-E565-AB12-5022-281064F64D42}"/>
-              </a:ext>
-            </a:extLst>
-          </p:cNvPr>
-          <p:cNvSpPr>
-            <a:spLocks noGrp="1"/>
-          </p:cNvSpPr>
-          <p:nvPr>
-            <p:ph idx="1"/>
-          </p:nvPr>
-        </p:nvSpPr>
-        <p:spPr/>
-        <p:txBody>
-          <a:bodyPr>
-            <a:normAutofit fontScale="92500" lnSpcReduction="10000"/>
-          </a:bodyPr>
-          <a:lstStyle/>
-          <a:p>
-            <a:pPr>
-              <a:lnSpc>
-                <a:spcPct val="115000"/>
-              </a:lnSpc>
-              <a:spcAft>
-                <a:spcPts val="800"/>
-              </a:spcAft>
-            </a:pPr>
-            <a:r>
-              <a:rPr lang="en-US" sz="1800" dirty="0">
-                <a:effectLst/>
-                <a:latin typeface="Arial" panose="020B0604020202020204" pitchFamily="34" charset="0"/>
-                <a:ea typeface="Arial" panose="020B0604020202020204" pitchFamily="34" charset="0"/>
-              </a:rPr>
-              <a:t>KELLY-REIF, Kaitlin, Dale P. SANDLER, David SHORE, Mary K. SCHUBAUER-BERIGAN, Melissa A. TROESTER, Leena NYLANDER-FRENCH a David B. RICHARDSON. Radon and cancer mortality among underground uranium miners in the </a:t>
-            </a:r>
-            <a:r>
-              <a:rPr lang="en-US" sz="1800" dirty="0" err="1">
-                <a:effectLst/>
-                <a:latin typeface="Arial" panose="020B0604020202020204" pitchFamily="34" charset="0"/>
-                <a:ea typeface="Arial" panose="020B0604020202020204" pitchFamily="34" charset="0"/>
-              </a:rPr>
-              <a:t>Příbram</a:t>
-            </a:r>
-            <a:r>
-              <a:rPr lang="en-US" sz="1800" dirty="0">
-                <a:effectLst/>
-                <a:latin typeface="Arial" panose="020B0604020202020204" pitchFamily="34" charset="0"/>
-                <a:ea typeface="Arial" panose="020B0604020202020204" pitchFamily="34" charset="0"/>
-              </a:rPr>
-              <a:t> region of the Czech Republic.</a:t>
-            </a:r>
-            <a:r>
-              <a:rPr lang="en-US" sz="1800" i="1" dirty="0">
-                <a:effectLst/>
-                <a:latin typeface="Arial" panose="020B0604020202020204" pitchFamily="34" charset="0"/>
-                <a:ea typeface="Arial" panose="020B0604020202020204" pitchFamily="34" charset="0"/>
-              </a:rPr>
-              <a:t> </a:t>
-            </a:r>
-            <a:r>
-              <a:rPr lang="en-US" sz="1800" i="1" dirty="0" err="1">
-                <a:effectLst/>
-                <a:latin typeface="Arial" panose="020B0604020202020204" pitchFamily="34" charset="0"/>
-                <a:ea typeface="Arial" panose="020B0604020202020204" pitchFamily="34" charset="0"/>
-              </a:rPr>
-              <a:t>Amderican</a:t>
-            </a:r>
-            <a:r>
-              <a:rPr lang="en-US" sz="1800" i="1" dirty="0">
-                <a:effectLst/>
-                <a:latin typeface="Arial" panose="020B0604020202020204" pitchFamily="34" charset="0"/>
-                <a:ea typeface="Arial" panose="020B0604020202020204" pitchFamily="34" charset="0"/>
-              </a:rPr>
-              <a:t> Journal of Industrial Medicine</a:t>
-            </a:r>
-            <a:r>
-              <a:rPr lang="en-US" sz="1800" dirty="0">
-                <a:effectLst/>
-                <a:latin typeface="Arial" panose="020B0604020202020204" pitchFamily="34" charset="0"/>
-                <a:ea typeface="Arial" panose="020B0604020202020204" pitchFamily="34" charset="0"/>
-              </a:rPr>
-              <a:t> [online]. 2020, </a:t>
-            </a:r>
-            <a:r>
-              <a:rPr lang="en-US" sz="1800" b="1" dirty="0">
-                <a:effectLst/>
-                <a:latin typeface="Arial" panose="020B0604020202020204" pitchFamily="34" charset="0"/>
-                <a:ea typeface="Arial" panose="020B0604020202020204" pitchFamily="34" charset="0"/>
-              </a:rPr>
-              <a:t>2020</a:t>
-            </a:r>
-            <a:r>
-              <a:rPr lang="en-US" sz="1800" dirty="0">
-                <a:effectLst/>
-                <a:latin typeface="Arial" panose="020B0604020202020204" pitchFamily="34" charset="0"/>
-                <a:ea typeface="Arial" panose="020B0604020202020204" pitchFamily="34" charset="0"/>
-              </a:rPr>
-              <a:t>(63), 859-867 [cit. 2024-05-01]. </a:t>
-            </a:r>
-            <a:r>
-              <a:rPr lang="en-US" sz="1800" dirty="0" err="1">
-                <a:effectLst/>
-                <a:latin typeface="Arial" panose="020B0604020202020204" pitchFamily="34" charset="0"/>
-                <a:ea typeface="Arial" panose="020B0604020202020204" pitchFamily="34" charset="0"/>
-              </a:rPr>
-              <a:t>Dostupné</a:t>
-            </a:r>
-            <a:r>
-              <a:rPr lang="en-US" sz="1800" dirty="0">
-                <a:effectLst/>
-                <a:latin typeface="Arial" panose="020B0604020202020204" pitchFamily="34" charset="0"/>
-                <a:ea typeface="Arial" panose="020B0604020202020204" pitchFamily="34" charset="0"/>
-              </a:rPr>
-              <a:t> z: </a:t>
-            </a:r>
-            <a:r>
-              <a:rPr lang="en-US" sz="1800" dirty="0" err="1">
-                <a:effectLst/>
-                <a:latin typeface="Arial" panose="020B0604020202020204" pitchFamily="34" charset="0"/>
-                <a:ea typeface="Arial" panose="020B0604020202020204" pitchFamily="34" charset="0"/>
-              </a:rPr>
-              <a:t>doi:https</a:t>
-            </a:r>
-            <a:r>
-              <a:rPr lang="en-US" sz="1800" dirty="0">
-                <a:effectLst/>
-                <a:latin typeface="Arial" panose="020B0604020202020204" pitchFamily="34" charset="0"/>
-                <a:ea typeface="Arial" panose="020B0604020202020204" pitchFamily="34" charset="0"/>
-              </a:rPr>
-              <a:t>://doi.org/10.1002/ajim.23167</a:t>
-            </a:r>
-            <a:endParaRPr lang="cs-CZ" sz="1800" dirty="0">
-              <a:effectLst/>
-              <a:latin typeface="Arial" panose="020B0604020202020204" pitchFamily="34" charset="0"/>
-              <a:ea typeface="Arial" panose="020B0604020202020204" pitchFamily="34" charset="0"/>
-            </a:endParaRPr>
-          </a:p>
-          <a:p>
-            <a:pPr>
-              <a:lnSpc>
-                <a:spcPct val="115000"/>
-              </a:lnSpc>
-              <a:spcAft>
-                <a:spcPts val="800"/>
-              </a:spcAft>
-            </a:pPr>
-            <a:r>
-              <a:rPr lang="en-US" sz="1800" dirty="0">
-                <a:effectLst/>
-                <a:latin typeface="Arial" panose="020B0604020202020204" pitchFamily="34" charset="0"/>
-                <a:ea typeface="Arial" panose="020B0604020202020204" pitchFamily="34" charset="0"/>
-              </a:rPr>
-              <a:t>TOMÁSEK, L, T MÜLLER, E KUNZ, A HERIBANOVÁ, J MATZNER, V PLACEK, I BURIAN a J HOLECEK. Study of lung cancer and residential radon in the Czech Republic.</a:t>
-            </a:r>
-            <a:r>
-              <a:rPr lang="en-US" sz="1800" i="1" dirty="0">
-                <a:effectLst/>
-                <a:latin typeface="Arial" panose="020B0604020202020204" pitchFamily="34" charset="0"/>
-                <a:ea typeface="Arial" panose="020B0604020202020204" pitchFamily="34" charset="0"/>
-              </a:rPr>
-              <a:t> Central European Journal of Public Health</a:t>
-            </a:r>
-            <a:r>
-              <a:rPr lang="en-US" sz="1800" dirty="0">
-                <a:effectLst/>
-                <a:latin typeface="Arial" panose="020B0604020202020204" pitchFamily="34" charset="0"/>
-                <a:ea typeface="Arial" panose="020B0604020202020204" pitchFamily="34" charset="0"/>
-              </a:rPr>
-              <a:t>. 2001, </a:t>
-            </a:r>
-            <a:r>
-              <a:rPr lang="en-US" sz="1800" b="1" dirty="0">
-                <a:effectLst/>
-                <a:latin typeface="Arial" panose="020B0604020202020204" pitchFamily="34" charset="0"/>
-                <a:ea typeface="Arial" panose="020B0604020202020204" pitchFamily="34" charset="0"/>
-              </a:rPr>
-              <a:t>9</a:t>
-            </a:r>
-            <a:r>
-              <a:rPr lang="en-US" sz="1800" dirty="0">
-                <a:effectLst/>
-                <a:latin typeface="Arial" panose="020B0604020202020204" pitchFamily="34" charset="0"/>
-                <a:ea typeface="Arial" panose="020B0604020202020204" pitchFamily="34" charset="0"/>
-              </a:rPr>
-              <a:t>(3), 150-153.</a:t>
-            </a:r>
-            <a:endParaRPr lang="cs-CZ" sz="1800" dirty="0">
-              <a:effectLst/>
-              <a:latin typeface="Arial" panose="020B0604020202020204" pitchFamily="34" charset="0"/>
-              <a:ea typeface="Arial" panose="020B0604020202020204" pitchFamily="34" charset="0"/>
-            </a:endParaRPr>
-          </a:p>
-          <a:p>
-            <a:pPr>
-              <a:lnSpc>
-                <a:spcPct val="115000"/>
-              </a:lnSpc>
-              <a:spcAft>
-                <a:spcPts val="800"/>
-              </a:spcAft>
-            </a:pPr>
-            <a:r>
-              <a:rPr lang="en-US" sz="1800" dirty="0">
-                <a:effectLst/>
-                <a:latin typeface="Arial" panose="020B0604020202020204" pitchFamily="34" charset="0"/>
-                <a:ea typeface="Arial" panose="020B0604020202020204" pitchFamily="34" charset="0"/>
-              </a:rPr>
-              <a:t>SUCHÁNEK, </a:t>
-            </a:r>
-            <a:r>
-              <a:rPr lang="en-US" sz="1800" dirty="0" err="1">
-                <a:effectLst/>
-                <a:latin typeface="Arial" panose="020B0604020202020204" pitchFamily="34" charset="0"/>
-                <a:ea typeface="Arial" panose="020B0604020202020204" pitchFamily="34" charset="0"/>
-              </a:rPr>
-              <a:t>Vladimír</a:t>
-            </a:r>
-            <a:r>
-              <a:rPr lang="en-US" sz="1800" dirty="0">
-                <a:effectLst/>
-                <a:latin typeface="Arial" panose="020B0604020202020204" pitchFamily="34" charset="0"/>
-                <a:ea typeface="Arial" panose="020B0604020202020204" pitchFamily="34" charset="0"/>
-              </a:rPr>
-              <a:t>.</a:t>
-            </a:r>
-            <a:r>
-              <a:rPr lang="en-US" sz="1800" i="1" dirty="0">
-                <a:effectLst/>
-                <a:latin typeface="Arial" panose="020B0604020202020204" pitchFamily="34" charset="0"/>
-                <a:ea typeface="Arial" panose="020B0604020202020204" pitchFamily="34" charset="0"/>
-              </a:rPr>
-              <a:t> </a:t>
-            </a:r>
-            <a:r>
-              <a:rPr lang="en-US" sz="1800" i="1" dirty="0" err="1">
-                <a:effectLst/>
-                <a:latin typeface="Arial" panose="020B0604020202020204" pitchFamily="34" charset="0"/>
-                <a:ea typeface="Arial" panose="020B0604020202020204" pitchFamily="34" charset="0"/>
-              </a:rPr>
-              <a:t>Ionizující</a:t>
-            </a:r>
-            <a:r>
-              <a:rPr lang="en-US" sz="1800" i="1" dirty="0">
-                <a:effectLst/>
-                <a:latin typeface="Arial" panose="020B0604020202020204" pitchFamily="34" charset="0"/>
-                <a:ea typeface="Arial" panose="020B0604020202020204" pitchFamily="34" charset="0"/>
-              </a:rPr>
-              <a:t> </a:t>
-            </a:r>
-            <a:r>
-              <a:rPr lang="en-US" sz="1800" i="1" dirty="0" err="1">
-                <a:effectLst/>
-                <a:latin typeface="Arial" panose="020B0604020202020204" pitchFamily="34" charset="0"/>
-                <a:ea typeface="Arial" panose="020B0604020202020204" pitchFamily="34" charset="0"/>
-              </a:rPr>
-              <a:t>záření</a:t>
-            </a:r>
-            <a:r>
-              <a:rPr lang="en-US" sz="1800" i="1" dirty="0">
-                <a:effectLst/>
-                <a:latin typeface="Arial" panose="020B0604020202020204" pitchFamily="34" charset="0"/>
-                <a:ea typeface="Arial" panose="020B0604020202020204" pitchFamily="34" charset="0"/>
-              </a:rPr>
-              <a:t> a </a:t>
-            </a:r>
-            <a:r>
-              <a:rPr lang="en-US" sz="1800" i="1" dirty="0" err="1">
-                <a:effectLst/>
-                <a:latin typeface="Arial" panose="020B0604020202020204" pitchFamily="34" charset="0"/>
-                <a:ea typeface="Arial" panose="020B0604020202020204" pitchFamily="34" charset="0"/>
-              </a:rPr>
-              <a:t>jeho</a:t>
-            </a:r>
-            <a:r>
-              <a:rPr lang="en-US" sz="1800" i="1" dirty="0">
-                <a:effectLst/>
-                <a:latin typeface="Arial" panose="020B0604020202020204" pitchFamily="34" charset="0"/>
-                <a:ea typeface="Arial" panose="020B0604020202020204" pitchFamily="34" charset="0"/>
-              </a:rPr>
-              <a:t> </a:t>
-            </a:r>
-            <a:r>
-              <a:rPr lang="en-US" sz="1800" i="1" dirty="0" err="1">
-                <a:effectLst/>
-                <a:latin typeface="Arial" panose="020B0604020202020204" pitchFamily="34" charset="0"/>
-                <a:ea typeface="Arial" panose="020B0604020202020204" pitchFamily="34" charset="0"/>
-              </a:rPr>
-              <a:t>vliv</a:t>
-            </a:r>
-            <a:r>
-              <a:rPr lang="en-US" sz="1800" i="1" dirty="0">
-                <a:effectLst/>
-                <a:latin typeface="Arial" panose="020B0604020202020204" pitchFamily="34" charset="0"/>
-                <a:ea typeface="Arial" panose="020B0604020202020204" pitchFamily="34" charset="0"/>
-              </a:rPr>
-              <a:t> </a:t>
-            </a:r>
-            <a:r>
-              <a:rPr lang="en-US" sz="1800" i="1" dirty="0" err="1">
-                <a:effectLst/>
-                <a:latin typeface="Arial" panose="020B0604020202020204" pitchFamily="34" charset="0"/>
-                <a:ea typeface="Arial" panose="020B0604020202020204" pitchFamily="34" charset="0"/>
-              </a:rPr>
-              <a:t>na</a:t>
-            </a:r>
-            <a:r>
-              <a:rPr lang="en-US" sz="1800" i="1" dirty="0">
-                <a:effectLst/>
-                <a:latin typeface="Arial" panose="020B0604020202020204" pitchFamily="34" charset="0"/>
-                <a:ea typeface="Arial" panose="020B0604020202020204" pitchFamily="34" charset="0"/>
-              </a:rPr>
-              <a:t> </a:t>
-            </a:r>
-            <a:r>
-              <a:rPr lang="en-US" sz="1800" i="1" dirty="0" err="1">
-                <a:effectLst/>
-                <a:latin typeface="Arial" panose="020B0604020202020204" pitchFamily="34" charset="0"/>
-                <a:ea typeface="Arial" panose="020B0604020202020204" pitchFamily="34" charset="0"/>
-              </a:rPr>
-              <a:t>kvalitu</a:t>
-            </a:r>
-            <a:r>
-              <a:rPr lang="en-US" sz="1800" i="1" dirty="0">
-                <a:effectLst/>
-                <a:latin typeface="Arial" panose="020B0604020202020204" pitchFamily="34" charset="0"/>
-                <a:ea typeface="Arial" panose="020B0604020202020204" pitchFamily="34" charset="0"/>
-              </a:rPr>
-              <a:t> </a:t>
-            </a:r>
-            <a:r>
-              <a:rPr lang="en-US" sz="1800" i="1" dirty="0" err="1">
-                <a:effectLst/>
-                <a:latin typeface="Arial" panose="020B0604020202020204" pitchFamily="34" charset="0"/>
-                <a:ea typeface="Arial" panose="020B0604020202020204" pitchFamily="34" charset="0"/>
-              </a:rPr>
-              <a:t>životního</a:t>
-            </a:r>
-            <a:r>
-              <a:rPr lang="en-US" sz="1800" i="1" dirty="0">
-                <a:effectLst/>
-                <a:latin typeface="Arial" panose="020B0604020202020204" pitchFamily="34" charset="0"/>
-                <a:ea typeface="Arial" panose="020B0604020202020204" pitchFamily="34" charset="0"/>
-              </a:rPr>
-              <a:t> </a:t>
-            </a:r>
-            <a:r>
-              <a:rPr lang="en-US" sz="1800" i="1" dirty="0" err="1">
-                <a:effectLst/>
-                <a:latin typeface="Arial" panose="020B0604020202020204" pitchFamily="34" charset="0"/>
-                <a:ea typeface="Arial" panose="020B0604020202020204" pitchFamily="34" charset="0"/>
-              </a:rPr>
-              <a:t>prostředí</a:t>
-            </a:r>
-            <a:r>
-              <a:rPr lang="en-US" sz="1800" i="1" dirty="0">
-                <a:effectLst/>
-                <a:latin typeface="Arial" panose="020B0604020202020204" pitchFamily="34" charset="0"/>
-                <a:ea typeface="Arial" panose="020B0604020202020204" pitchFamily="34" charset="0"/>
-              </a:rPr>
-              <a:t> </a:t>
-            </a:r>
-            <a:r>
-              <a:rPr lang="en-US" sz="1800" i="1" dirty="0" err="1">
-                <a:effectLst/>
-                <a:latin typeface="Arial" panose="020B0604020202020204" pitchFamily="34" charset="0"/>
-                <a:ea typeface="Arial" panose="020B0604020202020204" pitchFamily="34" charset="0"/>
-              </a:rPr>
-              <a:t>člověka</a:t>
-            </a:r>
-            <a:r>
-              <a:rPr lang="en-US" sz="1800" i="1" dirty="0">
-                <a:effectLst/>
-                <a:latin typeface="Arial" panose="020B0604020202020204" pitchFamily="34" charset="0"/>
-                <a:ea typeface="Arial" panose="020B0604020202020204" pitchFamily="34" charset="0"/>
-              </a:rPr>
-              <a:t>: Radon </a:t>
-            </a:r>
-            <a:r>
-              <a:rPr lang="en-US" sz="1800" i="1" dirty="0" err="1">
-                <a:effectLst/>
-                <a:latin typeface="Arial" panose="020B0604020202020204" pitchFamily="34" charset="0"/>
-                <a:ea typeface="Arial" panose="020B0604020202020204" pitchFamily="34" charset="0"/>
-              </a:rPr>
-              <a:t>jako</a:t>
-            </a:r>
-            <a:r>
-              <a:rPr lang="en-US" sz="1800" i="1" dirty="0">
-                <a:effectLst/>
-                <a:latin typeface="Arial" panose="020B0604020202020204" pitchFamily="34" charset="0"/>
-                <a:ea typeface="Arial" panose="020B0604020202020204" pitchFamily="34" charset="0"/>
-              </a:rPr>
-              <a:t> </a:t>
-            </a:r>
-            <a:r>
-              <a:rPr lang="en-US" sz="1800" i="1" dirty="0" err="1">
-                <a:effectLst/>
-                <a:latin typeface="Arial" panose="020B0604020202020204" pitchFamily="34" charset="0"/>
-                <a:ea typeface="Arial" panose="020B0604020202020204" pitchFamily="34" charset="0"/>
-              </a:rPr>
-              <a:t>rizikový</a:t>
-            </a:r>
-            <a:r>
-              <a:rPr lang="en-US" sz="1800" i="1" dirty="0">
-                <a:effectLst/>
-                <a:latin typeface="Arial" panose="020B0604020202020204" pitchFamily="34" charset="0"/>
-                <a:ea typeface="Arial" panose="020B0604020202020204" pitchFamily="34" charset="0"/>
-              </a:rPr>
-              <a:t> </a:t>
-            </a:r>
-            <a:r>
-              <a:rPr lang="en-US" sz="1800" i="1" dirty="0" err="1">
-                <a:effectLst/>
-                <a:latin typeface="Arial" panose="020B0604020202020204" pitchFamily="34" charset="0"/>
-                <a:ea typeface="Arial" panose="020B0604020202020204" pitchFamily="34" charset="0"/>
-              </a:rPr>
-              <a:t>faktor</a:t>
-            </a:r>
-            <a:r>
-              <a:rPr lang="en-US" sz="1800" i="1" dirty="0">
-                <a:effectLst/>
-                <a:latin typeface="Arial" panose="020B0604020202020204" pitchFamily="34" charset="0"/>
-                <a:ea typeface="Arial" panose="020B0604020202020204" pitchFamily="34" charset="0"/>
-              </a:rPr>
-              <a:t> pro </a:t>
-            </a:r>
-            <a:r>
-              <a:rPr lang="en-US" sz="1800" i="1" dirty="0" err="1">
-                <a:effectLst/>
-                <a:latin typeface="Arial" panose="020B0604020202020204" pitchFamily="34" charset="0"/>
-                <a:ea typeface="Arial" panose="020B0604020202020204" pitchFamily="34" charset="0"/>
-              </a:rPr>
-              <a:t>lidské</a:t>
-            </a:r>
-            <a:r>
-              <a:rPr lang="en-US" sz="1800" i="1" dirty="0">
-                <a:effectLst/>
-                <a:latin typeface="Arial" panose="020B0604020202020204" pitchFamily="34" charset="0"/>
-                <a:ea typeface="Arial" panose="020B0604020202020204" pitchFamily="34" charset="0"/>
-              </a:rPr>
-              <a:t> </a:t>
-            </a:r>
-            <a:r>
-              <a:rPr lang="en-US" sz="1800" i="1" dirty="0" err="1">
-                <a:effectLst/>
-                <a:latin typeface="Arial" panose="020B0604020202020204" pitchFamily="34" charset="0"/>
-                <a:ea typeface="Arial" panose="020B0604020202020204" pitchFamily="34" charset="0"/>
-              </a:rPr>
-              <a:t>zdraví</a:t>
-            </a:r>
-            <a:r>
-              <a:rPr lang="en-US" sz="1800" i="1" dirty="0">
-                <a:effectLst/>
-                <a:latin typeface="Arial" panose="020B0604020202020204" pitchFamily="34" charset="0"/>
-                <a:ea typeface="Arial" panose="020B0604020202020204" pitchFamily="34" charset="0"/>
-              </a:rPr>
-              <a:t> v ČR</a:t>
-            </a:r>
-            <a:r>
-              <a:rPr lang="en-US" sz="1800" dirty="0">
-                <a:effectLst/>
-                <a:latin typeface="Arial" panose="020B0604020202020204" pitchFamily="34" charset="0"/>
-                <a:ea typeface="Arial" panose="020B0604020202020204" pitchFamily="34" charset="0"/>
-              </a:rPr>
-              <a:t> [online]. Praha, 2018 [cit. 2024-05-01]. </a:t>
-            </a:r>
-            <a:r>
-              <a:rPr lang="en-US" sz="1800" dirty="0" err="1">
-                <a:effectLst/>
-                <a:latin typeface="Arial" panose="020B0604020202020204" pitchFamily="34" charset="0"/>
-                <a:ea typeface="Arial" panose="020B0604020202020204" pitchFamily="34" charset="0"/>
-              </a:rPr>
-              <a:t>Dostupné</a:t>
-            </a:r>
-            <a:r>
-              <a:rPr lang="en-US" sz="1800" dirty="0">
-                <a:effectLst/>
-                <a:latin typeface="Arial" panose="020B0604020202020204" pitchFamily="34" charset="0"/>
-                <a:ea typeface="Arial" panose="020B0604020202020204" pitchFamily="34" charset="0"/>
-              </a:rPr>
-              <a:t> z: https://dspace.cuni.cz/bitstream/handle/20.500.11956/98919/120294732.pdf?sequence=1&amp;isAllowed=y. </a:t>
-            </a:r>
-            <a:r>
-              <a:rPr lang="en-US" sz="1800" dirty="0" err="1">
-                <a:effectLst/>
-                <a:latin typeface="Arial" panose="020B0604020202020204" pitchFamily="34" charset="0"/>
-                <a:ea typeface="Arial" panose="020B0604020202020204" pitchFamily="34" charset="0"/>
-              </a:rPr>
-              <a:t>Diplomová</a:t>
-            </a:r>
-            <a:r>
-              <a:rPr lang="en-US" sz="1800" dirty="0">
-                <a:effectLst/>
-                <a:latin typeface="Arial" panose="020B0604020202020204" pitchFamily="34" charset="0"/>
-                <a:ea typeface="Arial" panose="020B0604020202020204" pitchFamily="34" charset="0"/>
-              </a:rPr>
-              <a:t> </a:t>
-            </a:r>
-            <a:r>
-              <a:rPr lang="en-US" sz="1800" dirty="0" err="1">
-                <a:effectLst/>
-                <a:latin typeface="Arial" panose="020B0604020202020204" pitchFamily="34" charset="0"/>
-                <a:ea typeface="Arial" panose="020B0604020202020204" pitchFamily="34" charset="0"/>
-              </a:rPr>
-              <a:t>práce</a:t>
-            </a:r>
-            <a:r>
-              <a:rPr lang="en-US" sz="1800" dirty="0">
-                <a:effectLst/>
-                <a:latin typeface="Arial" panose="020B0604020202020204" pitchFamily="34" charset="0"/>
-                <a:ea typeface="Arial" panose="020B0604020202020204" pitchFamily="34" charset="0"/>
-              </a:rPr>
-              <a:t>. </a:t>
-            </a:r>
-            <a:r>
-              <a:rPr lang="en-US" sz="1800" dirty="0" err="1">
-                <a:effectLst/>
-                <a:latin typeface="Arial" panose="020B0604020202020204" pitchFamily="34" charset="0"/>
-                <a:ea typeface="Arial" panose="020B0604020202020204" pitchFamily="34" charset="0"/>
-              </a:rPr>
-              <a:t>Univerzita</a:t>
-            </a:r>
-            <a:r>
-              <a:rPr lang="en-US" sz="1800" dirty="0">
-                <a:effectLst/>
-                <a:latin typeface="Arial" panose="020B0604020202020204" pitchFamily="34" charset="0"/>
-                <a:ea typeface="Arial" panose="020B0604020202020204" pitchFamily="34" charset="0"/>
-              </a:rPr>
-              <a:t> </a:t>
-            </a:r>
-            <a:r>
-              <a:rPr lang="en-US" sz="1800" dirty="0" err="1">
-                <a:effectLst/>
-                <a:latin typeface="Arial" panose="020B0604020202020204" pitchFamily="34" charset="0"/>
-                <a:ea typeface="Arial" panose="020B0604020202020204" pitchFamily="34" charset="0"/>
-              </a:rPr>
-              <a:t>Karlova</a:t>
-            </a:r>
-            <a:r>
-              <a:rPr lang="en-US" sz="1800" dirty="0">
-                <a:effectLst/>
-                <a:latin typeface="Arial" panose="020B0604020202020204" pitchFamily="34" charset="0"/>
-                <a:ea typeface="Arial" panose="020B0604020202020204" pitchFamily="34" charset="0"/>
-              </a:rPr>
-              <a:t>, </a:t>
-            </a:r>
-            <a:r>
-              <a:rPr lang="en-US" sz="1800" dirty="0" err="1">
-                <a:effectLst/>
-                <a:latin typeface="Arial" panose="020B0604020202020204" pitchFamily="34" charset="0"/>
-                <a:ea typeface="Arial" panose="020B0604020202020204" pitchFamily="34" charset="0"/>
-              </a:rPr>
-              <a:t>Přírodovědecká</a:t>
-            </a:r>
-            <a:r>
-              <a:rPr lang="en-US" sz="1800" dirty="0">
-                <a:effectLst/>
-                <a:latin typeface="Arial" panose="020B0604020202020204" pitchFamily="34" charset="0"/>
-                <a:ea typeface="Arial" panose="020B0604020202020204" pitchFamily="34" charset="0"/>
-              </a:rPr>
-              <a:t> </a:t>
-            </a:r>
-            <a:r>
-              <a:rPr lang="en-US" sz="1800" dirty="0" err="1">
-                <a:effectLst/>
-                <a:latin typeface="Arial" panose="020B0604020202020204" pitchFamily="34" charset="0"/>
-                <a:ea typeface="Arial" panose="020B0604020202020204" pitchFamily="34" charset="0"/>
-              </a:rPr>
-              <a:t>fakulta</a:t>
-            </a:r>
-            <a:r>
-              <a:rPr lang="en-US" sz="1800" dirty="0">
-                <a:effectLst/>
-                <a:latin typeface="Arial" panose="020B0604020202020204" pitchFamily="34" charset="0"/>
-                <a:ea typeface="Arial" panose="020B0604020202020204" pitchFamily="34" charset="0"/>
-              </a:rPr>
-              <a:t>. </a:t>
-            </a:r>
-            <a:r>
-              <a:rPr lang="en-US" sz="1800" dirty="0" err="1">
-                <a:effectLst/>
-                <a:latin typeface="Arial" panose="020B0604020202020204" pitchFamily="34" charset="0"/>
-                <a:ea typeface="Arial" panose="020B0604020202020204" pitchFamily="34" charset="0"/>
-              </a:rPr>
-              <a:t>Vedoucí</a:t>
-            </a:r>
-            <a:r>
-              <a:rPr lang="en-US" sz="1800" dirty="0">
-                <a:effectLst/>
-                <a:latin typeface="Arial" panose="020B0604020202020204" pitchFamily="34" charset="0"/>
-                <a:ea typeface="Arial" panose="020B0604020202020204" pitchFamily="34" charset="0"/>
-              </a:rPr>
-              <a:t> </a:t>
-            </a:r>
-            <a:r>
-              <a:rPr lang="en-US" sz="1800" dirty="0" err="1">
-                <a:effectLst/>
-                <a:latin typeface="Arial" panose="020B0604020202020204" pitchFamily="34" charset="0"/>
-                <a:ea typeface="Arial" panose="020B0604020202020204" pitchFamily="34" charset="0"/>
-              </a:rPr>
-              <a:t>práce</a:t>
-            </a:r>
-            <a:r>
-              <a:rPr lang="en-US" sz="1800" dirty="0">
-                <a:effectLst/>
-                <a:latin typeface="Arial" panose="020B0604020202020204" pitchFamily="34" charset="0"/>
-                <a:ea typeface="Arial" panose="020B0604020202020204" pitchFamily="34" charset="0"/>
-              </a:rPr>
-              <a:t> Doc. </a:t>
-            </a:r>
-            <a:r>
-              <a:rPr lang="en-US" sz="1800" dirty="0" err="1">
-                <a:effectLst/>
-                <a:latin typeface="Arial" panose="020B0604020202020204" pitchFamily="34" charset="0"/>
-                <a:ea typeface="Arial" panose="020B0604020202020204" pitchFamily="34" charset="0"/>
-              </a:rPr>
-              <a:t>RNDr</a:t>
-            </a:r>
-            <a:r>
-              <a:rPr lang="en-US" sz="1800" dirty="0">
-                <a:effectLst/>
-                <a:latin typeface="Arial" panose="020B0604020202020204" pitchFamily="34" charset="0"/>
-                <a:ea typeface="Arial" panose="020B0604020202020204" pitchFamily="34" charset="0"/>
-              </a:rPr>
-              <a:t>. JANA SPILKOVÁ, Ph.D.</a:t>
-            </a:r>
-            <a:endParaRPr lang="cs-CZ" sz="1800" dirty="0">
-              <a:effectLst/>
-              <a:latin typeface="Arial" panose="020B0604020202020204" pitchFamily="34" charset="0"/>
-              <a:ea typeface="Arial" panose="020B0604020202020204" pitchFamily="34" charset="0"/>
-            </a:endParaRPr>
           </a:p>
         </p:txBody>
       </p:sp>
     </p:spTree>
     <p:extLst>
       <p:ext uri="{BB962C8B-B14F-4D97-AF65-F5344CB8AC3E}">
-        <p14:creationId xmlns:p14="http://schemas.microsoft.com/office/powerpoint/2010/main" val="3328541739"/>
+        <p14:creationId xmlns:p14="http://schemas.microsoft.com/office/powerpoint/2010/main" val="1453937777"/>
       </p:ext>
     </p:extLst>
   </p:cSld>
@@ -5538,7 +5879,7 @@
           <p:cNvPr id="2" name="Nadpis 1">
             <a:extLst>
               <a:ext uri="{FF2B5EF4-FFF2-40B4-BE49-F238E27FC236}">
-                <a16:creationId xmlns:a16="http://schemas.microsoft.com/office/drawing/2014/main" id="{2B459DEA-3A4B-60A0-C286-026DF3B8D2E2}"/>
+                <a16:creationId xmlns:a16="http://schemas.microsoft.com/office/drawing/2014/main" id="{B93600AD-C385-84AC-2182-593B681777CA}"/>
               </a:ext>
             </a:extLst>
           </p:cNvPr>
@@ -5567,7 +5908,7 @@
           <p:cNvPr id="3" name="Zástupný obsah 2">
             <a:extLst>
               <a:ext uri="{FF2B5EF4-FFF2-40B4-BE49-F238E27FC236}">
-                <a16:creationId xmlns:a16="http://schemas.microsoft.com/office/drawing/2014/main" id="{7E0747CA-E2E1-0DCC-421B-D1E65C5F3C48}"/>
+                <a16:creationId xmlns:a16="http://schemas.microsoft.com/office/drawing/2014/main" id="{C3E62CA4-E565-AB12-5022-281064F64D42}"/>
               </a:ext>
             </a:extLst>
           </p:cNvPr>
@@ -5581,7 +5922,7 @@
         <p:spPr/>
         <p:txBody>
           <a:bodyPr>
-            <a:normAutofit fontScale="77500" lnSpcReduction="20000"/>
+            <a:normAutofit fontScale="92500" lnSpcReduction="10000"/>
           </a:bodyPr>
           <a:lstStyle/>
           <a:p>
@@ -5594,47 +5935,79 @@
               </a:spcAft>
             </a:pPr>
             <a:r>
-              <a:rPr lang="en-US" sz="2800" dirty="0">
-                <a:effectLst/>
-                <a:latin typeface="Arial" panose="020B0604020202020204" pitchFamily="34" charset="0"/>
-                <a:ea typeface="Arial" panose="020B0604020202020204" pitchFamily="34" charset="0"/>
-              </a:rPr>
-              <a:t>Radon </a:t>
-            </a:r>
-            <a:r>
-              <a:rPr lang="en-US" sz="2800" dirty="0" err="1">
-                <a:effectLst/>
-                <a:latin typeface="Arial" panose="020B0604020202020204" pitchFamily="34" charset="0"/>
-                <a:ea typeface="Arial" panose="020B0604020202020204" pitchFamily="34" charset="0"/>
-              </a:rPr>
-              <a:t>Programme</a:t>
-            </a:r>
-            <a:r>
-              <a:rPr lang="en-US" sz="2800" dirty="0">
-                <a:effectLst/>
-                <a:latin typeface="Arial" panose="020B0604020202020204" pitchFamily="34" charset="0"/>
-                <a:ea typeface="Arial" panose="020B0604020202020204" pitchFamily="34" charset="0"/>
-              </a:rPr>
-              <a:t>.</a:t>
-            </a:r>
-            <a:r>
-              <a:rPr lang="en-US" sz="2800" i="1" dirty="0">
-                <a:effectLst/>
-                <a:latin typeface="Arial" panose="020B0604020202020204" pitchFamily="34" charset="0"/>
-                <a:ea typeface="Arial" panose="020B0604020202020204" pitchFamily="34" charset="0"/>
-              </a:rPr>
-              <a:t> National Radiation Protection Institute</a:t>
-            </a:r>
-            <a:r>
-              <a:rPr lang="en-US" sz="2800" dirty="0">
-                <a:effectLst/>
-                <a:latin typeface="Arial" panose="020B0604020202020204" pitchFamily="34" charset="0"/>
-                <a:ea typeface="Arial" panose="020B0604020202020204" pitchFamily="34" charset="0"/>
-              </a:rPr>
-              <a:t> [online]. [cit. 2024-05-01]. </a:t>
-            </a:r>
-            <a:r>
-              <a:rPr lang="en-US" sz="2800" dirty="0" err="1">
+              <a:rPr lang="en-US" sz="1800" dirty="0">
+                <a:effectLst/>
+                <a:latin typeface="Arial" panose="020B0604020202020204" pitchFamily="34" charset="0"/>
+                <a:ea typeface="Arial" panose="020B0604020202020204" pitchFamily="34" charset="0"/>
+              </a:rPr>
+              <a:t>KELLY-REIF, Kaitlin, Dale P. SANDLER, David SHORE, Mary K. SCHUBAUER-BERIGAN, Melissa A. TROESTER, Leena NYLANDER-FRENCH a David B. RICHARDSON. Radon and cancer mortality among underground uranium miners in the </a:t>
+            </a:r>
+            <a:r>
+              <a:rPr lang="en-US" sz="1800" dirty="0" err="1">
+                <a:effectLst/>
+                <a:latin typeface="Arial" panose="020B0604020202020204" pitchFamily="34" charset="0"/>
+                <a:ea typeface="Arial" panose="020B0604020202020204" pitchFamily="34" charset="0"/>
+              </a:rPr>
+              <a:t>Příbram</a:t>
+            </a:r>
+            <a:r>
+              <a:rPr lang="en-US" sz="1800" dirty="0">
+                <a:effectLst/>
+                <a:latin typeface="Arial" panose="020B0604020202020204" pitchFamily="34" charset="0"/>
+                <a:ea typeface="Arial" panose="020B0604020202020204" pitchFamily="34" charset="0"/>
+              </a:rPr>
+              <a:t> region of the Czech Republic.</a:t>
+            </a:r>
+            <a:r>
+              <a:rPr lang="en-US" sz="1800" i="1" dirty="0">
+                <a:effectLst/>
+                <a:latin typeface="Arial" panose="020B0604020202020204" pitchFamily="34" charset="0"/>
+                <a:ea typeface="Arial" panose="020B0604020202020204" pitchFamily="34" charset="0"/>
+              </a:rPr>
+              <a:t> </a:t>
+            </a:r>
+            <a:r>
+              <a:rPr lang="en-US" sz="1800" i="1" dirty="0" err="1">
+                <a:effectLst/>
+                <a:latin typeface="Arial" panose="020B0604020202020204" pitchFamily="34" charset="0"/>
+                <a:ea typeface="Arial" panose="020B0604020202020204" pitchFamily="34" charset="0"/>
+              </a:rPr>
+              <a:t>Amderican</a:t>
+            </a:r>
+            <a:r>
+              <a:rPr lang="en-US" sz="1800" i="1" dirty="0">
+                <a:effectLst/>
+                <a:latin typeface="Arial" panose="020B0604020202020204" pitchFamily="34" charset="0"/>
+                <a:ea typeface="Arial" panose="020B0604020202020204" pitchFamily="34" charset="0"/>
+              </a:rPr>
+              <a:t> Journal of Industrial Medicine</a:t>
+            </a:r>
+            <a:r>
+              <a:rPr lang="en-US" sz="1800" dirty="0">
+                <a:effectLst/>
+                <a:latin typeface="Arial" panose="020B0604020202020204" pitchFamily="34" charset="0"/>
+                <a:ea typeface="Arial" panose="020B0604020202020204" pitchFamily="34" charset="0"/>
+              </a:rPr>
+              <a:t> [online]. 2020, </a:t>
+            </a:r>
+            <a:r>
+              <a:rPr lang="en-US" sz="1800" b="1" dirty="0">
+                <a:effectLst/>
+                <a:latin typeface="Arial" panose="020B0604020202020204" pitchFamily="34" charset="0"/>
+                <a:ea typeface="Arial" panose="020B0604020202020204" pitchFamily="34" charset="0"/>
+              </a:rPr>
+              <a:t>2020</a:t>
+            </a:r>
+            <a:r>
+              <a:rPr lang="en-US" sz="1800" dirty="0">
+                <a:effectLst/>
+                <a:latin typeface="Arial" panose="020B0604020202020204" pitchFamily="34" charset="0"/>
+                <a:ea typeface="Arial" panose="020B0604020202020204" pitchFamily="34" charset="0"/>
+              </a:rPr>
+              <a:t>(63), 859-867 [cit. 2024-05-01]. </a:t>
+            </a:r>
+            <a:r>
+              <a:rPr lang="en-US" sz="1800" dirty="0" err="1">
                 <a:effectLst/>
                 <a:latin typeface="Arial" panose="020B0604020202020204" pitchFamily="34" charset="0"/>
                 <a:ea typeface="Arial" panose="020B0604020202020204" pitchFamily="34" charset="0"/>
@@ -5642,14 +6015,30 @@
               <a:t>Dostupné</a:t>
             </a:r>
             <a:r>
-              <a:rPr lang="en-US" sz="2800" dirty="0">
-                <a:effectLst/>
-                <a:latin typeface="Arial" panose="020B0604020202020204" pitchFamily="34" charset="0"/>
-                <a:ea typeface="Arial" panose="020B0604020202020204" pitchFamily="34" charset="0"/>
-              </a:rPr>
-              <a:t> z: https://www.suro.cz/en/prirodnioz/rnprogram</a:t>
-            </a:r>
-            <a:endParaRPr lang="cs-CZ" sz="2800" dirty="0">
+              <a:rPr lang="en-US" sz="1800" dirty="0">
+                <a:effectLst/>
+                <a:latin typeface="Arial" panose="020B0604020202020204" pitchFamily="34" charset="0"/>
+                <a:ea typeface="Arial" panose="020B0604020202020204" pitchFamily="34" charset="0"/>
+              </a:rPr>
+              <a:t> z: </a:t>
+            </a:r>
+            <a:r>
+              <a:rPr lang="en-US" sz="1800" dirty="0" err="1">
+                <a:effectLst/>
+                <a:latin typeface="Arial" panose="020B0604020202020204" pitchFamily="34" charset="0"/>
+                <a:ea typeface="Arial" panose="020B0604020202020204" pitchFamily="34" charset="0"/>
+              </a:rPr>
+              <a:t>doi:https</a:t>
+            </a:r>
+            <a:r>
+              <a:rPr lang="en-US" sz="1800" dirty="0">
+                <a:effectLst/>
+                <a:latin typeface="Arial" panose="020B0604020202020204" pitchFamily="34" charset="0"/>
+                <a:ea typeface="Arial" panose="020B0604020202020204" pitchFamily="34" charset="0"/>
+              </a:rPr>
+              <a:t>://doi.org/10.1002/ajim.23167</a:t>
+            </a:r>
+            <a:endParaRPr lang="cs-CZ" sz="1800" dirty="0">
               <a:effectLst/>
               <a:latin typeface="Arial" panose="020B0604020202020204" pitchFamily="34" charset="0"/>
               <a:ea typeface="Arial" panose="020B0604020202020204" pitchFamily="34" charset="0"/>
@@ -5665,214 +6054,46 @@
               </a:spcAft>
             </a:pPr>
             <a:r>
-              <a:rPr lang="en-US" sz="2800" dirty="0" err="1">
-                <a:effectLst/>
-                <a:latin typeface="Arial" panose="020B0604020202020204" pitchFamily="34" charset="0"/>
-                <a:ea typeface="Arial" panose="020B0604020202020204" pitchFamily="34" charset="0"/>
-              </a:rPr>
-              <a:t>Měrné</a:t>
-            </a:r>
-            <a:r>
-              <a:rPr lang="en-US" sz="2800" dirty="0">
-                <a:effectLst/>
-                <a:latin typeface="Arial" panose="020B0604020202020204" pitchFamily="34" charset="0"/>
-                <a:ea typeface="Arial" panose="020B0604020202020204" pitchFamily="34" charset="0"/>
-              </a:rPr>
-              <a:t> </a:t>
-            </a:r>
-            <a:r>
-              <a:rPr lang="en-US" sz="2800" dirty="0" err="1">
-                <a:effectLst/>
-                <a:latin typeface="Arial" panose="020B0604020202020204" pitchFamily="34" charset="0"/>
-                <a:ea typeface="Arial" panose="020B0604020202020204" pitchFamily="34" charset="0"/>
-              </a:rPr>
-              <a:t>emise</a:t>
-            </a:r>
-            <a:r>
-              <a:rPr lang="en-US" sz="2800" dirty="0">
-                <a:effectLst/>
-                <a:latin typeface="Arial" panose="020B0604020202020204" pitchFamily="34" charset="0"/>
-                <a:ea typeface="Arial" panose="020B0604020202020204" pitchFamily="34" charset="0"/>
-              </a:rPr>
-              <a:t> </a:t>
-            </a:r>
-            <a:r>
-              <a:rPr lang="en-US" sz="2800" dirty="0" err="1">
-                <a:effectLst/>
-                <a:latin typeface="Arial" panose="020B0604020202020204" pitchFamily="34" charset="0"/>
-                <a:ea typeface="Arial" panose="020B0604020202020204" pitchFamily="34" charset="0"/>
-              </a:rPr>
-              <a:t>hlavních</a:t>
-            </a:r>
-            <a:r>
-              <a:rPr lang="en-US" sz="2800" dirty="0">
-                <a:effectLst/>
-                <a:latin typeface="Arial" panose="020B0604020202020204" pitchFamily="34" charset="0"/>
-                <a:ea typeface="Arial" panose="020B0604020202020204" pitchFamily="34" charset="0"/>
-              </a:rPr>
-              <a:t> </a:t>
-            </a:r>
-            <a:r>
-              <a:rPr lang="en-US" sz="2800" dirty="0" err="1">
-                <a:effectLst/>
-                <a:latin typeface="Arial" panose="020B0604020202020204" pitchFamily="34" charset="0"/>
-                <a:ea typeface="Arial" panose="020B0604020202020204" pitchFamily="34" charset="0"/>
-              </a:rPr>
-              <a:t>znečišťujících</a:t>
-            </a:r>
-            <a:r>
-              <a:rPr lang="en-US" sz="2800" dirty="0">
-                <a:effectLst/>
-                <a:latin typeface="Arial" panose="020B0604020202020204" pitchFamily="34" charset="0"/>
-                <a:ea typeface="Arial" panose="020B0604020202020204" pitchFamily="34" charset="0"/>
-              </a:rPr>
-              <a:t> </a:t>
-            </a:r>
-            <a:r>
-              <a:rPr lang="en-US" sz="2800" dirty="0" err="1">
-                <a:effectLst/>
-                <a:latin typeface="Arial" panose="020B0604020202020204" pitchFamily="34" charset="0"/>
-                <a:ea typeface="Arial" panose="020B0604020202020204" pitchFamily="34" charset="0"/>
-              </a:rPr>
-              <a:t>látek</a:t>
-            </a:r>
-            <a:r>
-              <a:rPr lang="en-US" sz="2800" dirty="0">
-                <a:effectLst/>
-                <a:latin typeface="Arial" panose="020B0604020202020204" pitchFamily="34" charset="0"/>
-                <a:ea typeface="Arial" panose="020B0604020202020204" pitchFamily="34" charset="0"/>
-              </a:rPr>
-              <a:t> (REZZO 1–3) </a:t>
-            </a:r>
-            <a:r>
-              <a:rPr lang="en-US" sz="2800" dirty="0" err="1">
-                <a:effectLst/>
-                <a:latin typeface="Arial" panose="020B0604020202020204" pitchFamily="34" charset="0"/>
-                <a:ea typeface="Arial" panose="020B0604020202020204" pitchFamily="34" charset="0"/>
-              </a:rPr>
-              <a:t>podle</a:t>
-            </a:r>
-            <a:r>
-              <a:rPr lang="en-US" sz="2800" dirty="0">
-                <a:effectLst/>
-                <a:latin typeface="Arial" panose="020B0604020202020204" pitchFamily="34" charset="0"/>
-                <a:ea typeface="Arial" panose="020B0604020202020204" pitchFamily="34" charset="0"/>
-              </a:rPr>
-              <a:t> </a:t>
-            </a:r>
-            <a:r>
-              <a:rPr lang="en-US" sz="2800" dirty="0" err="1">
-                <a:effectLst/>
-                <a:latin typeface="Arial" panose="020B0604020202020204" pitchFamily="34" charset="0"/>
-                <a:ea typeface="Arial" panose="020B0604020202020204" pitchFamily="34" charset="0"/>
-              </a:rPr>
-              <a:t>krajů</a:t>
-            </a:r>
-            <a:r>
-              <a:rPr lang="en-US" sz="2800" dirty="0">
-                <a:effectLst/>
-                <a:latin typeface="Arial" panose="020B0604020202020204" pitchFamily="34" charset="0"/>
-                <a:ea typeface="Arial" panose="020B0604020202020204" pitchFamily="34" charset="0"/>
-              </a:rPr>
-              <a:t>. ČESKÝ STATISTICKÝ ÚŘAD.</a:t>
-            </a:r>
-            <a:r>
-              <a:rPr lang="en-US" sz="2800" i="1" dirty="0">
-                <a:effectLst/>
-                <a:latin typeface="Arial" panose="020B0604020202020204" pitchFamily="34" charset="0"/>
-                <a:ea typeface="Arial" panose="020B0604020202020204" pitchFamily="34" charset="0"/>
-              </a:rPr>
-              <a:t> </a:t>
-            </a:r>
-            <a:r>
-              <a:rPr lang="en-US" sz="2800" i="1" dirty="0" err="1">
-                <a:effectLst/>
-                <a:latin typeface="Arial" panose="020B0604020202020204" pitchFamily="34" charset="0"/>
-                <a:ea typeface="Arial" panose="020B0604020202020204" pitchFamily="34" charset="0"/>
-              </a:rPr>
-              <a:t>Statistická</a:t>
-            </a:r>
-            <a:r>
-              <a:rPr lang="en-US" sz="2800" i="1" dirty="0">
-                <a:effectLst/>
-                <a:latin typeface="Arial" panose="020B0604020202020204" pitchFamily="34" charset="0"/>
-                <a:ea typeface="Arial" panose="020B0604020202020204" pitchFamily="34" charset="0"/>
-              </a:rPr>
-              <a:t> </a:t>
-            </a:r>
-            <a:r>
-              <a:rPr lang="en-US" sz="2800" i="1" dirty="0" err="1">
-                <a:effectLst/>
-                <a:latin typeface="Arial" panose="020B0604020202020204" pitchFamily="34" charset="0"/>
-                <a:ea typeface="Arial" panose="020B0604020202020204" pitchFamily="34" charset="0"/>
-              </a:rPr>
-              <a:t>ročenka</a:t>
-            </a:r>
-            <a:r>
-              <a:rPr lang="en-US" sz="2800" i="1" dirty="0">
-                <a:effectLst/>
-                <a:latin typeface="Arial" panose="020B0604020202020204" pitchFamily="34" charset="0"/>
-                <a:ea typeface="Arial" panose="020B0604020202020204" pitchFamily="34" charset="0"/>
-              </a:rPr>
-              <a:t> </a:t>
-            </a:r>
-            <a:r>
-              <a:rPr lang="en-US" sz="2800" i="1" dirty="0" err="1">
-                <a:effectLst/>
-                <a:latin typeface="Arial" panose="020B0604020202020204" pitchFamily="34" charset="0"/>
-                <a:ea typeface="Arial" panose="020B0604020202020204" pitchFamily="34" charset="0"/>
-              </a:rPr>
-              <a:t>České</a:t>
-            </a:r>
-            <a:r>
-              <a:rPr lang="en-US" sz="2800" i="1" dirty="0">
-                <a:effectLst/>
-                <a:latin typeface="Arial" panose="020B0604020202020204" pitchFamily="34" charset="0"/>
-                <a:ea typeface="Arial" panose="020B0604020202020204" pitchFamily="34" charset="0"/>
-              </a:rPr>
-              <a:t> </a:t>
-            </a:r>
-            <a:r>
-              <a:rPr lang="en-US" sz="2800" i="1" dirty="0" err="1">
-                <a:effectLst/>
-                <a:latin typeface="Arial" panose="020B0604020202020204" pitchFamily="34" charset="0"/>
-                <a:ea typeface="Arial" panose="020B0604020202020204" pitchFamily="34" charset="0"/>
-              </a:rPr>
-              <a:t>republiky</a:t>
-            </a:r>
-            <a:r>
-              <a:rPr lang="en-US" sz="2800" i="1" dirty="0">
-                <a:effectLst/>
-                <a:latin typeface="Arial" panose="020B0604020202020204" pitchFamily="34" charset="0"/>
-                <a:ea typeface="Arial" panose="020B0604020202020204" pitchFamily="34" charset="0"/>
-              </a:rPr>
-              <a:t> - 2021</a:t>
-            </a:r>
-            <a:r>
-              <a:rPr lang="en-US" sz="2800" dirty="0">
-                <a:effectLst/>
-                <a:latin typeface="Arial" panose="020B0604020202020204" pitchFamily="34" charset="0"/>
-                <a:ea typeface="Arial" panose="020B0604020202020204" pitchFamily="34" charset="0"/>
-              </a:rPr>
-              <a:t> [online]. 2021 [cit. 2024-05-01]. </a:t>
-            </a:r>
-            <a:r>
-              <a:rPr lang="en-US" sz="2800" dirty="0" err="1">
-                <a:effectLst/>
-                <a:latin typeface="Arial" panose="020B0604020202020204" pitchFamily="34" charset="0"/>
-                <a:ea typeface="Arial" panose="020B0604020202020204" pitchFamily="34" charset="0"/>
-              </a:rPr>
-              <a:t>Dostupné</a:t>
-            </a:r>
-            <a:r>
-              <a:rPr lang="en-US" sz="2800" dirty="0">
-                <a:effectLst/>
-                <a:latin typeface="Arial" panose="020B0604020202020204" pitchFamily="34" charset="0"/>
-                <a:ea typeface="Arial" panose="020B0604020202020204" pitchFamily="34" charset="0"/>
-              </a:rPr>
-              <a:t> z: https://www.czso.cz/documents/10180/171475716/320198210308.xlsx/cc20c6ed-dbde-4d77-bf7e-f6f4caa339c1?version=1.3</a:t>
-            </a:r>
-            <a:endParaRPr lang="cs-CZ" sz="2800" dirty="0">
+              <a:rPr lang="en-US" sz="1800" dirty="0">
+                <a:effectLst/>
+                <a:latin typeface="Arial" panose="020B0604020202020204" pitchFamily="34" charset="0"/>
+                <a:ea typeface="Arial" panose="020B0604020202020204" pitchFamily="34" charset="0"/>
+              </a:rPr>
+              <a:t>TOMÁSEK, L, T MÜLLER, E KUNZ, A HERIBANOVÁ, J MATZNER, V PLACEK, I BURIAN a J HOLECEK. Study of lung cancer and residential radon in the Czech Republic.</a:t>
+            </a:r>
+            <a:r>
+              <a:rPr lang="en-US" sz="1800" i="1" dirty="0">
+                <a:effectLst/>
+                <a:latin typeface="Arial" panose="020B0604020202020204" pitchFamily="34" charset="0"/>
+                <a:ea typeface="Arial" panose="020B0604020202020204" pitchFamily="34" charset="0"/>
+              </a:rPr>
+              <a:t> Central European Journal of Public Health</a:t>
+            </a:r>
+            <a:r>
+              <a:rPr lang="en-US" sz="1800" dirty="0">
+                <a:effectLst/>
+                <a:latin typeface="Arial" panose="020B0604020202020204" pitchFamily="34" charset="0"/>
+                <a:ea typeface="Arial" panose="020B0604020202020204" pitchFamily="34" charset="0"/>
+              </a:rPr>
+              <a:t>. 2001, </a:t>
+            </a:r>
+            <a:r>
+              <a:rPr lang="en-US" sz="1800" b="1" dirty="0">
+                <a:effectLst/>
+                <a:latin typeface="Arial" panose="020B0604020202020204" pitchFamily="34" charset="0"/>
+                <a:ea typeface="Arial" panose="020B0604020202020204" pitchFamily="34" charset="0"/>
+              </a:rPr>
+              <a:t>9</a:t>
+            </a:r>
+            <a:r>
+              <a:rPr lang="en-US" sz="1800" dirty="0">
+                <a:effectLst/>
+                <a:latin typeface="Arial" panose="020B0604020202020204" pitchFamily="34" charset="0"/>
+                <a:ea typeface="Arial" panose="020B0604020202020204" pitchFamily="34" charset="0"/>
+              </a:rPr>
+              <a:t>(3), 150-153.</a:t>
+            </a:r>
+            <a:endParaRPr lang="cs-CZ" sz="1800" dirty="0">
               <a:effectLst/>
               <a:latin typeface="Arial" panose="020B0604020202020204" pitchFamily="34" charset="0"/>
               <a:ea typeface="Arial" panose="020B0604020202020204" pitchFamily="34" charset="0"/>
@@ -5888,23 +6109,31 @@
               </a:spcAft>
             </a:pPr>
             <a:r>
-              <a:rPr lang="en-US" sz="2800" dirty="0">
-                <a:effectLst/>
-                <a:latin typeface="Arial" panose="020B0604020202020204" pitchFamily="34" charset="0"/>
-                <a:ea typeface="Arial" panose="020B0604020202020204" pitchFamily="34" charset="0"/>
-              </a:rPr>
-              <a:t>Data </a:t>
-            </a:r>
-            <a:r>
-              <a:rPr lang="en-US" sz="2800" dirty="0" err="1">
-                <a:effectLst/>
-                <a:latin typeface="Arial" panose="020B0604020202020204" pitchFamily="34" charset="0"/>
-                <a:ea typeface="Arial" panose="020B0604020202020204" pitchFamily="34" charset="0"/>
-              </a:rPr>
-              <a:t>ke</a:t>
-            </a:r>
-            <a:r>
-              <a:rPr lang="en-US" sz="2800" dirty="0">
+              <a:rPr lang="en-US" sz="1800" dirty="0">
+                <a:effectLst/>
+                <a:latin typeface="Arial" panose="020B0604020202020204" pitchFamily="34" charset="0"/>
+                <a:ea typeface="Arial" panose="020B0604020202020204" pitchFamily="34" charset="0"/>
+              </a:rPr>
+              <a:t>SUCHÁNEK, </a:t>
+            </a:r>
+            <a:r>
+              <a:rPr lang="en-US" sz="1800" dirty="0" err="1">
+                <a:effectLst/>
+                <a:latin typeface="Arial" panose="020B0604020202020204" pitchFamily="34" charset="0"/>
+                <a:ea typeface="Arial" panose="020B0604020202020204" pitchFamily="34" charset="0"/>
+              </a:rPr>
+              <a:t>Vladimír</a:t>
+            </a:r>
+            <a:r>
+              <a:rPr lang="en-US" sz="1800" dirty="0">
+                <a:effectLst/>
+                <a:latin typeface="Arial" panose="020B0604020202020204" pitchFamily="34" charset="0"/>
+                <a:ea typeface="Arial" panose="020B0604020202020204" pitchFamily="34" charset="0"/>
+              </a:rPr>
+              <a:t>.</a:t>
+            </a:r>
+            <a:r>
+              <a:rPr lang="en-US" sz="1800" i="1" dirty="0">
                 <a:effectLst/>
                 <a:latin typeface="Arial" panose="020B0604020202020204" pitchFamily="34" charset="0"/>
                 <a:ea typeface="Arial" panose="020B0604020202020204" pitchFamily="34" charset="0"/>
@@ -5912,55 +6141,15 @@
               <a:t> </a:t>
             </a:r>
             <a:r>
-              <a:rPr lang="en-US" sz="2800" dirty="0" err="1">
-                <a:effectLst/>
-                <a:latin typeface="Arial" panose="020B0604020202020204" pitchFamily="34" charset="0"/>
-                <a:ea typeface="Arial" panose="020B0604020202020204" pitchFamily="34" charset="0"/>
-              </a:rPr>
-              <a:t>stažení</a:t>
-            </a:r>
-            <a:r>
-              <a:rPr lang="en-US" sz="2800" dirty="0">
-                <a:effectLst/>
-                <a:latin typeface="Arial" panose="020B0604020202020204" pitchFamily="34" charset="0"/>
-                <a:ea typeface="Arial" panose="020B0604020202020204" pitchFamily="34" charset="0"/>
-              </a:rPr>
-              <a:t> – </a:t>
-            </a:r>
-            <a:r>
-              <a:rPr lang="en-US" sz="2800" dirty="0" err="1">
-                <a:effectLst/>
-                <a:latin typeface="Arial" panose="020B0604020202020204" pitchFamily="34" charset="0"/>
-                <a:ea typeface="Arial" panose="020B0604020202020204" pitchFamily="34" charset="0"/>
-              </a:rPr>
-              <a:t>Číselníky</a:t>
-            </a:r>
-            <a:r>
-              <a:rPr lang="en-US" sz="2800" dirty="0">
-                <a:effectLst/>
-                <a:latin typeface="Arial" panose="020B0604020202020204" pitchFamily="34" charset="0"/>
-                <a:ea typeface="Arial" panose="020B0604020202020204" pitchFamily="34" charset="0"/>
-              </a:rPr>
-              <a:t>.</a:t>
-            </a:r>
-            <a:r>
-              <a:rPr lang="en-US" sz="2800" i="1" dirty="0">
-                <a:effectLst/>
-                <a:latin typeface="Arial" panose="020B0604020202020204" pitchFamily="34" charset="0"/>
-                <a:ea typeface="Arial" panose="020B0604020202020204" pitchFamily="34" charset="0"/>
-              </a:rPr>
-              <a:t> Data </a:t>
-            </a:r>
-            <a:r>
-              <a:rPr lang="en-US" sz="2800" i="1" dirty="0" err="1">
-                <a:effectLst/>
-                <a:latin typeface="Arial" panose="020B0604020202020204" pitchFamily="34" charset="0"/>
-                <a:ea typeface="Arial" panose="020B0604020202020204" pitchFamily="34" charset="0"/>
-              </a:rPr>
-              <a:t>ke</a:t>
-            </a:r>
-            <a:r>
-              <a:rPr lang="en-US" sz="2800" i="1" dirty="0">
+              <a:rPr lang="en-US" sz="1800" i="1" dirty="0" err="1">
+                <a:effectLst/>
+                <a:latin typeface="Arial" panose="020B0604020202020204" pitchFamily="34" charset="0"/>
+                <a:ea typeface="Arial" panose="020B0604020202020204" pitchFamily="34" charset="0"/>
+              </a:rPr>
+              <a:t>Ionizující</a:t>
+            </a:r>
+            <a:r>
+              <a:rPr lang="en-US" sz="1800" i="1" dirty="0">
                 <a:effectLst/>
                 <a:latin typeface="Arial" panose="020B0604020202020204" pitchFamily="34" charset="0"/>
                 <a:ea typeface="Arial" panose="020B0604020202020204" pitchFamily="34" charset="0"/>
@@ -5968,39 +6157,223 @@
               <a:t> </a:t>
             </a:r>
             <a:r>
-              <a:rPr lang="en-US" sz="2800" i="1" dirty="0" err="1">
-                <a:effectLst/>
-                <a:latin typeface="Arial" panose="020B0604020202020204" pitchFamily="34" charset="0"/>
-                <a:ea typeface="Arial" panose="020B0604020202020204" pitchFamily="34" charset="0"/>
-              </a:rPr>
-              <a:t>stažení</a:t>
-            </a:r>
-            <a:r>
-              <a:rPr lang="en-US" sz="2800" i="1" dirty="0">
-                <a:effectLst/>
-                <a:latin typeface="Arial" panose="020B0604020202020204" pitchFamily="34" charset="0"/>
-                <a:ea typeface="Arial" panose="020B0604020202020204" pitchFamily="34" charset="0"/>
-              </a:rPr>
-              <a:t> – </a:t>
-            </a:r>
-            <a:r>
-              <a:rPr lang="en-US" sz="2800" i="1" dirty="0" err="1">
-                <a:effectLst/>
-                <a:latin typeface="Arial" panose="020B0604020202020204" pitchFamily="34" charset="0"/>
-                <a:ea typeface="Arial" panose="020B0604020202020204" pitchFamily="34" charset="0"/>
-              </a:rPr>
-              <a:t>Číselníky</a:t>
-            </a:r>
-            <a:r>
-              <a:rPr lang="en-US" sz="2800" dirty="0">
-                <a:effectLst/>
-                <a:latin typeface="Arial" panose="020B0604020202020204" pitchFamily="34" charset="0"/>
-                <a:ea typeface="Arial" panose="020B0604020202020204" pitchFamily="34" charset="0"/>
-              </a:rPr>
-              <a:t> [online]. [cit. 2024-05-01]. </a:t>
-            </a:r>
-            <a:r>
-              <a:rPr lang="en-US" sz="2800" dirty="0" err="1">
+              <a:rPr lang="en-US" sz="1800" i="1" dirty="0" err="1">
+                <a:effectLst/>
+                <a:latin typeface="Arial" panose="020B0604020202020204" pitchFamily="34" charset="0"/>
+                <a:ea typeface="Arial" panose="020B0604020202020204" pitchFamily="34" charset="0"/>
+              </a:rPr>
+              <a:t>záření</a:t>
+            </a:r>
+            <a:r>
+              <a:rPr lang="en-US" sz="1800" i="1" dirty="0">
+                <a:effectLst/>
+                <a:latin typeface="Arial" panose="020B0604020202020204" pitchFamily="34" charset="0"/>
+                <a:ea typeface="Arial" panose="020B0604020202020204" pitchFamily="34" charset="0"/>
+              </a:rPr>
+              <a:t> a </a:t>
+            </a:r>
+            <a:r>
+              <a:rPr lang="en-US" sz="1800" i="1" dirty="0" err="1">
+                <a:effectLst/>
+                <a:latin typeface="Arial" panose="020B0604020202020204" pitchFamily="34" charset="0"/>
+                <a:ea typeface="Arial" panose="020B0604020202020204" pitchFamily="34" charset="0"/>
+              </a:rPr>
+              <a:t>jeho</a:t>
+            </a:r>
+            <a:r>
+              <a:rPr lang="en-US" sz="1800" i="1" dirty="0">
+                <a:effectLst/>
+                <a:latin typeface="Arial" panose="020B0604020202020204" pitchFamily="34" charset="0"/>
+                <a:ea typeface="Arial" panose="020B0604020202020204" pitchFamily="34" charset="0"/>
+              </a:rPr>
+              <a:t> </a:t>
+            </a:r>
+            <a:r>
+              <a:rPr lang="en-US" sz="1800" i="1" dirty="0" err="1">
+                <a:effectLst/>
+                <a:latin typeface="Arial" panose="020B0604020202020204" pitchFamily="34" charset="0"/>
+                <a:ea typeface="Arial" panose="020B0604020202020204" pitchFamily="34" charset="0"/>
+              </a:rPr>
+              <a:t>vliv</a:t>
+            </a:r>
+            <a:r>
+              <a:rPr lang="en-US" sz="1800" i="1" dirty="0">
+                <a:effectLst/>
+                <a:latin typeface="Arial" panose="020B0604020202020204" pitchFamily="34" charset="0"/>
+                <a:ea typeface="Arial" panose="020B0604020202020204" pitchFamily="34" charset="0"/>
+              </a:rPr>
+              <a:t> </a:t>
+            </a:r>
+            <a:r>
+              <a:rPr lang="en-US" sz="1800" i="1" dirty="0" err="1">
+                <a:effectLst/>
+                <a:latin typeface="Arial" panose="020B0604020202020204" pitchFamily="34" charset="0"/>
+                <a:ea typeface="Arial" panose="020B0604020202020204" pitchFamily="34" charset="0"/>
+              </a:rPr>
+              <a:t>na</a:t>
+            </a:r>
+            <a:r>
+              <a:rPr lang="en-US" sz="1800" i="1" dirty="0">
+                <a:effectLst/>
+                <a:latin typeface="Arial" panose="020B0604020202020204" pitchFamily="34" charset="0"/>
+                <a:ea typeface="Arial" panose="020B0604020202020204" pitchFamily="34" charset="0"/>
+              </a:rPr>
+              <a:t> </a:t>
+            </a:r>
+            <a:r>
+              <a:rPr lang="en-US" sz="1800" i="1" dirty="0" err="1">
+                <a:effectLst/>
+                <a:latin typeface="Arial" panose="020B0604020202020204" pitchFamily="34" charset="0"/>
+                <a:ea typeface="Arial" panose="020B0604020202020204" pitchFamily="34" charset="0"/>
+              </a:rPr>
+              <a:t>kvalitu</a:t>
+            </a:r>
+            <a:r>
+              <a:rPr lang="en-US" sz="1800" i="1" dirty="0">
+                <a:effectLst/>
+                <a:latin typeface="Arial" panose="020B0604020202020204" pitchFamily="34" charset="0"/>
+                <a:ea typeface="Arial" panose="020B0604020202020204" pitchFamily="34" charset="0"/>
+              </a:rPr>
+              <a:t> </a:t>
+            </a:r>
+            <a:r>
+              <a:rPr lang="en-US" sz="1800" i="1" dirty="0" err="1">
+                <a:effectLst/>
+                <a:latin typeface="Arial" panose="020B0604020202020204" pitchFamily="34" charset="0"/>
+                <a:ea typeface="Arial" panose="020B0604020202020204" pitchFamily="34" charset="0"/>
+              </a:rPr>
+              <a:t>životního</a:t>
+            </a:r>
+            <a:r>
+              <a:rPr lang="en-US" sz="1800" i="1" dirty="0">
+                <a:effectLst/>
+                <a:latin typeface="Arial" panose="020B0604020202020204" pitchFamily="34" charset="0"/>
+                <a:ea typeface="Arial" panose="020B0604020202020204" pitchFamily="34" charset="0"/>
+              </a:rPr>
+              <a:t> </a:t>
+            </a:r>
+            <a:r>
+              <a:rPr lang="en-US" sz="1800" i="1" dirty="0" err="1">
+                <a:effectLst/>
+                <a:latin typeface="Arial" panose="020B0604020202020204" pitchFamily="34" charset="0"/>
+                <a:ea typeface="Arial" panose="020B0604020202020204" pitchFamily="34" charset="0"/>
+              </a:rPr>
+              <a:t>prostředí</a:t>
+            </a:r>
+            <a:r>
+              <a:rPr lang="en-US" sz="1800" i="1" dirty="0">
+                <a:effectLst/>
+                <a:latin typeface="Arial" panose="020B0604020202020204" pitchFamily="34" charset="0"/>
+                <a:ea typeface="Arial" panose="020B0604020202020204" pitchFamily="34" charset="0"/>
+              </a:rPr>
+              <a:t> </a:t>
+            </a:r>
+            <a:r>
+              <a:rPr lang="en-US" sz="1800" i="1" dirty="0" err="1">
+                <a:effectLst/>
+                <a:latin typeface="Arial" panose="020B0604020202020204" pitchFamily="34" charset="0"/>
+                <a:ea typeface="Arial" panose="020B0604020202020204" pitchFamily="34" charset="0"/>
+              </a:rPr>
+              <a:t>člověka</a:t>
+            </a:r>
+            <a:r>
+              <a:rPr lang="en-US" sz="1800" i="1" dirty="0">
+                <a:effectLst/>
+                <a:latin typeface="Arial" panose="020B0604020202020204" pitchFamily="34" charset="0"/>
+                <a:ea typeface="Arial" panose="020B0604020202020204" pitchFamily="34" charset="0"/>
+              </a:rPr>
+              <a:t>: Radon </a:t>
+            </a:r>
+            <a:r>
+              <a:rPr lang="en-US" sz="1800" i="1" dirty="0" err="1">
+                <a:effectLst/>
+                <a:latin typeface="Arial" panose="020B0604020202020204" pitchFamily="34" charset="0"/>
+                <a:ea typeface="Arial" panose="020B0604020202020204" pitchFamily="34" charset="0"/>
+              </a:rPr>
+              <a:t>jako</a:t>
+            </a:r>
+            <a:r>
+              <a:rPr lang="en-US" sz="1800" i="1" dirty="0">
+                <a:effectLst/>
+                <a:latin typeface="Arial" panose="020B0604020202020204" pitchFamily="34" charset="0"/>
+                <a:ea typeface="Arial" panose="020B0604020202020204" pitchFamily="34" charset="0"/>
+              </a:rPr>
+              <a:t> </a:t>
+            </a:r>
+            <a:r>
+              <a:rPr lang="en-US" sz="1800" i="1" dirty="0" err="1">
+                <a:effectLst/>
+                <a:latin typeface="Arial" panose="020B0604020202020204" pitchFamily="34" charset="0"/>
+                <a:ea typeface="Arial" panose="020B0604020202020204" pitchFamily="34" charset="0"/>
+              </a:rPr>
+              <a:t>rizikový</a:t>
+            </a:r>
+            <a:r>
+              <a:rPr lang="en-US" sz="1800" i="1" dirty="0">
+                <a:effectLst/>
+                <a:latin typeface="Arial" panose="020B0604020202020204" pitchFamily="34" charset="0"/>
+                <a:ea typeface="Arial" panose="020B0604020202020204" pitchFamily="34" charset="0"/>
+              </a:rPr>
+              <a:t> </a:t>
+            </a:r>
+            <a:r>
+              <a:rPr lang="en-US" sz="1800" i="1" dirty="0" err="1">
+                <a:effectLst/>
+                <a:latin typeface="Arial" panose="020B0604020202020204" pitchFamily="34" charset="0"/>
+                <a:ea typeface="Arial" panose="020B0604020202020204" pitchFamily="34" charset="0"/>
+              </a:rPr>
+              <a:t>faktor</a:t>
+            </a:r>
+            <a:r>
+              <a:rPr lang="en-US" sz="1800" i="1" dirty="0">
+                <a:effectLst/>
+                <a:latin typeface="Arial" panose="020B0604020202020204" pitchFamily="34" charset="0"/>
+                <a:ea typeface="Arial" panose="020B0604020202020204" pitchFamily="34" charset="0"/>
+              </a:rPr>
+              <a:t> pro </a:t>
+            </a:r>
+            <a:r>
+              <a:rPr lang="en-US" sz="1800" i="1" dirty="0" err="1">
+                <a:effectLst/>
+                <a:latin typeface="Arial" panose="020B0604020202020204" pitchFamily="34" charset="0"/>
+                <a:ea typeface="Arial" panose="020B0604020202020204" pitchFamily="34" charset="0"/>
+              </a:rPr>
+              <a:t>lidské</a:t>
+            </a:r>
+            <a:r>
+              <a:rPr lang="en-US" sz="1800" i="1" dirty="0">
+                <a:effectLst/>
+                <a:latin typeface="Arial" panose="020B0604020202020204" pitchFamily="34" charset="0"/>
+                <a:ea typeface="Arial" panose="020B0604020202020204" pitchFamily="34" charset="0"/>
+              </a:rPr>
+              <a:t> </a:t>
+            </a:r>
+            <a:r>
+              <a:rPr lang="en-US" sz="1800" i="1" dirty="0" err="1">
+                <a:effectLst/>
+                <a:latin typeface="Arial" panose="020B0604020202020204" pitchFamily="34" charset="0"/>
+                <a:ea typeface="Arial" panose="020B0604020202020204" pitchFamily="34" charset="0"/>
+              </a:rPr>
+              <a:t>zdraví</a:t>
+            </a:r>
+            <a:r>
+              <a:rPr lang="en-US" sz="1800" i="1" dirty="0">
+                <a:effectLst/>
+                <a:latin typeface="Arial" panose="020B0604020202020204" pitchFamily="34" charset="0"/>
+                <a:ea typeface="Arial" panose="020B0604020202020204" pitchFamily="34" charset="0"/>
+              </a:rPr>
+              <a:t> v ČR</a:t>
+            </a:r>
+            <a:r>
+              <a:rPr lang="en-US" sz="1800" dirty="0">
+                <a:effectLst/>
+                <a:latin typeface="Arial" panose="020B0604020202020204" pitchFamily="34" charset="0"/>
+                <a:ea typeface="Arial" panose="020B0604020202020204" pitchFamily="34" charset="0"/>
+              </a:rPr>
+              <a:t> [online]. Praha, 2018 [cit. 2024-05-01]. </a:t>
+            </a:r>
+            <a:r>
+              <a:rPr lang="en-US" sz="1800" dirty="0" err="1">
                 <a:effectLst/>
                 <a:latin typeface="Arial" panose="020B0604020202020204" pitchFamily="34" charset="0"/>
                 <a:ea typeface="Arial" panose="020B0604020202020204" pitchFamily="34" charset="0"/>
@@ -6008,160 +6381,169 @@
               <a:t>Dostupné</a:t>
             </a:r>
             <a:r>
-              <a:rPr lang="en-US" sz="2800" dirty="0">
-                <a:effectLst/>
-                <a:latin typeface="Arial" panose="020B0604020202020204" pitchFamily="34" charset="0"/>
-                <a:ea typeface="Arial" panose="020B0604020202020204" pitchFamily="34" charset="0"/>
-              </a:rPr>
-              <a:t> z: https://eagri.cz/ssl/nosso-app/DataKeStazeni/Okresy</a:t>
-            </a:r>
-            <a:endParaRPr lang="cs-CZ" sz="2800" dirty="0">
+              <a:rPr lang="en-US" sz="1800" dirty="0">
+                <a:effectLst/>
+                <a:latin typeface="Arial" panose="020B0604020202020204" pitchFamily="34" charset="0"/>
+                <a:ea typeface="Arial" panose="020B0604020202020204" pitchFamily="34" charset="0"/>
+              </a:rPr>
+              <a:t> z: https://dspace.cuni.cz/bitstream/handle/20.500.11956/98919/120294732.pdf?sequence=1&amp;isAllowed=y. </a:t>
+            </a:r>
+            <a:r>
+              <a:rPr lang="en-US" sz="1800" dirty="0" err="1">
+                <a:effectLst/>
+                <a:latin typeface="Arial" panose="020B0604020202020204" pitchFamily="34" charset="0"/>
+                <a:ea typeface="Arial" panose="020B0604020202020204" pitchFamily="34" charset="0"/>
+              </a:rPr>
+              <a:t>Diplomová</a:t>
+            </a:r>
+            <a:r>
+              <a:rPr lang="en-US" sz="1800" dirty="0">
+                <a:effectLst/>
+                <a:latin typeface="Arial" panose="020B0604020202020204" pitchFamily="34" charset="0"/>
+                <a:ea typeface="Arial" panose="020B0604020202020204" pitchFamily="34" charset="0"/>
+              </a:rPr>
+              <a:t> </a:t>
+            </a:r>
+            <a:r>
+              <a:rPr lang="en-US" sz="1800" dirty="0" err="1">
+                <a:effectLst/>
+                <a:latin typeface="Arial" panose="020B0604020202020204" pitchFamily="34" charset="0"/>
+                <a:ea typeface="Arial" panose="020B0604020202020204" pitchFamily="34" charset="0"/>
+              </a:rPr>
+              <a:t>práce</a:t>
+            </a:r>
+            <a:r>
+              <a:rPr lang="en-US" sz="1800" dirty="0">
+                <a:effectLst/>
+                <a:latin typeface="Arial" panose="020B0604020202020204" pitchFamily="34" charset="0"/>
+                <a:ea typeface="Arial" panose="020B0604020202020204" pitchFamily="34" charset="0"/>
+              </a:rPr>
+              <a:t>. </a:t>
+            </a:r>
+            <a:r>
+              <a:rPr lang="en-US" sz="1800" dirty="0" err="1">
+                <a:effectLst/>
+                <a:latin typeface="Arial" panose="020B0604020202020204" pitchFamily="34" charset="0"/>
+                <a:ea typeface="Arial" panose="020B0604020202020204" pitchFamily="34" charset="0"/>
+              </a:rPr>
+              <a:t>Univerzita</a:t>
+            </a:r>
+            <a:r>
+              <a:rPr lang="en-US" sz="1800" dirty="0">
+                <a:effectLst/>
+                <a:latin typeface="Arial" panose="020B0604020202020204" pitchFamily="34" charset="0"/>
+                <a:ea typeface="Arial" panose="020B0604020202020204" pitchFamily="34" charset="0"/>
+              </a:rPr>
+              <a:t> </a:t>
+            </a:r>
+            <a:r>
+              <a:rPr lang="en-US" sz="1800" dirty="0" err="1">
+                <a:effectLst/>
+                <a:latin typeface="Arial" panose="020B0604020202020204" pitchFamily="34" charset="0"/>
+                <a:ea typeface="Arial" panose="020B0604020202020204" pitchFamily="34" charset="0"/>
+              </a:rPr>
+              <a:t>Karlova</a:t>
+            </a:r>
+            <a:r>
+              <a:rPr lang="en-US" sz="1800" dirty="0">
+                <a:effectLst/>
+                <a:latin typeface="Arial" panose="020B0604020202020204" pitchFamily="34" charset="0"/>
+                <a:ea typeface="Arial" panose="020B0604020202020204" pitchFamily="34" charset="0"/>
+              </a:rPr>
+              <a:t>, </a:t>
+            </a:r>
+            <a:r>
+              <a:rPr lang="en-US" sz="1800" dirty="0" err="1">
+                <a:effectLst/>
+                <a:latin typeface="Arial" panose="020B0604020202020204" pitchFamily="34" charset="0"/>
+                <a:ea typeface="Arial" panose="020B0604020202020204" pitchFamily="34" charset="0"/>
+              </a:rPr>
+              <a:t>Přírodovědecká</a:t>
+            </a:r>
+            <a:r>
+              <a:rPr lang="en-US" sz="1800" dirty="0">
+                <a:effectLst/>
+                <a:latin typeface="Arial" panose="020B0604020202020204" pitchFamily="34" charset="0"/>
+                <a:ea typeface="Arial" panose="020B0604020202020204" pitchFamily="34" charset="0"/>
+              </a:rPr>
+              <a:t> </a:t>
+            </a:r>
+            <a:r>
+              <a:rPr lang="en-US" sz="1800" dirty="0" err="1">
+                <a:effectLst/>
+                <a:latin typeface="Arial" panose="020B0604020202020204" pitchFamily="34" charset="0"/>
+                <a:ea typeface="Arial" panose="020B0604020202020204" pitchFamily="34" charset="0"/>
+              </a:rPr>
+              <a:t>fakulta</a:t>
+            </a:r>
+            <a:r>
+              <a:rPr lang="en-US" sz="1800" dirty="0">
+                <a:effectLst/>
+                <a:latin typeface="Arial" panose="020B0604020202020204" pitchFamily="34" charset="0"/>
+                <a:ea typeface="Arial" panose="020B0604020202020204" pitchFamily="34" charset="0"/>
+              </a:rPr>
+              <a:t>. </a:t>
+            </a:r>
+            <a:r>
+              <a:rPr lang="en-US" sz="1800" dirty="0" err="1">
+                <a:effectLst/>
+                <a:latin typeface="Arial" panose="020B0604020202020204" pitchFamily="34" charset="0"/>
+                <a:ea typeface="Arial" panose="020B0604020202020204" pitchFamily="34" charset="0"/>
+              </a:rPr>
+              <a:t>Vedoucí</a:t>
+            </a:r>
+            <a:r>
+              <a:rPr lang="en-US" sz="1800" dirty="0">
+                <a:effectLst/>
+                <a:latin typeface="Arial" panose="020B0604020202020204" pitchFamily="34" charset="0"/>
+                <a:ea typeface="Arial" panose="020B0604020202020204" pitchFamily="34" charset="0"/>
+              </a:rPr>
+              <a:t> </a:t>
+            </a:r>
+            <a:r>
+              <a:rPr lang="en-US" sz="1800" dirty="0" err="1">
+                <a:effectLst/>
+                <a:latin typeface="Arial" panose="020B0604020202020204" pitchFamily="34" charset="0"/>
+                <a:ea typeface="Arial" panose="020B0604020202020204" pitchFamily="34" charset="0"/>
+              </a:rPr>
+              <a:t>práce</a:t>
+            </a:r>
+            <a:r>
+              <a:rPr lang="en-US" sz="1800" dirty="0">
+                <a:effectLst/>
+                <a:latin typeface="Arial" panose="020B0604020202020204" pitchFamily="34" charset="0"/>
+                <a:ea typeface="Arial" panose="020B0604020202020204" pitchFamily="34" charset="0"/>
+              </a:rPr>
+              <a:t> Doc. </a:t>
+            </a:r>
+            <a:r>
+              <a:rPr lang="en-US" sz="1800" dirty="0" err="1">
+                <a:effectLst/>
+                <a:latin typeface="Arial" panose="020B0604020202020204" pitchFamily="34" charset="0"/>
+                <a:ea typeface="Arial" panose="020B0604020202020204" pitchFamily="34" charset="0"/>
+              </a:rPr>
+              <a:t>RNDr</a:t>
+            </a:r>
+            <a:r>
+              <a:rPr lang="en-US" sz="1800" dirty="0">
+                <a:effectLst/>
+                <a:latin typeface="Arial" panose="020B0604020202020204" pitchFamily="34" charset="0"/>
+                <a:ea typeface="Arial" panose="020B0604020202020204" pitchFamily="34" charset="0"/>
+              </a:rPr>
+              <a:t>. JANA SPILKOVÁ, Ph.D.</a:t>
+            </a:r>
+            <a:endParaRPr lang="cs-CZ" sz="1800" dirty="0">
               <a:effectLst/>
               <a:latin typeface="Arial" panose="020B0604020202020204" pitchFamily="34" charset="0"/>
               <a:ea typeface="Arial" panose="020B0604020202020204" pitchFamily="34" charset="0"/>
             </a:endParaRPr>
           </a:p>
-          <a:p>
-            <a:pPr>
-              <a:lnSpc>
-                <a:spcPct val="115000"/>
-              </a:lnSpc>
-              <a:spcAft>
-                <a:spcPts val="800"/>
-              </a:spcAft>
-            </a:pPr>
-            <a:r>
-              <a:rPr lang="en-US" sz="2800" dirty="0" err="1">
-                <a:effectLst/>
-                <a:latin typeface="Arial" panose="020B0604020202020204" pitchFamily="34" charset="0"/>
-                <a:ea typeface="Arial" panose="020B0604020202020204" pitchFamily="34" charset="0"/>
-              </a:rPr>
-              <a:t>Obec</a:t>
-            </a:r>
-            <a:r>
-              <a:rPr lang="en-US" sz="2800" dirty="0">
-                <a:effectLst/>
-                <a:latin typeface="Arial" panose="020B0604020202020204" pitchFamily="34" charset="0"/>
-                <a:ea typeface="Arial" panose="020B0604020202020204" pitchFamily="34" charset="0"/>
-              </a:rPr>
-              <a:t> a </a:t>
-            </a:r>
-            <a:r>
-              <a:rPr lang="en-US" sz="2800" dirty="0" err="1">
-                <a:effectLst/>
-                <a:latin typeface="Arial" panose="020B0604020202020204" pitchFamily="34" charset="0"/>
-                <a:ea typeface="Arial" panose="020B0604020202020204" pitchFamily="34" charset="0"/>
-              </a:rPr>
-              <a:t>vojenský</a:t>
-            </a:r>
-            <a:r>
-              <a:rPr lang="en-US" sz="2800" dirty="0">
-                <a:effectLst/>
-                <a:latin typeface="Arial" panose="020B0604020202020204" pitchFamily="34" charset="0"/>
-                <a:ea typeface="Arial" panose="020B0604020202020204" pitchFamily="34" charset="0"/>
-              </a:rPr>
-              <a:t> </a:t>
-            </a:r>
-            <a:r>
-              <a:rPr lang="en-US" sz="2800" dirty="0" err="1">
-                <a:effectLst/>
-                <a:latin typeface="Arial" panose="020B0604020202020204" pitchFamily="34" charset="0"/>
-                <a:ea typeface="Arial" panose="020B0604020202020204" pitchFamily="34" charset="0"/>
-              </a:rPr>
-              <a:t>újezd</a:t>
-            </a:r>
-            <a:r>
-              <a:rPr lang="en-US" sz="2800" dirty="0">
-                <a:effectLst/>
-                <a:latin typeface="Arial" panose="020B0604020202020204" pitchFamily="34" charset="0"/>
-                <a:ea typeface="Arial" panose="020B0604020202020204" pitchFamily="34" charset="0"/>
-              </a:rPr>
-              <a:t>.</a:t>
-            </a:r>
-            <a:r>
-              <a:rPr lang="en-US" sz="2800" i="1" dirty="0">
-                <a:effectLst/>
-                <a:latin typeface="Arial" panose="020B0604020202020204" pitchFamily="34" charset="0"/>
-                <a:ea typeface="Arial" panose="020B0604020202020204" pitchFamily="34" charset="0"/>
-              </a:rPr>
-              <a:t> </a:t>
-            </a:r>
-            <a:r>
-              <a:rPr lang="en-US" sz="2800" i="1" dirty="0" err="1">
-                <a:effectLst/>
-                <a:latin typeface="Arial" panose="020B0604020202020204" pitchFamily="34" charset="0"/>
-                <a:ea typeface="Arial" panose="020B0604020202020204" pitchFamily="34" charset="0"/>
-              </a:rPr>
-              <a:t>Statistický</a:t>
-            </a:r>
-            <a:r>
-              <a:rPr lang="en-US" sz="2800" i="1" dirty="0">
-                <a:effectLst/>
-                <a:latin typeface="Arial" panose="020B0604020202020204" pitchFamily="34" charset="0"/>
-                <a:ea typeface="Arial" panose="020B0604020202020204" pitchFamily="34" charset="0"/>
-              </a:rPr>
-              <a:t> </a:t>
-            </a:r>
-            <a:r>
-              <a:rPr lang="en-US" sz="2800" i="1" dirty="0" err="1">
-                <a:effectLst/>
-                <a:latin typeface="Arial" panose="020B0604020202020204" pitchFamily="34" charset="0"/>
-                <a:ea typeface="Arial" panose="020B0604020202020204" pitchFamily="34" charset="0"/>
-              </a:rPr>
-              <a:t>metainformační</a:t>
-            </a:r>
-            <a:r>
-              <a:rPr lang="en-US" sz="2800" i="1" dirty="0">
-                <a:effectLst/>
-                <a:latin typeface="Arial" panose="020B0604020202020204" pitchFamily="34" charset="0"/>
-                <a:ea typeface="Arial" panose="020B0604020202020204" pitchFamily="34" charset="0"/>
-              </a:rPr>
-              <a:t> </a:t>
-            </a:r>
-            <a:r>
-              <a:rPr lang="en-US" sz="2800" i="1" dirty="0" err="1">
-                <a:effectLst/>
-                <a:latin typeface="Arial" panose="020B0604020202020204" pitchFamily="34" charset="0"/>
-                <a:ea typeface="Arial" panose="020B0604020202020204" pitchFamily="34" charset="0"/>
-              </a:rPr>
-              <a:t>systém</a:t>
-            </a:r>
-            <a:r>
-              <a:rPr lang="en-US" sz="2800" dirty="0">
-                <a:effectLst/>
-                <a:latin typeface="Arial" panose="020B0604020202020204" pitchFamily="34" charset="0"/>
-                <a:ea typeface="Arial" panose="020B0604020202020204" pitchFamily="34" charset="0"/>
-              </a:rPr>
-              <a:t> [online]. 2024 [cit. 2024-05-01]. </a:t>
-            </a:r>
-            <a:r>
-              <a:rPr lang="en-US" sz="2800" dirty="0" err="1">
-                <a:effectLst/>
-                <a:latin typeface="Arial" panose="020B0604020202020204" pitchFamily="34" charset="0"/>
-                <a:ea typeface="Arial" panose="020B0604020202020204" pitchFamily="34" charset="0"/>
-              </a:rPr>
-              <a:t>Dostupné</a:t>
-            </a:r>
-            <a:r>
-              <a:rPr lang="en-US" sz="2800" dirty="0">
-                <a:effectLst/>
-                <a:latin typeface="Arial" panose="020B0604020202020204" pitchFamily="34" charset="0"/>
-                <a:ea typeface="Arial" panose="020B0604020202020204" pitchFamily="34" charset="0"/>
-              </a:rPr>
-              <a:t> z: https://apl2.czso.cz/iSMS/cisdata.jsp?kodcis=43</a:t>
-            </a:r>
-            <a:endParaRPr lang="cs-CZ" sz="2800" dirty="0">
-              <a:effectLst/>
-              <a:latin typeface="Arial" panose="020B0604020202020204" pitchFamily="34" charset="0"/>
-              <a:ea typeface="Arial" panose="020B0604020202020204" pitchFamily="34" charset="0"/>
-            </a:endParaRPr>
-          </a:p>
         </p:txBody>
       </p:sp>
     </p:spTree>
     <p:extLst>
       <p:ext uri="{BB962C8B-B14F-4D97-AF65-F5344CB8AC3E}">
-        <p14:creationId xmlns:p14="http://schemas.microsoft.com/office/powerpoint/2010/main" val="2125351514"/>
+        <p14:creationId xmlns:p14="http://schemas.microsoft.com/office/powerpoint/2010/main" val="3328541739"/>
       </p:ext>
     </p:extLst>
   </p:cSld>
@@ -6193,7 +6575,7 @@
           <p:cNvPr id="2" name="Nadpis 1">
             <a:extLst>
               <a:ext uri="{FF2B5EF4-FFF2-40B4-BE49-F238E27FC236}">
-                <a16:creationId xmlns:a16="http://schemas.microsoft.com/office/drawing/2014/main" id="{F62CE87B-090C-3C03-31DE-DDC0BB6123DB}"/>
+                <a16:creationId xmlns:a16="http://schemas.microsoft.com/office/drawing/2014/main" id="{2B459DEA-3A4B-60A0-C286-026DF3B8D2E2}"/>
               </a:ext>
             </a:extLst>
           </p:cNvPr>
@@ -6222,7 +6604,7 @@
           <p:cNvPr id="3" name="Zástupný obsah 2">
             <a:extLst>
               <a:ext uri="{FF2B5EF4-FFF2-40B4-BE49-F238E27FC236}">
-                <a16:creationId xmlns:a16="http://schemas.microsoft.com/office/drawing/2014/main" id="{A604BCD9-22BE-C5DA-AD80-2C5D2A7E2BF6}"/>
+                <a16:creationId xmlns:a16="http://schemas.microsoft.com/office/drawing/2014/main" id="{7E0747CA-E2E1-0DCC-421B-D1E65C5F3C48}"/>
               </a:ext>
             </a:extLst>
           </p:cNvPr>
@@ -6236,7 +6618,7 @@
         <p:spPr/>
         <p:txBody>
           <a:bodyPr>
-            <a:normAutofit fontScale="55000" lnSpcReduction="20000"/>
+            <a:normAutofit fontScale="77500" lnSpcReduction="20000"/>
           </a:bodyPr>
           <a:lstStyle/>
           <a:p>
@@ -6249,12 +6631,20 @@
               </a:spcAft>
             </a:pPr>
             <a:r>
+              <a:rPr lang="en-US" sz="2800" dirty="0">
+                <a:effectLst/>
+                <a:latin typeface="Arial" panose="020B0604020202020204" pitchFamily="34" charset="0"/>
+                <a:ea typeface="Arial" panose="020B0604020202020204" pitchFamily="34" charset="0"/>
+              </a:rPr>
+              <a:t>Radon </a:t>
+            </a:r>
+            <a:r>
               <a:rPr lang="en-US" sz="2800" dirty="0" err="1">
                 <a:effectLst/>
                 <a:latin typeface="Arial" panose="020B0604020202020204" pitchFamily="34" charset="0"/>
                 <a:ea typeface="Arial" panose="020B0604020202020204" pitchFamily="34" charset="0"/>
               </a:rPr>
-              <a:t>Sčítání</a:t>
+              <a:t>Programme</a:t>
             </a:r>
             <a:r>
               <a:rPr lang="en-US" sz="2800" dirty="0">
@@ -6262,7 +6652,23 @@
                 <a:latin typeface="Arial" panose="020B0604020202020204" pitchFamily="34" charset="0"/>
                 <a:ea typeface="Arial" panose="020B0604020202020204" pitchFamily="34" charset="0"/>
               </a:rPr>
-              <a:t> 2021 - </a:t>
+              <a:t>.</a:t>
+            </a:r>
+            <a:r>
+              <a:rPr lang="en-US" sz="2800" i="1" dirty="0">
+                <a:effectLst/>
+                <a:latin typeface="Arial" panose="020B0604020202020204" pitchFamily="34" charset="0"/>
+                <a:ea typeface="Arial" panose="020B0604020202020204" pitchFamily="34" charset="0"/>
+              </a:rPr>
+              <a:t> National Radiation Protection Institute</a:t>
+            </a:r>
+            <a:r>
+              <a:rPr lang="en-US" sz="2800" dirty="0">
+                <a:effectLst/>
+                <a:latin typeface="Arial" panose="020B0604020202020204" pitchFamily="34" charset="0"/>
+                <a:ea typeface="Arial" panose="020B0604020202020204" pitchFamily="34" charset="0"/>
+              </a:rPr>
+              <a:t> [online]. [cit. 2024-05-01]. </a:t>
             </a:r>
             <a:r>
               <a:rPr lang="en-US" sz="2800" dirty="0" err="1">
@@ -6270,7 +6676,7 @@
                 <a:latin typeface="Arial" panose="020B0604020202020204" pitchFamily="34" charset="0"/>
                 <a:ea typeface="Arial" panose="020B0604020202020204" pitchFamily="34" charset="0"/>
               </a:rPr>
-              <a:t>Počet</a:t>
+              <a:t>Dostupné</a:t>
             </a:r>
             <a:r>
               <a:rPr lang="en-US" sz="2800" dirty="0">
@@ -6278,391 +6684,7 @@
                 <a:latin typeface="Arial" panose="020B0604020202020204" pitchFamily="34" charset="0"/>
                 <a:ea typeface="Arial" panose="020B0604020202020204" pitchFamily="34" charset="0"/>
               </a:rPr>
-              <a:t> </a:t>
-            </a:r>
-            <a:r>
-              <a:rPr lang="en-US" sz="2800" dirty="0" err="1">
-                <a:effectLst/>
-                <a:latin typeface="Arial" panose="020B0604020202020204" pitchFamily="34" charset="0"/>
-                <a:ea typeface="Arial" panose="020B0604020202020204" pitchFamily="34" charset="0"/>
-              </a:rPr>
-              <a:t>obyvatel</a:t>
-            </a:r>
-            <a:r>
-              <a:rPr lang="en-US" sz="2800" dirty="0">
-                <a:effectLst/>
-                <a:latin typeface="Arial" panose="020B0604020202020204" pitchFamily="34" charset="0"/>
-                <a:ea typeface="Arial" panose="020B0604020202020204" pitchFamily="34" charset="0"/>
-              </a:rPr>
-              <a:t> a </a:t>
-            </a:r>
-            <a:r>
-              <a:rPr lang="en-US" sz="2800" dirty="0" err="1">
-                <a:effectLst/>
-                <a:latin typeface="Arial" panose="020B0604020202020204" pitchFamily="34" charset="0"/>
-                <a:ea typeface="Arial" panose="020B0604020202020204" pitchFamily="34" charset="0"/>
-              </a:rPr>
-              <a:t>počet</a:t>
-            </a:r>
-            <a:r>
-              <a:rPr lang="en-US" sz="2800" dirty="0">
-                <a:effectLst/>
-                <a:latin typeface="Arial" panose="020B0604020202020204" pitchFamily="34" charset="0"/>
-                <a:ea typeface="Arial" panose="020B0604020202020204" pitchFamily="34" charset="0"/>
-              </a:rPr>
-              <a:t> </a:t>
-            </a:r>
-            <a:r>
-              <a:rPr lang="en-US" sz="2800" dirty="0" err="1">
-                <a:effectLst/>
-                <a:latin typeface="Arial" panose="020B0604020202020204" pitchFamily="34" charset="0"/>
-                <a:ea typeface="Arial" panose="020B0604020202020204" pitchFamily="34" charset="0"/>
-              </a:rPr>
-              <a:t>obydlených</a:t>
-            </a:r>
-            <a:r>
-              <a:rPr lang="en-US" sz="2800" dirty="0">
-                <a:effectLst/>
-                <a:latin typeface="Arial" panose="020B0604020202020204" pitchFamily="34" charset="0"/>
-                <a:ea typeface="Arial" panose="020B0604020202020204" pitchFamily="34" charset="0"/>
-              </a:rPr>
-              <a:t> </a:t>
-            </a:r>
-            <a:r>
-              <a:rPr lang="en-US" sz="2800" dirty="0" err="1">
-                <a:effectLst/>
-                <a:latin typeface="Arial" panose="020B0604020202020204" pitchFamily="34" charset="0"/>
-                <a:ea typeface="Arial" panose="020B0604020202020204" pitchFamily="34" charset="0"/>
-              </a:rPr>
-              <a:t>bytů</a:t>
-            </a:r>
-            <a:r>
-              <a:rPr lang="en-US" sz="2800" dirty="0">
-                <a:effectLst/>
-                <a:latin typeface="Arial" panose="020B0604020202020204" pitchFamily="34" charset="0"/>
-                <a:ea typeface="Arial" panose="020B0604020202020204" pitchFamily="34" charset="0"/>
-              </a:rPr>
-              <a:t> za </a:t>
-            </a:r>
-            <a:r>
-              <a:rPr lang="en-US" sz="2800" dirty="0" err="1">
-                <a:effectLst/>
-                <a:latin typeface="Arial" panose="020B0604020202020204" pitchFamily="34" charset="0"/>
-                <a:ea typeface="Arial" panose="020B0604020202020204" pitchFamily="34" charset="0"/>
-              </a:rPr>
-              <a:t>části</a:t>
-            </a:r>
-            <a:r>
-              <a:rPr lang="en-US" sz="2800" dirty="0">
-                <a:effectLst/>
-                <a:latin typeface="Arial" panose="020B0604020202020204" pitchFamily="34" charset="0"/>
-                <a:ea typeface="Arial" panose="020B0604020202020204" pitchFamily="34" charset="0"/>
-              </a:rPr>
-              <a:t> </a:t>
-            </a:r>
-            <a:r>
-              <a:rPr lang="en-US" sz="2800" dirty="0" err="1">
-                <a:effectLst/>
-                <a:latin typeface="Arial" panose="020B0604020202020204" pitchFamily="34" charset="0"/>
-                <a:ea typeface="Arial" panose="020B0604020202020204" pitchFamily="34" charset="0"/>
-              </a:rPr>
-              <a:t>obce</a:t>
-            </a:r>
-            <a:r>
-              <a:rPr lang="en-US" sz="2800" dirty="0">
-                <a:effectLst/>
-                <a:latin typeface="Arial" panose="020B0604020202020204" pitchFamily="34" charset="0"/>
-                <a:ea typeface="Arial" panose="020B0604020202020204" pitchFamily="34" charset="0"/>
-              </a:rPr>
-              <a:t>, </a:t>
-            </a:r>
-            <a:r>
-              <a:rPr lang="en-US" sz="2800" dirty="0" err="1">
-                <a:effectLst/>
-                <a:latin typeface="Arial" panose="020B0604020202020204" pitchFamily="34" charset="0"/>
-                <a:ea typeface="Arial" panose="020B0604020202020204" pitchFamily="34" charset="0"/>
-              </a:rPr>
-              <a:t>části</a:t>
-            </a:r>
-            <a:r>
-              <a:rPr lang="en-US" sz="2800" dirty="0">
-                <a:effectLst/>
-                <a:latin typeface="Arial" panose="020B0604020202020204" pitchFamily="34" charset="0"/>
-                <a:ea typeface="Arial" panose="020B0604020202020204" pitchFamily="34" charset="0"/>
-              </a:rPr>
-              <a:t> </a:t>
-            </a:r>
-            <a:r>
-              <a:rPr lang="en-US" sz="2800" dirty="0" err="1">
-                <a:effectLst/>
-                <a:latin typeface="Arial" panose="020B0604020202020204" pitchFamily="34" charset="0"/>
-                <a:ea typeface="Arial" panose="020B0604020202020204" pitchFamily="34" charset="0"/>
-              </a:rPr>
-              <a:t>obce</a:t>
-            </a:r>
-            <a:r>
-              <a:rPr lang="en-US" sz="2800" dirty="0">
-                <a:effectLst/>
-                <a:latin typeface="Arial" panose="020B0604020202020204" pitchFamily="34" charset="0"/>
-                <a:ea typeface="Arial" panose="020B0604020202020204" pitchFamily="34" charset="0"/>
-              </a:rPr>
-              <a:t> - </a:t>
-            </a:r>
-            <a:r>
-              <a:rPr lang="en-US" sz="2800" dirty="0" err="1">
-                <a:effectLst/>
-                <a:latin typeface="Arial" panose="020B0604020202020204" pitchFamily="34" charset="0"/>
-                <a:ea typeface="Arial" panose="020B0604020202020204" pitchFamily="34" charset="0"/>
-              </a:rPr>
-              <a:t>díl</a:t>
-            </a:r>
-            <a:r>
-              <a:rPr lang="en-US" sz="2800" dirty="0">
-                <a:effectLst/>
-                <a:latin typeface="Arial" panose="020B0604020202020204" pitchFamily="34" charset="0"/>
-                <a:ea typeface="Arial" panose="020B0604020202020204" pitchFamily="34" charset="0"/>
-              </a:rPr>
-              <a:t>, ZSJ, ZDJ - </a:t>
-            </a:r>
-            <a:r>
-              <a:rPr lang="en-US" sz="2800" dirty="0" err="1">
-                <a:effectLst/>
-                <a:latin typeface="Arial" panose="020B0604020202020204" pitchFamily="34" charset="0"/>
-                <a:ea typeface="Arial" panose="020B0604020202020204" pitchFamily="34" charset="0"/>
-              </a:rPr>
-              <a:t>díl</a:t>
-            </a:r>
-            <a:r>
-              <a:rPr lang="en-US" sz="2800" dirty="0">
-                <a:effectLst/>
-                <a:latin typeface="Arial" panose="020B0604020202020204" pitchFamily="34" charset="0"/>
-                <a:ea typeface="Arial" panose="020B0604020202020204" pitchFamily="34" charset="0"/>
-              </a:rPr>
-              <a:t>.</a:t>
-            </a:r>
-            <a:r>
-              <a:rPr lang="en-US" sz="2800" i="1" dirty="0">
-                <a:effectLst/>
-                <a:latin typeface="Arial" panose="020B0604020202020204" pitchFamily="34" charset="0"/>
-                <a:ea typeface="Arial" panose="020B0604020202020204" pitchFamily="34" charset="0"/>
-              </a:rPr>
-              <a:t> </a:t>
-            </a:r>
-            <a:r>
-              <a:rPr lang="en-US" sz="2800" i="1" dirty="0" err="1">
-                <a:effectLst/>
-                <a:latin typeface="Arial" panose="020B0604020202020204" pitchFamily="34" charset="0"/>
-                <a:ea typeface="Arial" panose="020B0604020202020204" pitchFamily="34" charset="0"/>
-              </a:rPr>
-              <a:t>Sčítání</a:t>
-            </a:r>
-            <a:r>
-              <a:rPr lang="en-US" sz="2800" i="1" dirty="0">
-                <a:effectLst/>
-                <a:latin typeface="Arial" panose="020B0604020202020204" pitchFamily="34" charset="0"/>
-                <a:ea typeface="Arial" panose="020B0604020202020204" pitchFamily="34" charset="0"/>
-              </a:rPr>
-              <a:t> 2021 - </a:t>
-            </a:r>
-            <a:r>
-              <a:rPr lang="en-US" sz="2800" i="1" dirty="0" err="1">
-                <a:effectLst/>
-                <a:latin typeface="Arial" panose="020B0604020202020204" pitchFamily="34" charset="0"/>
-                <a:ea typeface="Arial" panose="020B0604020202020204" pitchFamily="34" charset="0"/>
-              </a:rPr>
-              <a:t>Počet</a:t>
-            </a:r>
-            <a:r>
-              <a:rPr lang="en-US" sz="2800" i="1" dirty="0">
-                <a:effectLst/>
-                <a:latin typeface="Arial" panose="020B0604020202020204" pitchFamily="34" charset="0"/>
-                <a:ea typeface="Arial" panose="020B0604020202020204" pitchFamily="34" charset="0"/>
-              </a:rPr>
-              <a:t> </a:t>
-            </a:r>
-            <a:r>
-              <a:rPr lang="en-US" sz="2800" i="1" dirty="0" err="1">
-                <a:effectLst/>
-                <a:latin typeface="Arial" panose="020B0604020202020204" pitchFamily="34" charset="0"/>
-                <a:ea typeface="Arial" panose="020B0604020202020204" pitchFamily="34" charset="0"/>
-              </a:rPr>
-              <a:t>obyvatel</a:t>
-            </a:r>
-            <a:r>
-              <a:rPr lang="en-US" sz="2800" i="1" dirty="0">
-                <a:effectLst/>
-                <a:latin typeface="Arial" panose="020B0604020202020204" pitchFamily="34" charset="0"/>
-                <a:ea typeface="Arial" panose="020B0604020202020204" pitchFamily="34" charset="0"/>
-              </a:rPr>
-              <a:t> a </a:t>
-            </a:r>
-            <a:r>
-              <a:rPr lang="en-US" sz="2800" i="1" dirty="0" err="1">
-                <a:effectLst/>
-                <a:latin typeface="Arial" panose="020B0604020202020204" pitchFamily="34" charset="0"/>
-                <a:ea typeface="Arial" panose="020B0604020202020204" pitchFamily="34" charset="0"/>
-              </a:rPr>
-              <a:t>počet</a:t>
-            </a:r>
-            <a:r>
-              <a:rPr lang="en-US" sz="2800" i="1" dirty="0">
-                <a:effectLst/>
-                <a:latin typeface="Arial" panose="020B0604020202020204" pitchFamily="34" charset="0"/>
-                <a:ea typeface="Arial" panose="020B0604020202020204" pitchFamily="34" charset="0"/>
-              </a:rPr>
-              <a:t> </a:t>
-            </a:r>
-            <a:r>
-              <a:rPr lang="en-US" sz="2800" i="1" dirty="0" err="1">
-                <a:effectLst/>
-                <a:latin typeface="Arial" panose="020B0604020202020204" pitchFamily="34" charset="0"/>
-                <a:ea typeface="Arial" panose="020B0604020202020204" pitchFamily="34" charset="0"/>
-              </a:rPr>
-              <a:t>obydlených</a:t>
-            </a:r>
-            <a:r>
-              <a:rPr lang="en-US" sz="2800" i="1" dirty="0">
-                <a:effectLst/>
-                <a:latin typeface="Arial" panose="020B0604020202020204" pitchFamily="34" charset="0"/>
-                <a:ea typeface="Arial" panose="020B0604020202020204" pitchFamily="34" charset="0"/>
-              </a:rPr>
-              <a:t> </a:t>
-            </a:r>
-            <a:r>
-              <a:rPr lang="en-US" sz="2800" i="1" dirty="0" err="1">
-                <a:effectLst/>
-                <a:latin typeface="Arial" panose="020B0604020202020204" pitchFamily="34" charset="0"/>
-                <a:ea typeface="Arial" panose="020B0604020202020204" pitchFamily="34" charset="0"/>
-              </a:rPr>
-              <a:t>bytů</a:t>
-            </a:r>
-            <a:r>
-              <a:rPr lang="en-US" sz="2800" i="1" dirty="0">
-                <a:effectLst/>
-                <a:latin typeface="Arial" panose="020B0604020202020204" pitchFamily="34" charset="0"/>
-                <a:ea typeface="Arial" panose="020B0604020202020204" pitchFamily="34" charset="0"/>
-              </a:rPr>
-              <a:t> za </a:t>
-            </a:r>
-            <a:r>
-              <a:rPr lang="en-US" sz="2800" i="1" dirty="0" err="1">
-                <a:effectLst/>
-                <a:latin typeface="Arial" panose="020B0604020202020204" pitchFamily="34" charset="0"/>
-                <a:ea typeface="Arial" panose="020B0604020202020204" pitchFamily="34" charset="0"/>
-              </a:rPr>
-              <a:t>části</a:t>
-            </a:r>
-            <a:r>
-              <a:rPr lang="en-US" sz="2800" i="1" dirty="0">
-                <a:effectLst/>
-                <a:latin typeface="Arial" panose="020B0604020202020204" pitchFamily="34" charset="0"/>
-                <a:ea typeface="Arial" panose="020B0604020202020204" pitchFamily="34" charset="0"/>
-              </a:rPr>
-              <a:t> </a:t>
-            </a:r>
-            <a:r>
-              <a:rPr lang="en-US" sz="2800" i="1" dirty="0" err="1">
-                <a:effectLst/>
-                <a:latin typeface="Arial" panose="020B0604020202020204" pitchFamily="34" charset="0"/>
-                <a:ea typeface="Arial" panose="020B0604020202020204" pitchFamily="34" charset="0"/>
-              </a:rPr>
-              <a:t>obce</a:t>
-            </a:r>
-            <a:r>
-              <a:rPr lang="en-US" sz="2800" i="1" dirty="0">
-                <a:effectLst/>
-                <a:latin typeface="Arial" panose="020B0604020202020204" pitchFamily="34" charset="0"/>
-                <a:ea typeface="Arial" panose="020B0604020202020204" pitchFamily="34" charset="0"/>
-              </a:rPr>
-              <a:t>, </a:t>
-            </a:r>
-            <a:r>
-              <a:rPr lang="en-US" sz="2800" i="1" dirty="0" err="1">
-                <a:effectLst/>
-                <a:latin typeface="Arial" panose="020B0604020202020204" pitchFamily="34" charset="0"/>
-                <a:ea typeface="Arial" panose="020B0604020202020204" pitchFamily="34" charset="0"/>
-              </a:rPr>
-              <a:t>části</a:t>
-            </a:r>
-            <a:r>
-              <a:rPr lang="en-US" sz="2800" i="1" dirty="0">
-                <a:effectLst/>
-                <a:latin typeface="Arial" panose="020B0604020202020204" pitchFamily="34" charset="0"/>
-                <a:ea typeface="Arial" panose="020B0604020202020204" pitchFamily="34" charset="0"/>
-              </a:rPr>
-              <a:t> </a:t>
-            </a:r>
-            <a:r>
-              <a:rPr lang="en-US" sz="2800" i="1" dirty="0" err="1">
-                <a:effectLst/>
-                <a:latin typeface="Arial" panose="020B0604020202020204" pitchFamily="34" charset="0"/>
-                <a:ea typeface="Arial" panose="020B0604020202020204" pitchFamily="34" charset="0"/>
-              </a:rPr>
-              <a:t>obce</a:t>
-            </a:r>
-            <a:r>
-              <a:rPr lang="en-US" sz="2800" i="1" dirty="0">
-                <a:effectLst/>
-                <a:latin typeface="Arial" panose="020B0604020202020204" pitchFamily="34" charset="0"/>
-                <a:ea typeface="Arial" panose="020B0604020202020204" pitchFamily="34" charset="0"/>
-              </a:rPr>
-              <a:t> - </a:t>
-            </a:r>
-            <a:r>
-              <a:rPr lang="en-US" sz="2800" i="1" dirty="0" err="1">
-                <a:effectLst/>
-                <a:latin typeface="Arial" panose="020B0604020202020204" pitchFamily="34" charset="0"/>
-                <a:ea typeface="Arial" panose="020B0604020202020204" pitchFamily="34" charset="0"/>
-              </a:rPr>
-              <a:t>díl</a:t>
-            </a:r>
-            <a:r>
-              <a:rPr lang="en-US" sz="2800" i="1" dirty="0">
-                <a:effectLst/>
-                <a:latin typeface="Arial" panose="020B0604020202020204" pitchFamily="34" charset="0"/>
-                <a:ea typeface="Arial" panose="020B0604020202020204" pitchFamily="34" charset="0"/>
-              </a:rPr>
-              <a:t>, ZSJ, ZDJ - </a:t>
-            </a:r>
-            <a:r>
-              <a:rPr lang="en-US" sz="2800" i="1" dirty="0" err="1">
-                <a:effectLst/>
-                <a:latin typeface="Arial" panose="020B0604020202020204" pitchFamily="34" charset="0"/>
-                <a:ea typeface="Arial" panose="020B0604020202020204" pitchFamily="34" charset="0"/>
-              </a:rPr>
-              <a:t>díl</a:t>
-            </a:r>
-            <a:r>
-              <a:rPr lang="en-US" sz="2800" i="1" dirty="0">
-                <a:effectLst/>
-                <a:latin typeface="Arial" panose="020B0604020202020204" pitchFamily="34" charset="0"/>
-                <a:ea typeface="Arial" panose="020B0604020202020204" pitchFamily="34" charset="0"/>
-              </a:rPr>
-              <a:t>,</a:t>
-            </a:r>
-            <a:r>
-              <a:rPr lang="en-US" sz="2800" dirty="0">
-                <a:effectLst/>
-                <a:latin typeface="Arial" panose="020B0604020202020204" pitchFamily="34" charset="0"/>
-                <a:ea typeface="Arial" panose="020B0604020202020204" pitchFamily="34" charset="0"/>
-              </a:rPr>
-              <a:t> [online]. 2021 [cit. 2024-05-01]. </a:t>
-            </a:r>
-            <a:r>
-              <a:rPr lang="en-US" sz="2800" dirty="0" err="1">
-                <a:effectLst/>
-                <a:latin typeface="Arial" panose="020B0604020202020204" pitchFamily="34" charset="0"/>
-                <a:ea typeface="Arial" panose="020B0604020202020204" pitchFamily="34" charset="0"/>
-              </a:rPr>
-              <a:t>Dostupné</a:t>
-            </a:r>
-            <a:r>
-              <a:rPr lang="en-US" sz="2800" dirty="0">
-                <a:effectLst/>
-                <a:latin typeface="Arial" panose="020B0604020202020204" pitchFamily="34" charset="0"/>
-                <a:ea typeface="Arial" panose="020B0604020202020204" pitchFamily="34" charset="0"/>
-              </a:rPr>
-              <a:t> z: https://data.gov.cz/datov%C3%A1-sada?iri=https%3A%2F%2Fdata.gov.cz%2Fzdroj%2Fdatov%C3%A9-sady%2F00025593%2F64124fc8f6b49a7e687e0f03e935b687</a:t>
+              <a:t> z: https://www.suro.cz/en/prirodnioz/rnprogram</a:t>
             </a:r>
             <a:endParaRPr lang="cs-CZ" sz="2800" dirty="0">
               <a:effectLst/>
@@ -6680,12 +6702,20 @@
               </a:spcAft>
             </a:pPr>
             <a:r>
+              <a:rPr lang="en-US" sz="2800" dirty="0" err="1">
+                <a:effectLst/>
+                <a:latin typeface="Arial" panose="020B0604020202020204" pitchFamily="34" charset="0"/>
+                <a:ea typeface="Arial" panose="020B0604020202020204" pitchFamily="34" charset="0"/>
+              </a:rPr>
+              <a:t>Měrné</a:t>
+            </a:r>
+            <a:r>
               <a:rPr lang="en-US" sz="2800" dirty="0">
                 <a:effectLst/>
                 <a:latin typeface="Arial" panose="020B0604020202020204" pitchFamily="34" charset="0"/>
                 <a:ea typeface="Arial" panose="020B0604020202020204" pitchFamily="34" charset="0"/>
               </a:rPr>
-              <a:t>Layer: </a:t>
+              <a:t> </a:t>
             </a:r>
             <a:r>
               <a:rPr lang="en-US" sz="2800" dirty="0" err="1">
@@ -6693,7 +6723,7 @@
                 <a:latin typeface="Arial" panose="020B0604020202020204" pitchFamily="34" charset="0"/>
                 <a:ea typeface="Arial" panose="020B0604020202020204" pitchFamily="34" charset="0"/>
               </a:rPr>
-              <a:t>komplexní</a:t>
+              <a:t>emise</a:t>
             </a:r>
             <a:r>
               <a:rPr lang="en-US" sz="2800" dirty="0">
@@ -6701,7 +6731,87 @@
                 <a:latin typeface="Arial" panose="020B0604020202020204" pitchFamily="34" charset="0"/>
                 <a:ea typeface="Arial" panose="020B0604020202020204" pitchFamily="34" charset="0"/>
               </a:rPr>
-              <a:t> Rn info (ID: 0).</a:t>
+              <a:t> </a:t>
+            </a:r>
+            <a:r>
+              <a:rPr lang="en-US" sz="2800" dirty="0" err="1">
+                <a:effectLst/>
+                <a:latin typeface="Arial" panose="020B0604020202020204" pitchFamily="34" charset="0"/>
+                <a:ea typeface="Arial" panose="020B0604020202020204" pitchFamily="34" charset="0"/>
+              </a:rPr>
+              <a:t>hlavních</a:t>
+            </a:r>
+            <a:r>
+              <a:rPr lang="en-US" sz="2800" dirty="0">
+                <a:effectLst/>
+                <a:latin typeface="Arial" panose="020B0604020202020204" pitchFamily="34" charset="0"/>
+                <a:ea typeface="Arial" panose="020B0604020202020204" pitchFamily="34" charset="0"/>
+              </a:rPr>
+              <a:t> </a:t>
+            </a:r>
+            <a:r>
+              <a:rPr lang="en-US" sz="2800" dirty="0" err="1">
+                <a:effectLst/>
+                <a:latin typeface="Arial" panose="020B0604020202020204" pitchFamily="34" charset="0"/>
+                <a:ea typeface="Arial" panose="020B0604020202020204" pitchFamily="34" charset="0"/>
+              </a:rPr>
+              <a:t>znečišťujících</a:t>
+            </a:r>
+            <a:r>
+              <a:rPr lang="en-US" sz="2800" dirty="0">
+                <a:effectLst/>
+                <a:latin typeface="Arial" panose="020B0604020202020204" pitchFamily="34" charset="0"/>
+                <a:ea typeface="Arial" panose="020B0604020202020204" pitchFamily="34" charset="0"/>
+              </a:rPr>
+              <a:t> </a:t>
+            </a:r>
+            <a:r>
+              <a:rPr lang="en-US" sz="2800" dirty="0" err="1">
+                <a:effectLst/>
+                <a:latin typeface="Arial" panose="020B0604020202020204" pitchFamily="34" charset="0"/>
+                <a:ea typeface="Arial" panose="020B0604020202020204" pitchFamily="34" charset="0"/>
+              </a:rPr>
+              <a:t>látek</a:t>
+            </a:r>
+            <a:r>
+              <a:rPr lang="en-US" sz="2800" dirty="0">
+                <a:effectLst/>
+                <a:latin typeface="Arial" panose="020B0604020202020204" pitchFamily="34" charset="0"/>
+                <a:ea typeface="Arial" panose="020B0604020202020204" pitchFamily="34" charset="0"/>
+              </a:rPr>
+              <a:t> (REZZO 1–3) </a:t>
+            </a:r>
+            <a:r>
+              <a:rPr lang="en-US" sz="2800" dirty="0" err="1">
+                <a:effectLst/>
+                <a:latin typeface="Arial" panose="020B0604020202020204" pitchFamily="34" charset="0"/>
+                <a:ea typeface="Arial" panose="020B0604020202020204" pitchFamily="34" charset="0"/>
+              </a:rPr>
+              <a:t>podle</a:t>
+            </a:r>
+            <a:r>
+              <a:rPr lang="en-US" sz="2800" dirty="0">
+                <a:effectLst/>
+                <a:latin typeface="Arial" panose="020B0604020202020204" pitchFamily="34" charset="0"/>
+                <a:ea typeface="Arial" panose="020B0604020202020204" pitchFamily="34" charset="0"/>
+              </a:rPr>
+              <a:t> </a:t>
+            </a:r>
+            <a:r>
+              <a:rPr lang="en-US" sz="2800" dirty="0" err="1">
+                <a:effectLst/>
+                <a:latin typeface="Arial" panose="020B0604020202020204" pitchFamily="34" charset="0"/>
+                <a:ea typeface="Arial" panose="020B0604020202020204" pitchFamily="34" charset="0"/>
+              </a:rPr>
+              <a:t>krajů</a:t>
+            </a:r>
+            <a:r>
+              <a:rPr lang="en-US" sz="2800" dirty="0">
+                <a:effectLst/>
+                <a:latin typeface="Arial" panose="020B0604020202020204" pitchFamily="34" charset="0"/>
+                <a:ea typeface="Arial" panose="020B0604020202020204" pitchFamily="34" charset="0"/>
+              </a:rPr>
+              <a:t>. ČESKÝ STATISTICKÝ ÚŘAD.</a:t>
             </a:r>
             <a:r>
               <a:rPr lang="en-US" sz="2800" i="1" dirty="0">
@@ -6709,7 +6819,7 @@
                 <a:latin typeface="Arial" panose="020B0604020202020204" pitchFamily="34" charset="0"/>
                 <a:ea typeface="Arial" panose="020B0604020202020204" pitchFamily="34" charset="0"/>
               </a:rPr>
-              <a:t> Layer: </a:t>
+              <a:t> </a:t>
             </a:r>
             <a:r>
               <a:rPr lang="en-US" sz="2800" i="1" dirty="0" err="1">
@@ -6717,7 +6827,7 @@
                 <a:latin typeface="Arial" panose="020B0604020202020204" pitchFamily="34" charset="0"/>
                 <a:ea typeface="Arial" panose="020B0604020202020204" pitchFamily="34" charset="0"/>
               </a:rPr>
-              <a:t>komplexní</a:t>
+              <a:t>Statistická</a:t>
             </a:r>
             <a:r>
               <a:rPr lang="en-US" sz="2800" i="1" dirty="0">
@@ -6725,7 +6835,55 @@
                 <a:latin typeface="Arial" panose="020B0604020202020204" pitchFamily="34" charset="0"/>
                 <a:ea typeface="Arial" panose="020B0604020202020204" pitchFamily="34" charset="0"/>
               </a:rPr>
-              <a:t> Rn info (ID: 0)</a:t>
+              <a:t> </a:t>
+            </a:r>
+            <a:r>
+              <a:rPr lang="en-US" sz="2800" i="1" dirty="0" err="1">
+                <a:effectLst/>
+                <a:latin typeface="Arial" panose="020B0604020202020204" pitchFamily="34" charset="0"/>
+                <a:ea typeface="Arial" panose="020B0604020202020204" pitchFamily="34" charset="0"/>
+              </a:rPr>
+              <a:t>ročenka</a:t>
+            </a:r>
+            <a:r>
+              <a:rPr lang="en-US" sz="2800" i="1" dirty="0">
+                <a:effectLst/>
+                <a:latin typeface="Arial" panose="020B0604020202020204" pitchFamily="34" charset="0"/>
+                <a:ea typeface="Arial" panose="020B0604020202020204" pitchFamily="34" charset="0"/>
+              </a:rPr>
+              <a:t> </a:t>
+            </a:r>
+            <a:r>
+              <a:rPr lang="en-US" sz="2800" i="1" dirty="0" err="1">
+                <a:effectLst/>
+                <a:latin typeface="Arial" panose="020B0604020202020204" pitchFamily="34" charset="0"/>
+                <a:ea typeface="Arial" panose="020B0604020202020204" pitchFamily="34" charset="0"/>
+              </a:rPr>
+              <a:t>České</a:t>
+            </a:r>
+            <a:r>
+              <a:rPr lang="en-US" sz="2800" i="1" dirty="0">
+                <a:effectLst/>
+                <a:latin typeface="Arial" panose="020B0604020202020204" pitchFamily="34" charset="0"/>
+                <a:ea typeface="Arial" panose="020B0604020202020204" pitchFamily="34" charset="0"/>
+              </a:rPr>
+              <a:t> </a:t>
+            </a:r>
+            <a:r>
+              <a:rPr lang="en-US" sz="2800" i="1" dirty="0" err="1">
+                <a:effectLst/>
+                <a:latin typeface="Arial" panose="020B0604020202020204" pitchFamily="34" charset="0"/>
+                <a:ea typeface="Arial" panose="020B0604020202020204" pitchFamily="34" charset="0"/>
+              </a:rPr>
+              <a:t>republiky</a:t>
+            </a:r>
+            <a:r>
+              <a:rPr lang="en-US" sz="2800" i="1" dirty="0">
+                <a:effectLst/>
+                <a:latin typeface="Arial" panose="020B0604020202020204" pitchFamily="34" charset="0"/>
+                <a:ea typeface="Arial" panose="020B0604020202020204" pitchFamily="34" charset="0"/>
+              </a:rPr>
+              <a:t> - 2021</a:t>
             </a:r>
             <a:r>
               <a:rPr lang="en-US" sz="2800" dirty="0">
@@ -6733,7 +6891,7 @@
                 <a:latin typeface="Arial" panose="020B0604020202020204" pitchFamily="34" charset="0"/>
                 <a:ea typeface="Arial" panose="020B0604020202020204" pitchFamily="34" charset="0"/>
               </a:rPr>
-              <a:t> [online]. [cit. 2024-05-01]. </a:t>
+              <a:t> [online]. 2021 [cit. 2024-05-01]. </a:t>
             </a:r>
             <a:r>
               <a:rPr lang="en-US" sz="2800" dirty="0" err="1">
@@ -6749,7 +6907,7 @@
                 <a:latin typeface="Arial" panose="020B0604020202020204" pitchFamily="34" charset="0"/>
                 <a:ea typeface="Arial" panose="020B0604020202020204" pitchFamily="34" charset="0"/>
               </a:rPr>
-              <a:t> z: https://mapy.geology.cz/arcgis/rest/services/Geohazardy/radon_komplexni_informace/MapServer/0</a:t>
+              <a:t> z: https://www.czso.cz/documents/10180/171475716/320198210308.xlsx/cc20c6ed-dbde-4d77-bf7e-f6f4caa339c1?version=1.3</a:t>
             </a:r>
             <a:endParaRPr lang="cs-CZ" sz="2800" dirty="0">
               <a:effectLst/>
@@ -6772,7 +6930,7 @@
                 <a:latin typeface="Arial" panose="020B0604020202020204" pitchFamily="34" charset="0"/>
                 <a:ea typeface="Arial" panose="020B0604020202020204" pitchFamily="34" charset="0"/>
               </a:rPr>
-              <a:t>NZIP.CZ. </a:t>
+              <a:t>Data </a:t>
             </a:r>
             <a:r>
               <a:rPr lang="en-US" sz="2800" dirty="0" err="1">
@@ -6780,7 +6938,7 @@
                 <a:latin typeface="Arial" panose="020B0604020202020204" pitchFamily="34" charset="0"/>
                 <a:ea typeface="Arial" panose="020B0604020202020204" pitchFamily="34" charset="0"/>
               </a:rPr>
-              <a:t>Národní</a:t>
+              <a:t>ke</a:t>
             </a:r>
             <a:r>
               <a:rPr lang="en-US" sz="2800" dirty="0">
@@ -6796,7 +6954,7 @@
                 <a:latin typeface="Arial" panose="020B0604020202020204" pitchFamily="34" charset="0"/>
                 <a:ea typeface="Arial" panose="020B0604020202020204" pitchFamily="34" charset="0"/>
               </a:rPr>
-              <a:t>onkologický</a:t>
+              <a:t>stažení</a:t>
             </a:r>
             <a:r>
               <a:rPr lang="en-US" sz="2800" dirty="0">
@@ -6804,15 +6962,87 @@
                 <a:latin typeface="Arial" panose="020B0604020202020204" pitchFamily="34" charset="0"/>
                 <a:ea typeface="Arial" panose="020B0604020202020204" pitchFamily="34" charset="0"/>
               </a:rPr>
+              <a:t> – </a:t>
+            </a:r>
+            <a:r>
+              <a:rPr lang="en-US" sz="2800" dirty="0" err="1">
+                <a:effectLst/>
+                <a:latin typeface="Arial" panose="020B0604020202020204" pitchFamily="34" charset="0"/>
+                <a:ea typeface="Arial" panose="020B0604020202020204" pitchFamily="34" charset="0"/>
+              </a:rPr>
+              <a:t>Číselníky</a:t>
+            </a:r>
+            <a:r>
+              <a:rPr lang="en-US" sz="2800" dirty="0">
+                <a:effectLst/>
+                <a:latin typeface="Arial" panose="020B0604020202020204" pitchFamily="34" charset="0"/>
+                <a:ea typeface="Arial" panose="020B0604020202020204" pitchFamily="34" charset="0"/>
+              </a:rPr>
+              <a:t>.</a:t>
+            </a:r>
+            <a:r>
+              <a:rPr lang="en-US" sz="2800" i="1" dirty="0">
+                <a:effectLst/>
+                <a:latin typeface="Arial" panose="020B0604020202020204" pitchFamily="34" charset="0"/>
+                <a:ea typeface="Arial" panose="020B0604020202020204" pitchFamily="34" charset="0"/>
+              </a:rPr>
+              <a:t> Data </a:t>
+            </a:r>
+            <a:r>
+              <a:rPr lang="en-US" sz="2800" i="1" dirty="0" err="1">
+                <a:effectLst/>
+                <a:latin typeface="Arial" panose="020B0604020202020204" pitchFamily="34" charset="0"/>
+                <a:ea typeface="Arial" panose="020B0604020202020204" pitchFamily="34" charset="0"/>
+              </a:rPr>
+              <a:t>ke</a:t>
+            </a:r>
+            <a:r>
+              <a:rPr lang="en-US" sz="2800" i="1" dirty="0">
+                <a:effectLst/>
+                <a:latin typeface="Arial" panose="020B0604020202020204" pitchFamily="34" charset="0"/>
+                <a:ea typeface="Arial" panose="020B0604020202020204" pitchFamily="34" charset="0"/>
+              </a:rPr>
               <a:t> </a:t>
             </a:r>
             <a:r>
+              <a:rPr lang="en-US" sz="2800" i="1" dirty="0" err="1">
+                <a:effectLst/>
+                <a:latin typeface="Arial" panose="020B0604020202020204" pitchFamily="34" charset="0"/>
+                <a:ea typeface="Arial" panose="020B0604020202020204" pitchFamily="34" charset="0"/>
+              </a:rPr>
+              <a:t>stažení</a:t>
+            </a:r>
+            <a:r>
+              <a:rPr lang="en-US" sz="2800" i="1" dirty="0">
+                <a:effectLst/>
+                <a:latin typeface="Arial" panose="020B0604020202020204" pitchFamily="34" charset="0"/>
+                <a:ea typeface="Arial" panose="020B0604020202020204" pitchFamily="34" charset="0"/>
+              </a:rPr>
+              <a:t> – </a:t>
+            </a:r>
+            <a:r>
+              <a:rPr lang="en-US" sz="2800" i="1" dirty="0" err="1">
+                <a:effectLst/>
+                <a:latin typeface="Arial" panose="020B0604020202020204" pitchFamily="34" charset="0"/>
+                <a:ea typeface="Arial" panose="020B0604020202020204" pitchFamily="34" charset="0"/>
+              </a:rPr>
+              <a:t>Číselníky</a:t>
+            </a:r>
+            <a:r>
+              <a:rPr lang="en-US" sz="2800" dirty="0">
+                <a:effectLst/>
+                <a:latin typeface="Arial" panose="020B0604020202020204" pitchFamily="34" charset="0"/>
+                <a:ea typeface="Arial" panose="020B0604020202020204" pitchFamily="34" charset="0"/>
+              </a:rPr>
+              <a:t> [online]. [cit. 2024-05-01]. </a:t>
+            </a:r>
+            <a:r>
               <a:rPr lang="en-US" sz="2800" dirty="0" err="1">
                 <a:effectLst/>
                 <a:latin typeface="Arial" panose="020B0604020202020204" pitchFamily="34" charset="0"/>
                 <a:ea typeface="Arial" panose="020B0604020202020204" pitchFamily="34" charset="0"/>
               </a:rPr>
-              <a:t>registr</a:t>
+              <a:t>Dostupné</a:t>
             </a:r>
             <a:r>
               <a:rPr lang="en-US" sz="2800" dirty="0">
@@ -6820,111 +7050,7 @@
                 <a:latin typeface="Arial" panose="020B0604020202020204" pitchFamily="34" charset="0"/>
                 <a:ea typeface="Arial" panose="020B0604020202020204" pitchFamily="34" charset="0"/>
               </a:rPr>
-              <a:t>: </a:t>
-            </a:r>
-            <a:r>
-              <a:rPr lang="en-US" sz="2800" dirty="0" err="1">
-                <a:effectLst/>
-                <a:latin typeface="Arial" panose="020B0604020202020204" pitchFamily="34" charset="0"/>
-                <a:ea typeface="Arial" panose="020B0604020202020204" pitchFamily="34" charset="0"/>
-              </a:rPr>
-              <a:t>Datové</a:t>
-            </a:r>
-            <a:r>
-              <a:rPr lang="en-US" sz="2800" dirty="0">
-                <a:effectLst/>
-                <a:latin typeface="Arial" panose="020B0604020202020204" pitchFamily="34" charset="0"/>
-                <a:ea typeface="Arial" panose="020B0604020202020204" pitchFamily="34" charset="0"/>
-              </a:rPr>
-              <a:t> </a:t>
-            </a:r>
-            <a:r>
-              <a:rPr lang="en-US" sz="2800" dirty="0" err="1">
-                <a:effectLst/>
-                <a:latin typeface="Arial" panose="020B0604020202020204" pitchFamily="34" charset="0"/>
-                <a:ea typeface="Arial" panose="020B0604020202020204" pitchFamily="34" charset="0"/>
-              </a:rPr>
-              <a:t>souhrny</a:t>
-            </a:r>
-            <a:r>
-              <a:rPr lang="en-US" sz="2800" dirty="0">
-                <a:effectLst/>
-                <a:latin typeface="Arial" panose="020B0604020202020204" pitchFamily="34" charset="0"/>
-                <a:ea typeface="Arial" panose="020B0604020202020204" pitchFamily="34" charset="0"/>
-              </a:rPr>
-              <a:t>.</a:t>
-            </a:r>
-            <a:r>
-              <a:rPr lang="en-US" sz="2800" i="1" dirty="0">
-                <a:effectLst/>
-                <a:latin typeface="Arial" panose="020B0604020202020204" pitchFamily="34" charset="0"/>
-                <a:ea typeface="Arial" panose="020B0604020202020204" pitchFamily="34" charset="0"/>
-              </a:rPr>
-              <a:t> </a:t>
-            </a:r>
-            <a:r>
-              <a:rPr lang="en-US" sz="2800" i="1" dirty="0" err="1">
-                <a:effectLst/>
-                <a:latin typeface="Arial" panose="020B0604020202020204" pitchFamily="34" charset="0"/>
-                <a:ea typeface="Arial" panose="020B0604020202020204" pitchFamily="34" charset="0"/>
-              </a:rPr>
-              <a:t>Národní</a:t>
-            </a:r>
-            <a:r>
-              <a:rPr lang="en-US" sz="2800" i="1" dirty="0">
-                <a:effectLst/>
-                <a:latin typeface="Arial" panose="020B0604020202020204" pitchFamily="34" charset="0"/>
-                <a:ea typeface="Arial" panose="020B0604020202020204" pitchFamily="34" charset="0"/>
-              </a:rPr>
-              <a:t> </a:t>
-            </a:r>
-            <a:r>
-              <a:rPr lang="en-US" sz="2800" i="1" dirty="0" err="1">
-                <a:effectLst/>
-                <a:latin typeface="Arial" panose="020B0604020202020204" pitchFamily="34" charset="0"/>
-                <a:ea typeface="Arial" panose="020B0604020202020204" pitchFamily="34" charset="0"/>
-              </a:rPr>
-              <a:t>onkologický</a:t>
-            </a:r>
-            <a:r>
-              <a:rPr lang="en-US" sz="2800" i="1" dirty="0">
-                <a:effectLst/>
-                <a:latin typeface="Arial" panose="020B0604020202020204" pitchFamily="34" charset="0"/>
-                <a:ea typeface="Arial" panose="020B0604020202020204" pitchFamily="34" charset="0"/>
-              </a:rPr>
-              <a:t> </a:t>
-            </a:r>
-            <a:r>
-              <a:rPr lang="en-US" sz="2800" i="1" dirty="0" err="1">
-                <a:effectLst/>
-                <a:latin typeface="Arial" panose="020B0604020202020204" pitchFamily="34" charset="0"/>
-                <a:ea typeface="Arial" panose="020B0604020202020204" pitchFamily="34" charset="0"/>
-              </a:rPr>
-              <a:t>registr</a:t>
-            </a:r>
-            <a:r>
-              <a:rPr lang="en-US" sz="2800" dirty="0">
-                <a:effectLst/>
-                <a:latin typeface="Arial" panose="020B0604020202020204" pitchFamily="34" charset="0"/>
-                <a:ea typeface="Arial" panose="020B0604020202020204" pitchFamily="34" charset="0"/>
-              </a:rPr>
-              <a:t> [online]. [cit. 2024-05-01]. </a:t>
-            </a:r>
-            <a:r>
-              <a:rPr lang="en-US" sz="2800" dirty="0" err="1">
-                <a:effectLst/>
-                <a:latin typeface="Arial" panose="020B0604020202020204" pitchFamily="34" charset="0"/>
-                <a:ea typeface="Arial" panose="020B0604020202020204" pitchFamily="34" charset="0"/>
-              </a:rPr>
-              <a:t>Dostupné</a:t>
-            </a:r>
-            <a:r>
-              <a:rPr lang="en-US" sz="2800" dirty="0">
-                <a:effectLst/>
-                <a:latin typeface="Arial" panose="020B0604020202020204" pitchFamily="34" charset="0"/>
-                <a:ea typeface="Arial" panose="020B0604020202020204" pitchFamily="34" charset="0"/>
-              </a:rPr>
-              <a:t> z: https://www.nzip.cz/kategorie/288-narodni-onkologicky-registr-datove-souhrny</a:t>
+              <a:t> z: https://eagri.cz/ssl/nosso-app/DataKeStazeni/Okresy</a:t>
             </a:r>
             <a:endParaRPr lang="cs-CZ" sz="2800" dirty="0">
               <a:effectLst/>
@@ -6942,12 +7068,52 @@
               </a:spcAft>
             </a:pPr>
             <a:r>
+              <a:rPr lang="en-US" sz="2800" dirty="0" err="1">
+                <a:effectLst/>
+                <a:latin typeface="Arial" panose="020B0604020202020204" pitchFamily="34" charset="0"/>
+                <a:ea typeface="Arial" panose="020B0604020202020204" pitchFamily="34" charset="0"/>
+              </a:rPr>
+              <a:t>Obec</a:t>
+            </a:r>
+            <a:r>
               <a:rPr lang="en-US" sz="2800" dirty="0">
                 <a:effectLst/>
                 <a:latin typeface="Arial" panose="020B0604020202020204" pitchFamily="34" charset="0"/>
                 <a:ea typeface="Arial" panose="020B0604020202020204" pitchFamily="34" charset="0"/>
               </a:rPr>
-              <a:t>CIABATTINI, Marco, Emanuele RIZZELLO, Francesca LUCARONI, Leonardo PALOMBI a Paolo A. BOFFETTA. Systematic review and meta-analysis of recent high-quality studies on exposure to particulate matter and risk of lung cancer.</a:t>
+              <a:t> a </a:t>
+            </a:r>
+            <a:r>
+              <a:rPr lang="en-US" sz="2800" dirty="0" err="1">
+                <a:effectLst/>
+                <a:latin typeface="Arial" panose="020B0604020202020204" pitchFamily="34" charset="0"/>
+                <a:ea typeface="Arial" panose="020B0604020202020204" pitchFamily="34" charset="0"/>
+              </a:rPr>
+              <a:t>vojenský</a:t>
+            </a:r>
+            <a:r>
+              <a:rPr lang="en-US" sz="2800" dirty="0">
+                <a:effectLst/>
+                <a:latin typeface="Arial" panose="020B0604020202020204" pitchFamily="34" charset="0"/>
+                <a:ea typeface="Arial" panose="020B0604020202020204" pitchFamily="34" charset="0"/>
+              </a:rPr>
+              <a:t> </a:t>
+            </a:r>
+            <a:r>
+              <a:rPr lang="en-US" sz="2800" dirty="0" err="1">
+                <a:effectLst/>
+                <a:latin typeface="Arial" panose="020B0604020202020204" pitchFamily="34" charset="0"/>
+                <a:ea typeface="Arial" panose="020B0604020202020204" pitchFamily="34" charset="0"/>
+              </a:rPr>
+              <a:t>újezd</a:t>
+            </a:r>
+            <a:r>
+              <a:rPr lang="en-US" sz="2800" dirty="0">
+                <a:effectLst/>
+                <a:latin typeface="Arial" panose="020B0604020202020204" pitchFamily="34" charset="0"/>
+                <a:ea typeface="Arial" panose="020B0604020202020204" pitchFamily="34" charset="0"/>
+              </a:rPr>
+              <a:t>.</a:t>
             </a:r>
             <a:r>
               <a:rPr lang="en-US" sz="2800" i="1" dirty="0">
@@ -6955,7 +7121,47 @@
                 <a:latin typeface="Arial" panose="020B0604020202020204" pitchFamily="34" charset="0"/>
                 <a:ea typeface="Arial" panose="020B0604020202020204" pitchFamily="34" charset="0"/>
               </a:rPr>
-              <a:t> Environmental Research</a:t>
+              <a:t> </a:t>
+            </a:r>
+            <a:r>
+              <a:rPr lang="en-US" sz="2800" i="1" dirty="0" err="1">
+                <a:effectLst/>
+                <a:latin typeface="Arial" panose="020B0604020202020204" pitchFamily="34" charset="0"/>
+                <a:ea typeface="Arial" panose="020B0604020202020204" pitchFamily="34" charset="0"/>
+              </a:rPr>
+              <a:t>Statistický</a:t>
+            </a:r>
+            <a:r>
+              <a:rPr lang="en-US" sz="2800" i="1" dirty="0">
+                <a:effectLst/>
+                <a:latin typeface="Arial" panose="020B0604020202020204" pitchFamily="34" charset="0"/>
+                <a:ea typeface="Arial" panose="020B0604020202020204" pitchFamily="34" charset="0"/>
+              </a:rPr>
+              <a:t> </a:t>
+            </a:r>
+            <a:r>
+              <a:rPr lang="en-US" sz="2800" i="1" dirty="0" err="1">
+                <a:effectLst/>
+                <a:latin typeface="Arial" panose="020B0604020202020204" pitchFamily="34" charset="0"/>
+                <a:ea typeface="Arial" panose="020B0604020202020204" pitchFamily="34" charset="0"/>
+              </a:rPr>
+              <a:t>metainformační</a:t>
+            </a:r>
+            <a:r>
+              <a:rPr lang="en-US" sz="2800" i="1" dirty="0">
+                <a:effectLst/>
+                <a:latin typeface="Arial" panose="020B0604020202020204" pitchFamily="34" charset="0"/>
+                <a:ea typeface="Arial" panose="020B0604020202020204" pitchFamily="34" charset="0"/>
+              </a:rPr>
+              <a:t> </a:t>
+            </a:r>
+            <a:r>
+              <a:rPr lang="en-US" sz="2800" i="1" dirty="0" err="1">
+                <a:effectLst/>
+                <a:latin typeface="Arial" panose="020B0604020202020204" pitchFamily="34" charset="0"/>
+                <a:ea typeface="Arial" panose="020B0604020202020204" pitchFamily="34" charset="0"/>
+              </a:rPr>
+              <a:t>systém</a:t>
             </a:r>
             <a:r>
               <a:rPr lang="en-US" sz="2800" dirty="0">
@@ -6963,15 +7169,15 @@
                 <a:latin typeface="Arial" panose="020B0604020202020204" pitchFamily="34" charset="0"/>
                 <a:ea typeface="Arial" panose="020B0604020202020204" pitchFamily="34" charset="0"/>
               </a:rPr>
-              <a:t> [online]. May 2021, </a:t>
-            </a:r>
-            <a:r>
-              <a:rPr lang="en-US" sz="2800" b="1" dirty="0">
-                <a:effectLst/>
-                <a:latin typeface="Arial" panose="020B0604020202020204" pitchFamily="34" charset="0"/>
-                <a:ea typeface="Arial" panose="020B0604020202020204" pitchFamily="34" charset="0"/>
-              </a:rPr>
-              <a:t>2021</a:t>
+              <a:t> [online]. 2024 [cit. 2024-05-01]. </a:t>
+            </a:r>
+            <a:r>
+              <a:rPr lang="en-US" sz="2800" dirty="0" err="1">
+                <a:effectLst/>
+                <a:latin typeface="Arial" panose="020B0604020202020204" pitchFamily="34" charset="0"/>
+                <a:ea typeface="Arial" panose="020B0604020202020204" pitchFamily="34" charset="0"/>
+              </a:rPr>
+              <a:t>Dostupné</a:t>
             </a:r>
             <a:r>
               <a:rPr lang="en-US" sz="2800" dirty="0">
@@ -6979,39 +7185,7 @@
                 <a:latin typeface="Arial" panose="020B0604020202020204" pitchFamily="34" charset="0"/>
                 <a:ea typeface="Arial" panose="020B0604020202020204" pitchFamily="34" charset="0"/>
               </a:rPr>
-              <a:t>(196:110440) [cit. 2024-05-01]. ISSN 0013-9351. </a:t>
-            </a:r>
-            <a:r>
-              <a:rPr lang="en-US" sz="2800" dirty="0" err="1">
-                <a:effectLst/>
-                <a:latin typeface="Arial" panose="020B0604020202020204" pitchFamily="34" charset="0"/>
-                <a:ea typeface="Arial" panose="020B0604020202020204" pitchFamily="34" charset="0"/>
-              </a:rPr>
-              <a:t>Dostupné</a:t>
-            </a:r>
-            <a:r>
-              <a:rPr lang="en-US" sz="2800" dirty="0">
-                <a:effectLst/>
-                <a:latin typeface="Arial" panose="020B0604020202020204" pitchFamily="34" charset="0"/>
-                <a:ea typeface="Arial" panose="020B0604020202020204" pitchFamily="34" charset="0"/>
-              </a:rPr>
-              <a:t> z: </a:t>
-            </a:r>
-            <a:r>
-              <a:rPr lang="en-US" sz="2800" dirty="0" err="1">
-                <a:effectLst/>
-                <a:latin typeface="Arial" panose="020B0604020202020204" pitchFamily="34" charset="0"/>
-                <a:ea typeface="Arial" panose="020B0604020202020204" pitchFamily="34" charset="0"/>
-              </a:rPr>
-              <a:t>doi:https</a:t>
-            </a:r>
-            <a:r>
-              <a:rPr lang="en-US" sz="2800" dirty="0">
-                <a:effectLst/>
-                <a:latin typeface="Arial" panose="020B0604020202020204" pitchFamily="34" charset="0"/>
-                <a:ea typeface="Arial" panose="020B0604020202020204" pitchFamily="34" charset="0"/>
-              </a:rPr>
-              <a:t>://doi.org/10.1016/j.envres.2020.110440</a:t>
+              <a:t> z: https://apl2.czso.cz/iSMS/cisdata.jsp?kodcis=43</a:t>
             </a:r>
             <a:endParaRPr lang="cs-CZ" sz="2800" dirty="0">
               <a:effectLst/>
@@ -7019,94 +7193,12 @@
               <a:ea typeface="Arial" panose="020B0604020202020204" pitchFamily="34" charset="0"/>
             </a:endParaRPr>
           </a:p>
-          <a:p>
-            <a:pPr>
-              <a:lnSpc>
-                <a:spcPct val="115000"/>
-              </a:lnSpc>
-              <a:spcAft>
-                <a:spcPts val="800"/>
-              </a:spcAft>
-            </a:pPr>
-            <a:r>
-              <a:rPr lang="en-US" sz="2800" dirty="0">
-                <a:effectLst/>
-                <a:latin typeface="Arial" panose="020B0604020202020204" pitchFamily="34" charset="0"/>
-                <a:ea typeface="Arial" panose="020B0604020202020204" pitchFamily="34" charset="0"/>
-              </a:rPr>
-              <a:t>TARSHEEN K., Sethi, El-</a:t>
-            </a:r>
-            <a:r>
-              <a:rPr lang="en-US" sz="2800" dirty="0" err="1">
-                <a:effectLst/>
-                <a:latin typeface="Arial" panose="020B0604020202020204" pitchFamily="34" charset="0"/>
-                <a:ea typeface="Arial" panose="020B0604020202020204" pitchFamily="34" charset="0"/>
-              </a:rPr>
-              <a:t>Ghamry</a:t>
-            </a:r>
-            <a:r>
-              <a:rPr lang="en-US" sz="2800" dirty="0">
-                <a:effectLst/>
-                <a:latin typeface="Arial" panose="020B0604020202020204" pitchFamily="34" charset="0"/>
-                <a:ea typeface="Arial" panose="020B0604020202020204" pitchFamily="34" charset="0"/>
-              </a:rPr>
-              <a:t> MOATAZ N. a </a:t>
-            </a:r>
-            <a:r>
-              <a:rPr lang="en-US" sz="2800" dirty="0" err="1">
-                <a:effectLst/>
-                <a:latin typeface="Arial" panose="020B0604020202020204" pitchFamily="34" charset="0"/>
-                <a:ea typeface="Arial" panose="020B0604020202020204" pitchFamily="34" charset="0"/>
-              </a:rPr>
-              <a:t>Kloecker</a:t>
-            </a:r>
-            <a:r>
-              <a:rPr lang="en-US" sz="2800" dirty="0">
-                <a:effectLst/>
-                <a:latin typeface="Arial" panose="020B0604020202020204" pitchFamily="34" charset="0"/>
-                <a:ea typeface="Arial" panose="020B0604020202020204" pitchFamily="34" charset="0"/>
-              </a:rPr>
-              <a:t> GOETZ H. Radon and Lung Cancer.</a:t>
-            </a:r>
-            <a:r>
-              <a:rPr lang="en-US" sz="2800" i="1" dirty="0">
-                <a:effectLst/>
-                <a:latin typeface="Arial" panose="020B0604020202020204" pitchFamily="34" charset="0"/>
-                <a:ea typeface="Arial" panose="020B0604020202020204" pitchFamily="34" charset="0"/>
-              </a:rPr>
-              <a:t> Clinical Advances in Hematology &amp; Oncology</a:t>
-            </a:r>
-            <a:r>
-              <a:rPr lang="en-US" sz="2800" dirty="0">
-                <a:effectLst/>
-                <a:latin typeface="Arial" panose="020B0604020202020204" pitchFamily="34" charset="0"/>
-                <a:ea typeface="Arial" panose="020B0604020202020204" pitchFamily="34" charset="0"/>
-              </a:rPr>
-              <a:t>. March 2012, </a:t>
-            </a:r>
-            <a:r>
-              <a:rPr lang="en-US" sz="2800" b="1" dirty="0">
-                <a:effectLst/>
-                <a:latin typeface="Arial" panose="020B0604020202020204" pitchFamily="34" charset="0"/>
-                <a:ea typeface="Arial" panose="020B0604020202020204" pitchFamily="34" charset="0"/>
-              </a:rPr>
-              <a:t>10</a:t>
-            </a:r>
-            <a:r>
-              <a:rPr lang="en-US" sz="2800" dirty="0">
-                <a:effectLst/>
-                <a:latin typeface="Arial" panose="020B0604020202020204" pitchFamily="34" charset="0"/>
-                <a:ea typeface="Arial" panose="020B0604020202020204" pitchFamily="34" charset="0"/>
-              </a:rPr>
-              <a:t>(3), 157-164.</a:t>
-            </a:r>
-          </a:p>
         </p:txBody>
       </p:sp>
     </p:spTree>
     <p:extLst>
       <p:ext uri="{BB962C8B-B14F-4D97-AF65-F5344CB8AC3E}">
-        <p14:creationId xmlns:p14="http://schemas.microsoft.com/office/powerpoint/2010/main" val="1798525968"/>
+        <p14:creationId xmlns:p14="http://schemas.microsoft.com/office/powerpoint/2010/main" val="2125351514"/>
       </p:ext>
     </p:extLst>
   </p:cSld>
